--- a/Zoo.pptx
+++ b/Zoo.pptx
@@ -5,18 +5,24 @@
     <p:sldMasterId id="2147483648" r:id="rId1"/>
   </p:sldMasterIdLst>
   <p:notesMasterIdLst>
-    <p:notesMasterId r:id="rId8"/>
+    <p:notesMasterId r:id="rId14"/>
   </p:notesMasterIdLst>
   <p:handoutMasterIdLst>
-    <p:handoutMasterId r:id="rId9"/>
+    <p:handoutMasterId r:id="rId15"/>
   </p:handoutMasterIdLst>
   <p:sldIdLst>
     <p:sldId id="256" r:id="rId2"/>
     <p:sldId id="266" r:id="rId3"/>
     <p:sldId id="263" r:id="rId4"/>
-    <p:sldId id="261" r:id="rId5"/>
-    <p:sldId id="265" r:id="rId6"/>
-    <p:sldId id="267" r:id="rId7"/>
+    <p:sldId id="269" r:id="rId5"/>
+    <p:sldId id="268" r:id="rId6"/>
+    <p:sldId id="261" r:id="rId7"/>
+    <p:sldId id="265" r:id="rId8"/>
+    <p:sldId id="270" r:id="rId9"/>
+    <p:sldId id="271" r:id="rId10"/>
+    <p:sldId id="272" r:id="rId11"/>
+    <p:sldId id="273" r:id="rId12"/>
+    <p:sldId id="267" r:id="rId13"/>
   </p:sldIdLst>
   <p:sldSz cx="12192000" cy="6858000"/>
   <p:notesSz cx="6858000" cy="9144000"/>
@@ -115,6 +121,14 @@
       </a:defRPr>
     </a:lvl9pPr>
   </p:defaultTextStyle>
+  <p:extLst>
+    <p:ext uri="{EFAFB233-063F-42B5-8137-9DF3F51BA10A}">
+      <p15:sldGuideLst xmlns:p15="http://schemas.microsoft.com/office/powerpoint/2012/main"/>
+    </p:ext>
+    <p:ext uri="{2D200454-40CA-4A62-9FC3-DE9A4176ACB9}">
+      <p15:notesGuideLst xmlns:p15="http://schemas.microsoft.com/office/powerpoint/2012/main"/>
+    </p:ext>
+  </p:extLst>
 </p:presentation>
 </file>
 
@@ -200,7 +214,7 @@
           <a:p>
             <a:fld id="{70D0B8ED-529C-4580-A1E0-32CB70AFFC27}" type="datetimeFigureOut">
               <a:rPr lang="zh-TW" altLang="en-US" smtClean="0"/>
-              <a:t>2022/4/16</a:t>
+              <a:t>2022/4/20</a:t>
             </a:fld>
             <a:endParaRPr lang="zh-TW" altLang="en-US"/>
           </a:p>
@@ -365,7 +379,7 @@
           <a:p>
             <a:fld id="{275D115C-AC36-4580-89FF-99E16F395DAE}" type="datetimeFigureOut">
               <a:rPr lang="zh-TW" altLang="en-US" smtClean="0"/>
-              <a:t>2022/4/16</a:t>
+              <a:t>2022/4/20</a:t>
             </a:fld>
             <a:endParaRPr lang="zh-TW" altLang="en-US"/>
           </a:p>
@@ -429,38 +443,37 @@
           <a:p>
             <a:pPr lvl="0"/>
             <a:r>
-              <a:rPr lang="zh-TW" altLang="en-US" smtClean="0"/>
+              <a:rPr lang="zh-TW" altLang="en-US"/>
               <a:t>編輯母片文字樣式</a:t>
             </a:r>
           </a:p>
           <a:p>
             <a:pPr lvl="1"/>
             <a:r>
-              <a:rPr lang="zh-TW" altLang="en-US" smtClean="0"/>
+              <a:rPr lang="zh-TW" altLang="en-US"/>
               <a:t>第二層</a:t>
             </a:r>
           </a:p>
           <a:p>
             <a:pPr lvl="2"/>
             <a:r>
-              <a:rPr lang="zh-TW" altLang="en-US" smtClean="0"/>
+              <a:rPr lang="zh-TW" altLang="en-US"/>
               <a:t>第三層</a:t>
             </a:r>
           </a:p>
           <a:p>
             <a:pPr lvl="3"/>
             <a:r>
-              <a:rPr lang="zh-TW" altLang="en-US" smtClean="0"/>
+              <a:rPr lang="zh-TW" altLang="en-US"/>
               <a:t>第四層</a:t>
             </a:r>
           </a:p>
           <a:p>
             <a:pPr lvl="4"/>
             <a:r>
-              <a:rPr lang="zh-TW" altLang="en-US" smtClean="0"/>
+              <a:rPr lang="zh-TW" altLang="en-US"/>
               <a:t>第五層</a:t>
             </a:r>
-            <a:endParaRPr lang="zh-TW" altLang="en-US"/>
           </a:p>
         </p:txBody>
       </p:sp>
@@ -759,10 +772,9 @@
           </a:lstStyle>
           <a:p>
             <a:r>
-              <a:rPr lang="zh-TW" altLang="en-US" smtClean="0"/>
+              <a:rPr lang="zh-TW" altLang="en-US"/>
               <a:t>按一下以編輯母片標題樣式</a:t>
             </a:r>
-            <a:endParaRPr lang="zh-TW" altLang="en-US"/>
           </a:p>
         </p:txBody>
       </p:sp>
@@ -824,10 +836,9 @@
           </a:lstStyle>
           <a:p>
             <a:r>
-              <a:rPr lang="zh-TW" altLang="en-US" smtClean="0"/>
+              <a:rPr lang="zh-TW" altLang="en-US"/>
               <a:t>按一下以編輯母片副標題樣式</a:t>
             </a:r>
-            <a:endParaRPr lang="zh-TW" altLang="en-US"/>
           </a:p>
         </p:txBody>
       </p:sp>
@@ -848,7 +859,7 @@
           <a:p>
             <a:fld id="{BB0C4050-DEC4-4881-824D-30C1E3F2A9A8}" type="datetime1">
               <a:rPr lang="zh-TW" altLang="en-US" smtClean="0"/>
-              <a:t>2022/4/16</a:t>
+              <a:t>2022/4/20</a:t>
             </a:fld>
             <a:endParaRPr lang="zh-TW" altLang="en-US"/>
           </a:p>
@@ -1034,10 +1045,9 @@
           <a:lstStyle/>
           <a:p>
             <a:r>
-              <a:rPr lang="zh-TW" altLang="en-US" smtClean="0"/>
+              <a:rPr lang="zh-TW" altLang="en-US"/>
               <a:t>按一下以編輯母片標題樣式</a:t>
             </a:r>
-            <a:endParaRPr lang="zh-TW" altLang="en-US"/>
           </a:p>
         </p:txBody>
       </p:sp>
@@ -1058,38 +1068,37 @@
           <a:p>
             <a:pPr lvl="0"/>
             <a:r>
-              <a:rPr lang="zh-TW" altLang="en-US" smtClean="0"/>
+              <a:rPr lang="zh-TW" altLang="en-US"/>
               <a:t>編輯母片文字樣式</a:t>
             </a:r>
           </a:p>
           <a:p>
             <a:pPr lvl="1"/>
             <a:r>
-              <a:rPr lang="zh-TW" altLang="en-US" smtClean="0"/>
+              <a:rPr lang="zh-TW" altLang="en-US"/>
               <a:t>第二層</a:t>
             </a:r>
           </a:p>
           <a:p>
             <a:pPr lvl="2"/>
             <a:r>
-              <a:rPr lang="zh-TW" altLang="en-US" smtClean="0"/>
+              <a:rPr lang="zh-TW" altLang="en-US"/>
               <a:t>第三層</a:t>
             </a:r>
           </a:p>
           <a:p>
             <a:pPr lvl="3"/>
             <a:r>
-              <a:rPr lang="zh-TW" altLang="en-US" smtClean="0"/>
+              <a:rPr lang="zh-TW" altLang="en-US"/>
               <a:t>第四層</a:t>
             </a:r>
           </a:p>
           <a:p>
             <a:pPr lvl="4"/>
             <a:r>
-              <a:rPr lang="zh-TW" altLang="en-US" smtClean="0"/>
+              <a:rPr lang="zh-TW" altLang="en-US"/>
               <a:t>第五層</a:t>
             </a:r>
-            <a:endParaRPr lang="zh-TW" altLang="en-US"/>
           </a:p>
         </p:txBody>
       </p:sp>
@@ -1110,7 +1119,7 @@
           <a:p>
             <a:fld id="{C34F2E2B-7091-42C9-B270-BB9E8B980B4B}" type="datetime1">
               <a:rPr lang="zh-TW" altLang="en-US" smtClean="0"/>
-              <a:t>2022/4/16</a:t>
+              <a:t>2022/4/20</a:t>
             </a:fld>
             <a:endParaRPr lang="zh-TW" altLang="en-US"/>
           </a:p>
@@ -1214,13 +1223,6 @@
   <p:clrMapOvr>
     <a:masterClrMapping/>
   </p:clrMapOvr>
-  <p:timing>
-    <p:tnLst>
-      <p:par>
-        <p:cTn id="1" dur="indefinite" restart="never" nodeType="tmRoot"/>
-      </p:par>
-    </p:tnLst>
-  </p:timing>
 </p:sldLayout>
 </file>
 
@@ -1262,10 +1264,9 @@
           <a:lstStyle/>
           <a:p>
             <a:r>
-              <a:rPr lang="zh-TW" altLang="en-US" smtClean="0"/>
+              <a:rPr lang="zh-TW" altLang="en-US"/>
               <a:t>按一下以編輯母片標題樣式</a:t>
             </a:r>
-            <a:endParaRPr lang="zh-TW" altLang="en-US"/>
           </a:p>
         </p:txBody>
       </p:sp>
@@ -1291,38 +1292,37 @@
           <a:p>
             <a:pPr lvl="0"/>
             <a:r>
-              <a:rPr lang="zh-TW" altLang="en-US" smtClean="0"/>
+              <a:rPr lang="zh-TW" altLang="en-US"/>
               <a:t>編輯母片文字樣式</a:t>
             </a:r>
           </a:p>
           <a:p>
             <a:pPr lvl="1"/>
             <a:r>
-              <a:rPr lang="zh-TW" altLang="en-US" smtClean="0"/>
+              <a:rPr lang="zh-TW" altLang="en-US"/>
               <a:t>第二層</a:t>
             </a:r>
           </a:p>
           <a:p>
             <a:pPr lvl="2"/>
             <a:r>
-              <a:rPr lang="zh-TW" altLang="en-US" smtClean="0"/>
+              <a:rPr lang="zh-TW" altLang="en-US"/>
               <a:t>第三層</a:t>
             </a:r>
           </a:p>
           <a:p>
             <a:pPr lvl="3"/>
             <a:r>
-              <a:rPr lang="zh-TW" altLang="en-US" smtClean="0"/>
+              <a:rPr lang="zh-TW" altLang="en-US"/>
               <a:t>第四層</a:t>
             </a:r>
           </a:p>
           <a:p>
             <a:pPr lvl="4"/>
             <a:r>
-              <a:rPr lang="zh-TW" altLang="en-US" smtClean="0"/>
+              <a:rPr lang="zh-TW" altLang="en-US"/>
               <a:t>第五層</a:t>
             </a:r>
-            <a:endParaRPr lang="zh-TW" altLang="en-US"/>
           </a:p>
         </p:txBody>
       </p:sp>
@@ -1343,7 +1343,7 @@
           <a:p>
             <a:fld id="{42CA4671-2A61-49EE-BD41-5FC4514C313B}" type="datetime1">
               <a:rPr lang="zh-TW" altLang="en-US" smtClean="0"/>
-              <a:t>2022/4/16</a:t>
+              <a:t>2022/4/20</a:t>
             </a:fld>
             <a:endParaRPr lang="zh-TW" altLang="en-US"/>
           </a:p>
@@ -1447,13 +1447,6 @@
   <p:clrMapOvr>
     <a:masterClrMapping/>
   </p:clrMapOvr>
-  <p:timing>
-    <p:tnLst>
-      <p:par>
-        <p:cTn id="1" dur="indefinite" restart="never" nodeType="tmRoot"/>
-      </p:par>
-    </p:tnLst>
-  </p:timing>
 </p:sldLayout>
 </file>
 
@@ -1552,10 +1545,9 @@
           <a:p>
             <a:pPr marL="0" lvl="0"/>
             <a:r>
-              <a:rPr lang="zh-TW" altLang="en-US" dirty="0" smtClean="0"/>
+              <a:rPr lang="zh-TW" altLang="en-US" dirty="0"/>
               <a:t>按一下以編輯母片標題樣式</a:t>
             </a:r>
-            <a:endParaRPr lang="zh-TW" altLang="en-US" dirty="0"/>
           </a:p>
         </p:txBody>
       </p:sp>
@@ -1576,7 +1568,7 @@
           <a:p>
             <a:fld id="{9693DD7E-7FCF-45AA-BD1B-9F23568B8081}" type="datetime1">
               <a:rPr lang="zh-TW" altLang="en-US" smtClean="0"/>
-              <a:t>2022/4/16</a:t>
+              <a:t>2022/4/20</a:t>
             </a:fld>
             <a:endParaRPr lang="zh-TW" altLang="en-US"/>
           </a:p>
@@ -1717,7 +1709,7 @@
           <a:p>
             <a:fld id="{BD61F9FD-FED9-4EA0-94A3-CDCA41FF80B7}" type="datetime1">
               <a:rPr lang="zh-TW" altLang="en-US" smtClean="0"/>
-              <a:t>2022/4/16</a:t>
+              <a:t>2022/4/20</a:t>
             </a:fld>
             <a:endParaRPr lang="zh-TW" altLang="en-US"/>
           </a:p>
@@ -1797,10 +1789,9 @@
           <a:p>
             <a:pPr marL="0" lvl="0"/>
             <a:r>
-              <a:rPr lang="zh-TW" altLang="en-US" dirty="0" smtClean="0"/>
+              <a:rPr lang="zh-TW" altLang="en-US" dirty="0"/>
               <a:t>按一下以編輯母片標題樣式</a:t>
             </a:r>
-            <a:endParaRPr lang="zh-TW" altLang="en-US" dirty="0"/>
           </a:p>
         </p:txBody>
       </p:sp>
@@ -1814,13 +1805,6 @@
   <p:clrMapOvr>
     <a:masterClrMapping/>
   </p:clrMapOvr>
-  <p:timing>
-    <p:tnLst>
-      <p:par>
-        <p:cTn id="1" dur="indefinite" restart="never" nodeType="tmRoot"/>
-      </p:par>
-    </p:tnLst>
-  </p:timing>
 </p:sldLayout>
 </file>
 
@@ -1904,7 +1888,7 @@
           <a:p>
             <a:fld id="{7AB1C734-E21A-4EC9-8D94-E823CBEF3E6F}" type="datetime1">
               <a:rPr lang="zh-TW" altLang="en-US" smtClean="0"/>
-              <a:t>2022/4/16</a:t>
+              <a:t>2022/4/20</a:t>
             </a:fld>
             <a:endParaRPr lang="zh-TW" altLang="en-US"/>
           </a:p>
@@ -1984,10 +1968,9 @@
           <a:p>
             <a:pPr marL="0" lvl="0"/>
             <a:r>
-              <a:rPr lang="zh-TW" altLang="en-US" dirty="0" smtClean="0"/>
+              <a:rPr lang="zh-TW" altLang="en-US" dirty="0"/>
               <a:t>按一下以編輯母片標題樣式</a:t>
             </a:r>
-            <a:endParaRPr lang="zh-TW" altLang="en-US" dirty="0"/>
           </a:p>
         </p:txBody>
       </p:sp>
@@ -2001,13 +1984,6 @@
   <p:clrMapOvr>
     <a:masterClrMapping/>
   </p:clrMapOvr>
-  <p:timing>
-    <p:tnLst>
-      <p:par>
-        <p:cTn id="1" dur="indefinite" restart="never" nodeType="tmRoot"/>
-      </p:par>
-    </p:tnLst>
-  </p:timing>
 </p:sldLayout>
 </file>
 
@@ -2091,7 +2067,7 @@
           <a:p>
             <a:fld id="{B3E94EC9-08E4-4104-B6C8-DE11BF8F1B9B}" type="datetime1">
               <a:rPr lang="zh-TW" altLang="en-US" smtClean="0"/>
-              <a:t>2022/4/16</a:t>
+              <a:t>2022/4/20</a:t>
             </a:fld>
             <a:endParaRPr lang="zh-TW" altLang="en-US"/>
           </a:p>
@@ -2171,10 +2147,9 @@
           <a:p>
             <a:pPr marL="0" lvl="0"/>
             <a:r>
-              <a:rPr lang="zh-TW" altLang="en-US" dirty="0" smtClean="0"/>
+              <a:rPr lang="zh-TW" altLang="en-US" dirty="0"/>
               <a:t>按一下以編輯母片標題樣式</a:t>
             </a:r>
-            <a:endParaRPr lang="zh-TW" altLang="en-US" dirty="0"/>
           </a:p>
         </p:txBody>
       </p:sp>
@@ -2271,7 +2246,7 @@
           <a:p>
             <a:fld id="{4B4CC18B-CD78-4932-8B30-BE106935244F}" type="datetime1">
               <a:rPr lang="zh-TW" altLang="en-US" smtClean="0"/>
-              <a:t>2022/4/16</a:t>
+              <a:t>2022/4/20</a:t>
             </a:fld>
             <a:endParaRPr lang="zh-TW" altLang="en-US"/>
           </a:p>
@@ -2351,10 +2326,9 @@
           <a:p>
             <a:pPr marL="0" lvl="0"/>
             <a:r>
-              <a:rPr lang="zh-TW" altLang="en-US" dirty="0" smtClean="0"/>
+              <a:rPr lang="zh-TW" altLang="en-US" dirty="0"/>
               <a:t>按一下以編輯母片標題樣式</a:t>
             </a:r>
-            <a:endParaRPr lang="zh-TW" altLang="en-US" dirty="0"/>
           </a:p>
         </p:txBody>
       </p:sp>
@@ -2429,38 +2403,37 @@
           <a:p>
             <a:pPr lvl="0"/>
             <a:r>
-              <a:rPr lang="zh-TW" altLang="en-US" smtClean="0"/>
+              <a:rPr lang="zh-TW" altLang="en-US"/>
               <a:t>編輯母片文字樣式</a:t>
             </a:r>
           </a:p>
           <a:p>
             <a:pPr lvl="1"/>
             <a:r>
-              <a:rPr lang="zh-TW" altLang="en-US" smtClean="0"/>
+              <a:rPr lang="zh-TW" altLang="en-US"/>
               <a:t>第二層</a:t>
             </a:r>
           </a:p>
           <a:p>
             <a:pPr lvl="2"/>
             <a:r>
-              <a:rPr lang="zh-TW" altLang="en-US" smtClean="0"/>
+              <a:rPr lang="zh-TW" altLang="en-US"/>
               <a:t>第三層</a:t>
             </a:r>
           </a:p>
           <a:p>
             <a:pPr lvl="3"/>
             <a:r>
-              <a:rPr lang="zh-TW" altLang="en-US" smtClean="0"/>
+              <a:rPr lang="zh-TW" altLang="en-US"/>
               <a:t>第四層</a:t>
             </a:r>
           </a:p>
           <a:p>
             <a:pPr lvl="4"/>
             <a:r>
-              <a:rPr lang="zh-TW" altLang="en-US" smtClean="0"/>
+              <a:rPr lang="zh-TW" altLang="en-US"/>
               <a:t>第五層</a:t>
             </a:r>
-            <a:endParaRPr lang="zh-TW" altLang="en-US"/>
           </a:p>
         </p:txBody>
       </p:sp>
@@ -2486,38 +2459,37 @@
           <a:p>
             <a:pPr lvl="0"/>
             <a:r>
-              <a:rPr lang="zh-TW" altLang="en-US" smtClean="0"/>
+              <a:rPr lang="zh-TW" altLang="en-US"/>
               <a:t>編輯母片文字樣式</a:t>
             </a:r>
           </a:p>
           <a:p>
             <a:pPr lvl="1"/>
             <a:r>
-              <a:rPr lang="zh-TW" altLang="en-US" smtClean="0"/>
+              <a:rPr lang="zh-TW" altLang="en-US"/>
               <a:t>第二層</a:t>
             </a:r>
           </a:p>
           <a:p>
             <a:pPr lvl="2"/>
             <a:r>
-              <a:rPr lang="zh-TW" altLang="en-US" smtClean="0"/>
+              <a:rPr lang="zh-TW" altLang="en-US"/>
               <a:t>第三層</a:t>
             </a:r>
           </a:p>
           <a:p>
             <a:pPr lvl="3"/>
             <a:r>
-              <a:rPr lang="zh-TW" altLang="en-US" smtClean="0"/>
+              <a:rPr lang="zh-TW" altLang="en-US"/>
               <a:t>第四層</a:t>
             </a:r>
           </a:p>
           <a:p>
             <a:pPr lvl="4"/>
             <a:r>
-              <a:rPr lang="zh-TW" altLang="en-US" smtClean="0"/>
+              <a:rPr lang="zh-TW" altLang="en-US"/>
               <a:t>第五層</a:t>
             </a:r>
-            <a:endParaRPr lang="zh-TW" altLang="en-US"/>
           </a:p>
         </p:txBody>
       </p:sp>
@@ -2538,7 +2510,7 @@
           <a:p>
             <a:fld id="{B3995534-E273-41F9-AD88-E86F2E56860D}" type="datetime1">
               <a:rPr lang="zh-TW" altLang="en-US" smtClean="0"/>
-              <a:t>2022/4/16</a:t>
+              <a:t>2022/4/20</a:t>
             </a:fld>
             <a:endParaRPr lang="zh-TW" altLang="en-US"/>
           </a:p>
@@ -2618,10 +2590,9 @@
           <a:p>
             <a:pPr marL="0" lvl="0"/>
             <a:r>
-              <a:rPr lang="zh-TW" altLang="en-US" dirty="0" smtClean="0"/>
+              <a:rPr lang="zh-TW" altLang="en-US" dirty="0"/>
               <a:t>按一下以編輯母片標題樣式</a:t>
             </a:r>
-            <a:endParaRPr lang="zh-TW" altLang="en-US" dirty="0"/>
           </a:p>
         </p:txBody>
       </p:sp>
@@ -2718,7 +2689,7 @@
           <a:p>
             <a:fld id="{8A617B94-27D4-4410-A9E6-30C6ADA02174}" type="datetime1">
               <a:rPr lang="zh-TW" altLang="en-US" smtClean="0"/>
-              <a:t>2022/4/16</a:t>
+              <a:t>2022/4/20</a:t>
             </a:fld>
             <a:endParaRPr lang="zh-TW" altLang="en-US"/>
           </a:p>
@@ -2833,10 +2804,9 @@
           </a:lstStyle>
           <a:p>
             <a:r>
-              <a:rPr lang="zh-TW" altLang="en-US" smtClean="0"/>
+              <a:rPr lang="zh-TW" altLang="en-US"/>
               <a:t>按一下以編輯母片標題樣式</a:t>
             </a:r>
-            <a:endParaRPr lang="zh-TW" altLang="en-US"/>
           </a:p>
         </p:txBody>
       </p:sp>
@@ -2850,13 +2820,6 @@
   <p:clrMapOvr>
     <a:masterClrMapping/>
   </p:clrMapOvr>
-  <p:timing>
-    <p:tnLst>
-      <p:par>
-        <p:cTn id="1" dur="indefinite" restart="never" nodeType="tmRoot"/>
-      </p:par>
-    </p:tnLst>
-  </p:timing>
 </p:sldLayout>
 </file>
 
@@ -2902,10 +2865,9 @@
           </a:lstStyle>
           <a:p>
             <a:r>
-              <a:rPr lang="zh-TW" altLang="en-US" smtClean="0"/>
+              <a:rPr lang="zh-TW" altLang="en-US"/>
               <a:t>按一下以編輯母片標題樣式</a:t>
             </a:r>
-            <a:endParaRPr lang="zh-TW" altLang="en-US"/>
           </a:p>
         </p:txBody>
       </p:sp>
@@ -3029,7 +2991,7 @@
           <a:p>
             <a:pPr lvl="0"/>
             <a:r>
-              <a:rPr lang="zh-TW" altLang="en-US" smtClean="0"/>
+              <a:rPr lang="zh-TW" altLang="en-US"/>
               <a:t>編輯母片文字樣式</a:t>
             </a:r>
           </a:p>
@@ -3052,7 +3014,7 @@
           <a:p>
             <a:fld id="{11F6897A-56E1-4CCC-BF10-8C55706072E1}" type="datetime1">
               <a:rPr lang="zh-TW" altLang="en-US" smtClean="0"/>
-              <a:t>2022/4/16</a:t>
+              <a:t>2022/4/20</a:t>
             </a:fld>
             <a:endParaRPr lang="zh-TW" altLang="en-US"/>
           </a:p>
@@ -3156,13 +3118,6 @@
   <p:clrMapOvr>
     <a:masterClrMapping/>
   </p:clrMapOvr>
-  <p:timing>
-    <p:tnLst>
-      <p:par>
-        <p:cTn id="1" dur="indefinite" restart="never" nodeType="tmRoot"/>
-      </p:par>
-    </p:tnLst>
-  </p:timing>
 </p:sldLayout>
 </file>
 
@@ -3214,10 +3169,9 @@
           <a:lstStyle/>
           <a:p>
             <a:r>
-              <a:rPr lang="zh-TW" altLang="en-US" smtClean="0"/>
+              <a:rPr lang="zh-TW" altLang="en-US"/>
               <a:t>按一下以編輯母片標題樣式</a:t>
             </a:r>
-            <a:endParaRPr lang="zh-TW" altLang="en-US"/>
           </a:p>
         </p:txBody>
       </p:sp>
@@ -3248,38 +3202,37 @@
           <a:p>
             <a:pPr lvl="0"/>
             <a:r>
-              <a:rPr lang="zh-TW" altLang="en-US" smtClean="0"/>
+              <a:rPr lang="zh-TW" altLang="en-US"/>
               <a:t>編輯母片文字樣式</a:t>
             </a:r>
           </a:p>
           <a:p>
             <a:pPr lvl="1"/>
             <a:r>
-              <a:rPr lang="zh-TW" altLang="en-US" smtClean="0"/>
+              <a:rPr lang="zh-TW" altLang="en-US"/>
               <a:t>第二層</a:t>
             </a:r>
           </a:p>
           <a:p>
             <a:pPr lvl="2"/>
             <a:r>
-              <a:rPr lang="zh-TW" altLang="en-US" smtClean="0"/>
+              <a:rPr lang="zh-TW" altLang="en-US"/>
               <a:t>第三層</a:t>
             </a:r>
           </a:p>
           <a:p>
             <a:pPr lvl="3"/>
             <a:r>
-              <a:rPr lang="zh-TW" altLang="en-US" smtClean="0"/>
+              <a:rPr lang="zh-TW" altLang="en-US"/>
               <a:t>第四層</a:t>
             </a:r>
           </a:p>
           <a:p>
             <a:pPr lvl="4"/>
             <a:r>
-              <a:rPr lang="zh-TW" altLang="en-US" smtClean="0"/>
+              <a:rPr lang="zh-TW" altLang="en-US"/>
               <a:t>第五層</a:t>
             </a:r>
-            <a:endParaRPr lang="zh-TW" altLang="en-US"/>
           </a:p>
         </p:txBody>
       </p:sp>
@@ -3318,7 +3271,7 @@
           <a:p>
             <a:fld id="{39352925-F3F5-415F-9D64-AD05F3113416}" type="datetime1">
               <a:rPr lang="zh-TW" altLang="en-US" smtClean="0"/>
-              <a:t>2022/4/16</a:t>
+              <a:t>2022/4/20</a:t>
             </a:fld>
             <a:endParaRPr lang="zh-TW" altLang="en-US"/>
           </a:p>
@@ -3821,13 +3774,560 @@
   <p:clrMapOvr>
     <a:masterClrMapping/>
   </p:clrMapOvr>
-  <p:timing>
-    <p:tnLst>
-      <p:par>
-        <p:cTn id="1" dur="indefinite" restart="never" nodeType="tmRoot"/>
-      </p:par>
-    </p:tnLst>
-  </p:timing>
+</p:sld>
+</file>
+
+<file path=ppt/slides/slide10.xml><?xml version="1.0" encoding="utf-8"?>
+<p:sld xmlns:a="http://schemas.openxmlformats.org/drawingml/2006/main" xmlns:r="http://schemas.openxmlformats.org/officeDocument/2006/relationships" xmlns:p="http://schemas.openxmlformats.org/presentationml/2006/main">
+  <p:cSld>
+    <p:spTree>
+      <p:nvGrpSpPr>
+        <p:cNvPr id="1" name=""/>
+        <p:cNvGrpSpPr/>
+        <p:nvPr/>
+      </p:nvGrpSpPr>
+      <p:grpSpPr>
+        <a:xfrm>
+          <a:off x="0" y="0"/>
+          <a:ext cx="0" cy="0"/>
+          <a:chOff x="0" y="0"/>
+          <a:chExt cx="0" cy="0"/>
+        </a:xfrm>
+      </p:grpSpPr>
+      <p:pic>
+        <p:nvPicPr>
+          <p:cNvPr id="4" name="Picture 12">
+            <a:extLst>
+              <a:ext uri="{FF2B5EF4-FFF2-40B4-BE49-F238E27FC236}">
+                <a16:creationId xmlns:a16="http://schemas.microsoft.com/office/drawing/2014/main" id="{8FC01F0B-F5FE-476F-B636-75D51A65179D}"/>
+              </a:ext>
+            </a:extLst>
+          </p:cNvPr>
+          <p:cNvPicPr>
+            <a:picLocks noChangeAspect="1"/>
+          </p:cNvPicPr>
+          <p:nvPr/>
+        </p:nvPicPr>
+        <p:blipFill>
+          <a:blip r:embed="rId2">
+            <a:duotone>
+              <a:prstClr val="black"/>
+              <a:schemeClr val="accent6">
+                <a:lumMod val="20000"/>
+                <a:lumOff val="80000"/>
+                <a:tint val="45000"/>
+                <a:satMod val="400000"/>
+              </a:schemeClr>
+            </a:duotone>
+            <a:extLst>
+              <a:ext uri="{BEBA8EAE-BF5A-486C-A8C5-ECC9F3942E4B}">
+                <a14:imgProps xmlns:a14="http://schemas.microsoft.com/office/drawing/2010/main">
+                  <a14:imgLayer r:embed="rId3">
+                    <a14:imgEffect>
+                      <a14:colorTemperature colorTemp="11200"/>
+                    </a14:imgEffect>
+                    <a14:imgEffect>
+                      <a14:saturation sat="400000"/>
+                    </a14:imgEffect>
+                  </a14:imgLayer>
+                </a14:imgProps>
+              </a:ext>
+            </a:extLst>
+          </a:blip>
+          <a:srcRect/>
+          <a:stretch>
+            <a:fillRect/>
+          </a:stretch>
+        </p:blipFill>
+        <p:spPr>
+          <a:xfrm rot="175068">
+            <a:off x="631301" y="1114264"/>
+            <a:ext cx="3401280" cy="323122"/>
+          </a:xfrm>
+          <a:prstGeom prst="rect">
+            <a:avLst/>
+          </a:prstGeom>
+        </p:spPr>
+      </p:pic>
+      <p:sp>
+        <p:nvSpPr>
+          <p:cNvPr id="2" name="投影片編號版面配置區 1">
+            <a:extLst>
+              <a:ext uri="{FF2B5EF4-FFF2-40B4-BE49-F238E27FC236}">
+                <a16:creationId xmlns:a16="http://schemas.microsoft.com/office/drawing/2014/main" id="{40D6BD0A-A98F-4D0C-9541-A62A726D1011}"/>
+              </a:ext>
+            </a:extLst>
+          </p:cNvPr>
+          <p:cNvSpPr>
+            <a:spLocks noGrp="1"/>
+          </p:cNvSpPr>
+          <p:nvPr>
+            <p:ph type="sldNum" sz="quarter" idx="12"/>
+          </p:nvPr>
+        </p:nvSpPr>
+        <p:spPr/>
+        <p:txBody>
+          <a:bodyPr/>
+          <a:lstStyle/>
+          <a:p>
+            <a:fld id="{6401F674-B173-4252-B1D5-0488865FD844}" type="slidenum">
+              <a:rPr lang="zh-TW" altLang="en-US" smtClean="0"/>
+              <a:t>10</a:t>
+            </a:fld>
+            <a:endParaRPr lang="zh-TW" altLang="en-US"/>
+          </a:p>
+        </p:txBody>
+      </p:sp>
+      <p:sp>
+        <p:nvSpPr>
+          <p:cNvPr id="3" name="標題 2">
+            <a:extLst>
+              <a:ext uri="{FF2B5EF4-FFF2-40B4-BE49-F238E27FC236}">
+                <a16:creationId xmlns:a16="http://schemas.microsoft.com/office/drawing/2014/main" id="{0C2A5F4D-20FE-4033-865A-DAD3A2B1E6F6}"/>
+              </a:ext>
+            </a:extLst>
+          </p:cNvPr>
+          <p:cNvSpPr>
+            <a:spLocks noGrp="1"/>
+          </p:cNvSpPr>
+          <p:nvPr>
+            <p:ph type="title"/>
+          </p:nvPr>
+        </p:nvSpPr>
+        <p:spPr/>
+        <p:txBody>
+          <a:bodyPr/>
+          <a:lstStyle/>
+          <a:p>
+            <a:r>
+              <a:rPr lang="en-US" altLang="zh-TW" dirty="0" err="1"/>
+              <a:t>ZooAdapter</a:t>
+            </a:r>
+            <a:endParaRPr lang="zh-TW" altLang="en-US" dirty="0"/>
+          </a:p>
+        </p:txBody>
+      </p:sp>
+      <p:sp>
+        <p:nvSpPr>
+          <p:cNvPr id="9" name="標題 2">
+            <a:extLst>
+              <a:ext uri="{FF2B5EF4-FFF2-40B4-BE49-F238E27FC236}">
+                <a16:creationId xmlns:a16="http://schemas.microsoft.com/office/drawing/2014/main" id="{BC185FD5-F882-4F67-9562-AD0E1364B101}"/>
+              </a:ext>
+            </a:extLst>
+          </p:cNvPr>
+          <p:cNvSpPr txBox="1">
+            <a:spLocks/>
+          </p:cNvSpPr>
+          <p:nvPr/>
+        </p:nvSpPr>
+        <p:spPr>
+          <a:xfrm>
+            <a:off x="1016001" y="2574925"/>
+            <a:ext cx="2857500" cy="402045"/>
+          </a:xfrm>
+          <a:prstGeom prst="rect">
+            <a:avLst/>
+          </a:prstGeom>
+        </p:spPr>
+        <p:txBody>
+          <a:bodyPr vert="horz" lIns="91440" tIns="45720" rIns="91440" bIns="45720" rtlCol="0" anchor="ctr">
+            <a:normAutofit lnSpcReduction="10000"/>
+          </a:bodyPr>
+          <a:lstStyle>
+            <a:lvl1pPr algn="l" defTabSz="914400" rtl="0" eaLnBrk="1" latinLnBrk="0" hangingPunct="1">
+              <a:lnSpc>
+                <a:spcPct val="90000"/>
+              </a:lnSpc>
+              <a:spcBef>
+                <a:spcPct val="0"/>
+              </a:spcBef>
+              <a:buNone/>
+              <a:defRPr lang="zh-TW" altLang="en-US" sz="4400" kern="1200" dirty="0">
+                <a:solidFill>
+                  <a:schemeClr val="tx1"/>
+                </a:solidFill>
+                <a:latin typeface="Arial Unicode MS" panose="020B0604020202020204" pitchFamily="34" charset="-120"/>
+                <a:ea typeface="微軟正黑體" panose="020B0604030504040204" pitchFamily="34" charset="-120"/>
+                <a:cs typeface="Calibri" panose="020F0502020204030204" pitchFamily="34" charset="0"/>
+              </a:defRPr>
+            </a:lvl1pPr>
+          </a:lstStyle>
+          <a:p>
+            <a:r>
+              <a:rPr lang="en-US" altLang="zh-TW" sz="2400" dirty="0"/>
+              <a:t>onBindViewHolder</a:t>
+            </a:r>
+            <a:endParaRPr lang="en-US" sz="2400" dirty="0"/>
+          </a:p>
+        </p:txBody>
+      </p:sp>
+      <p:sp>
+        <p:nvSpPr>
+          <p:cNvPr id="11" name="標題 2">
+            <a:extLst>
+              <a:ext uri="{FF2B5EF4-FFF2-40B4-BE49-F238E27FC236}">
+                <a16:creationId xmlns:a16="http://schemas.microsoft.com/office/drawing/2014/main" id="{C23079CD-C158-43CD-8190-DF2C431FD668}"/>
+              </a:ext>
+            </a:extLst>
+          </p:cNvPr>
+          <p:cNvSpPr txBox="1">
+            <a:spLocks/>
+          </p:cNvSpPr>
+          <p:nvPr/>
+        </p:nvSpPr>
+        <p:spPr>
+          <a:xfrm>
+            <a:off x="4165601" y="2570876"/>
+            <a:ext cx="2857500" cy="402045"/>
+          </a:xfrm>
+          <a:prstGeom prst="rect">
+            <a:avLst/>
+          </a:prstGeom>
+        </p:spPr>
+        <p:txBody>
+          <a:bodyPr vert="horz" lIns="91440" tIns="45720" rIns="91440" bIns="45720" rtlCol="0" anchor="ctr">
+            <a:normAutofit fontScale="62500" lnSpcReduction="20000"/>
+          </a:bodyPr>
+          <a:lstStyle>
+            <a:lvl1pPr algn="l" defTabSz="914400" rtl="0" eaLnBrk="1" latinLnBrk="0" hangingPunct="1">
+              <a:lnSpc>
+                <a:spcPct val="90000"/>
+              </a:lnSpc>
+              <a:spcBef>
+                <a:spcPct val="0"/>
+              </a:spcBef>
+              <a:buNone/>
+              <a:defRPr lang="zh-TW" altLang="en-US" sz="4400" kern="1200" dirty="0">
+                <a:solidFill>
+                  <a:schemeClr val="tx1"/>
+                </a:solidFill>
+                <a:latin typeface="Arial Unicode MS" panose="020B0604020202020204" pitchFamily="34" charset="-120"/>
+                <a:ea typeface="微軟正黑體" panose="020B0604030504040204" pitchFamily="34" charset="-120"/>
+                <a:cs typeface="Calibri" panose="020F0502020204030204" pitchFamily="34" charset="0"/>
+              </a:defRPr>
+            </a:lvl1pPr>
+          </a:lstStyle>
+          <a:p>
+            <a:r>
+              <a:rPr lang="en-US" altLang="zh-TW" dirty="0"/>
+              <a:t>getRoomQuery</a:t>
+            </a:r>
+            <a:endParaRPr lang="en-US" sz="2400" dirty="0"/>
+          </a:p>
+        </p:txBody>
+      </p:sp>
+    </p:spTree>
+    <p:extLst>
+      <p:ext uri="{BB962C8B-B14F-4D97-AF65-F5344CB8AC3E}">
+        <p14:creationId xmlns:p14="http://schemas.microsoft.com/office/powerpoint/2010/main" val="700451212"/>
+      </p:ext>
+    </p:extLst>
+  </p:cSld>
+  <p:clrMapOvr>
+    <a:masterClrMapping/>
+  </p:clrMapOvr>
+</p:sld>
+</file>
+
+<file path=ppt/slides/slide11.xml><?xml version="1.0" encoding="utf-8"?>
+<p:sld xmlns:a="http://schemas.openxmlformats.org/drawingml/2006/main" xmlns:r="http://schemas.openxmlformats.org/officeDocument/2006/relationships" xmlns:p="http://schemas.openxmlformats.org/presentationml/2006/main">
+  <p:cSld>
+    <p:spTree>
+      <p:nvGrpSpPr>
+        <p:cNvPr id="1" name=""/>
+        <p:cNvGrpSpPr/>
+        <p:nvPr/>
+      </p:nvGrpSpPr>
+      <p:grpSpPr>
+        <a:xfrm>
+          <a:off x="0" y="0"/>
+          <a:ext cx="0" cy="0"/>
+          <a:chOff x="0" y="0"/>
+          <a:chExt cx="0" cy="0"/>
+        </a:xfrm>
+      </p:grpSpPr>
+      <p:pic>
+        <p:nvPicPr>
+          <p:cNvPr id="4" name="Picture 12">
+            <a:extLst>
+              <a:ext uri="{FF2B5EF4-FFF2-40B4-BE49-F238E27FC236}">
+                <a16:creationId xmlns:a16="http://schemas.microsoft.com/office/drawing/2014/main" id="{8FC01F0B-F5FE-476F-B636-75D51A65179D}"/>
+              </a:ext>
+            </a:extLst>
+          </p:cNvPr>
+          <p:cNvPicPr>
+            <a:picLocks noChangeAspect="1"/>
+          </p:cNvPicPr>
+          <p:nvPr/>
+        </p:nvPicPr>
+        <p:blipFill>
+          <a:blip r:embed="rId2">
+            <a:duotone>
+              <a:prstClr val="black"/>
+              <a:schemeClr val="accent6">
+                <a:lumMod val="20000"/>
+                <a:lumOff val="80000"/>
+                <a:tint val="45000"/>
+                <a:satMod val="400000"/>
+              </a:schemeClr>
+            </a:duotone>
+            <a:extLst>
+              <a:ext uri="{BEBA8EAE-BF5A-486C-A8C5-ECC9F3942E4B}">
+                <a14:imgProps xmlns:a14="http://schemas.microsoft.com/office/drawing/2010/main">
+                  <a14:imgLayer r:embed="rId3">
+                    <a14:imgEffect>
+                      <a14:colorTemperature colorTemp="11200"/>
+                    </a14:imgEffect>
+                    <a14:imgEffect>
+                      <a14:saturation sat="400000"/>
+                    </a14:imgEffect>
+                  </a14:imgLayer>
+                </a14:imgProps>
+              </a:ext>
+            </a:extLst>
+          </a:blip>
+          <a:srcRect/>
+          <a:stretch>
+            <a:fillRect/>
+          </a:stretch>
+        </p:blipFill>
+        <p:spPr>
+          <a:xfrm rot="175068">
+            <a:off x="631301" y="1114264"/>
+            <a:ext cx="3401280" cy="323122"/>
+          </a:xfrm>
+          <a:prstGeom prst="rect">
+            <a:avLst/>
+          </a:prstGeom>
+        </p:spPr>
+      </p:pic>
+      <p:sp>
+        <p:nvSpPr>
+          <p:cNvPr id="2" name="投影片編號版面配置區 1">
+            <a:extLst>
+              <a:ext uri="{FF2B5EF4-FFF2-40B4-BE49-F238E27FC236}">
+                <a16:creationId xmlns:a16="http://schemas.microsoft.com/office/drawing/2014/main" id="{40D6BD0A-A98F-4D0C-9541-A62A726D1011}"/>
+              </a:ext>
+            </a:extLst>
+          </p:cNvPr>
+          <p:cNvSpPr>
+            <a:spLocks noGrp="1"/>
+          </p:cNvSpPr>
+          <p:nvPr>
+            <p:ph type="sldNum" sz="quarter" idx="12"/>
+          </p:nvPr>
+        </p:nvSpPr>
+        <p:spPr/>
+        <p:txBody>
+          <a:bodyPr/>
+          <a:lstStyle/>
+          <a:p>
+            <a:fld id="{6401F674-B173-4252-B1D5-0488865FD844}" type="slidenum">
+              <a:rPr lang="zh-TW" altLang="en-US" smtClean="0"/>
+              <a:t>11</a:t>
+            </a:fld>
+            <a:endParaRPr lang="zh-TW" altLang="en-US"/>
+          </a:p>
+        </p:txBody>
+      </p:sp>
+      <p:sp>
+        <p:nvSpPr>
+          <p:cNvPr id="3" name="標題 2">
+            <a:extLst>
+              <a:ext uri="{FF2B5EF4-FFF2-40B4-BE49-F238E27FC236}">
+                <a16:creationId xmlns:a16="http://schemas.microsoft.com/office/drawing/2014/main" id="{0C2A5F4D-20FE-4033-865A-DAD3A2B1E6F6}"/>
+              </a:ext>
+            </a:extLst>
+          </p:cNvPr>
+          <p:cNvSpPr>
+            <a:spLocks noGrp="1"/>
+          </p:cNvSpPr>
+          <p:nvPr>
+            <p:ph type="title"/>
+          </p:nvPr>
+        </p:nvSpPr>
+        <p:spPr/>
+        <p:txBody>
+          <a:bodyPr/>
+          <a:lstStyle/>
+          <a:p>
+            <a:r>
+              <a:rPr lang="en-US" altLang="zh-TW" dirty="0" err="1"/>
+              <a:t>AllViewModel</a:t>
+            </a:r>
+            <a:endParaRPr lang="zh-TW" altLang="en-US" dirty="0"/>
+          </a:p>
+        </p:txBody>
+      </p:sp>
+      <p:pic>
+        <p:nvPicPr>
+          <p:cNvPr id="6" name="圖片 5" descr="一張含有 文字 的圖片&#10;&#10;自動產生的描述">
+            <a:extLst>
+              <a:ext uri="{FF2B5EF4-FFF2-40B4-BE49-F238E27FC236}">
+                <a16:creationId xmlns:a16="http://schemas.microsoft.com/office/drawing/2014/main" id="{48D2C5B2-504A-4E40-9BC1-39BF66CDF97D}"/>
+              </a:ext>
+            </a:extLst>
+          </p:cNvPr>
+          <p:cNvPicPr>
+            <a:picLocks noChangeAspect="1"/>
+          </p:cNvPicPr>
+          <p:nvPr/>
+        </p:nvPicPr>
+        <p:blipFill rotWithShape="1">
+          <a:blip r:embed="rId4" cstate="print">
+            <a:extLst>
+              <a:ext uri="{28A0092B-C50C-407E-A947-70E740481C1C}">
+                <a14:useLocalDpi xmlns:a14="http://schemas.microsoft.com/office/drawing/2010/main" val="0"/>
+              </a:ext>
+            </a:extLst>
+          </a:blip>
+          <a:srcRect r="28404"/>
+          <a:stretch/>
+        </p:blipFill>
+        <p:spPr>
+          <a:xfrm>
+            <a:off x="4724078" y="1027905"/>
+            <a:ext cx="4951499" cy="5600955"/>
+          </a:xfrm>
+          <a:prstGeom prst="rect">
+            <a:avLst/>
+          </a:prstGeom>
+        </p:spPr>
+      </p:pic>
+    </p:spTree>
+    <p:extLst>
+      <p:ext uri="{BB962C8B-B14F-4D97-AF65-F5344CB8AC3E}">
+        <p14:creationId xmlns:p14="http://schemas.microsoft.com/office/powerpoint/2010/main" val="1208355112"/>
+      </p:ext>
+    </p:extLst>
+  </p:cSld>
+  <p:clrMapOvr>
+    <a:masterClrMapping/>
+  </p:clrMapOvr>
+</p:sld>
+</file>
+
+<file path=ppt/slides/slide12.xml><?xml version="1.0" encoding="utf-8"?>
+<p:sld xmlns:a="http://schemas.openxmlformats.org/drawingml/2006/main" xmlns:r="http://schemas.openxmlformats.org/officeDocument/2006/relationships" xmlns:p="http://schemas.openxmlformats.org/presentationml/2006/main">
+  <p:cSld>
+    <p:spTree>
+      <p:nvGrpSpPr>
+        <p:cNvPr id="1" name=""/>
+        <p:cNvGrpSpPr/>
+        <p:nvPr/>
+      </p:nvGrpSpPr>
+      <p:grpSpPr>
+        <a:xfrm>
+          <a:off x="0" y="0"/>
+          <a:ext cx="0" cy="0"/>
+          <a:chOff x="0" y="0"/>
+          <a:chExt cx="0" cy="0"/>
+        </a:xfrm>
+      </p:grpSpPr>
+      <p:pic>
+        <p:nvPicPr>
+          <p:cNvPr id="4" name="Picture 12"/>
+          <p:cNvPicPr>
+            <a:picLocks noChangeAspect="1"/>
+          </p:cNvPicPr>
+          <p:nvPr/>
+        </p:nvPicPr>
+        <p:blipFill>
+          <a:blip r:embed="rId2">
+            <a:duotone>
+              <a:prstClr val="black"/>
+              <a:srgbClr val="B7C5E1">
+                <a:tint val="45000"/>
+                <a:satMod val="400000"/>
+              </a:srgbClr>
+            </a:duotone>
+            <a:extLst>
+              <a:ext uri="{BEBA8EAE-BF5A-486C-A8C5-ECC9F3942E4B}">
+                <a14:imgProps xmlns:a14="http://schemas.microsoft.com/office/drawing/2010/main">
+                  <a14:imgLayer r:embed="rId3">
+                    <a14:imgEffect>
+                      <a14:colorTemperature colorTemp="11200"/>
+                    </a14:imgEffect>
+                    <a14:imgEffect>
+                      <a14:saturation sat="400000"/>
+                    </a14:imgEffect>
+                  </a14:imgLayer>
+                </a14:imgProps>
+              </a:ext>
+            </a:extLst>
+          </a:blip>
+          <a:srcRect/>
+          <a:stretch>
+            <a:fillRect/>
+          </a:stretch>
+        </p:blipFill>
+        <p:spPr>
+          <a:xfrm rot="175068">
+            <a:off x="631301" y="1114264"/>
+            <a:ext cx="3401280" cy="323122"/>
+          </a:xfrm>
+          <a:prstGeom prst="rect">
+            <a:avLst/>
+          </a:prstGeom>
+        </p:spPr>
+      </p:pic>
+      <p:sp>
+        <p:nvSpPr>
+          <p:cNvPr id="2" name="投影片編號版面配置區 1"/>
+          <p:cNvSpPr>
+            <a:spLocks noGrp="1"/>
+          </p:cNvSpPr>
+          <p:nvPr>
+            <p:ph type="sldNum" sz="quarter" idx="12"/>
+          </p:nvPr>
+        </p:nvSpPr>
+        <p:spPr/>
+        <p:txBody>
+          <a:bodyPr/>
+          <a:lstStyle/>
+          <a:p>
+            <a:fld id="{6401F674-B173-4252-B1D5-0488865FD844}" type="slidenum">
+              <a:rPr lang="zh-TW" altLang="en-US" smtClean="0"/>
+              <a:t>12</a:t>
+            </a:fld>
+            <a:endParaRPr lang="zh-TW" altLang="en-US"/>
+          </a:p>
+        </p:txBody>
+      </p:sp>
+      <p:sp>
+        <p:nvSpPr>
+          <p:cNvPr id="3" name="標題 2"/>
+          <p:cNvSpPr>
+            <a:spLocks noGrp="1"/>
+          </p:cNvSpPr>
+          <p:nvPr>
+            <p:ph type="title"/>
+          </p:nvPr>
+        </p:nvSpPr>
+        <p:spPr/>
+        <p:txBody>
+          <a:bodyPr/>
+          <a:lstStyle/>
+          <a:p>
+            <a:r>
+              <a:rPr lang="en-US" altLang="zh-TW" dirty="0" err="1"/>
+              <a:t>DetailFragment</a:t>
+            </a:r>
+            <a:endParaRPr lang="zh-TW" altLang="en-US" dirty="0"/>
+          </a:p>
+        </p:txBody>
+      </p:sp>
+    </p:spTree>
+    <p:extLst>
+      <p:ext uri="{BB962C8B-B14F-4D97-AF65-F5344CB8AC3E}">
+        <p14:creationId xmlns:p14="http://schemas.microsoft.com/office/powerpoint/2010/main" val="3700898491"/>
+      </p:ext>
+    </p:extLst>
+  </p:cSld>
+  <p:clrMapOvr>
+    <a:masterClrMapping/>
+  </p:clrMapOvr>
 </p:sld>
 </file>
 
@@ -3986,7 +4486,7 @@
             <a:p>
               <a:pPr algn="ctr"/>
               <a:r>
-                <a:rPr lang="en-US" altLang="zh-TW" dirty="0" smtClean="0">
+                <a:rPr lang="en-US" altLang="zh-TW" dirty="0">
                   <a:solidFill>
                     <a:srgbClr val="000000"/>
                   </a:solidFill>
@@ -4107,14 +4607,13 @@
           <a:lstStyle/>
           <a:p>
             <a:r>
-              <a:rPr lang="en-US" altLang="zh-TW" dirty="0" smtClean="0"/>
+              <a:rPr lang="en-US" altLang="zh-TW" dirty="0"/>
               <a:t>App </a:t>
             </a:r>
             <a:r>
-              <a:rPr lang="zh-TW" altLang="en-US" dirty="0" smtClean="0"/>
+              <a:rPr lang="zh-TW" altLang="en-US" dirty="0"/>
               <a:t>流程</a:t>
             </a:r>
-            <a:endParaRPr lang="zh-TW" altLang="en-US" dirty="0"/>
           </a:p>
         </p:txBody>
       </p:sp>
@@ -4128,14 +4627,6 @@
   <p:clrMapOvr>
     <a:masterClrMapping/>
   </p:clrMapOvr>
-  <mc:AlternateContent xmlns:mc="http://schemas.openxmlformats.org/markup-compatibility/2006">
-    <mc:Choice xmlns:p14="http://schemas.microsoft.com/office/powerpoint/2010/main" Requires="p14">
-      <p:transition p14:dur="0"/>
-    </mc:Choice>
-    <mc:Fallback>
-      <p:transition/>
-    </mc:Fallback>
-  </mc:AlternateContent>
   <p:timing>
     <p:tnLst>
       <p:par>
@@ -4392,7 +4883,7 @@
           <a:lstStyle/>
           <a:p>
             <a:r>
-              <a:rPr lang="en-US" altLang="zh-TW" dirty="0" err="1" smtClean="0"/>
+              <a:rPr lang="en-US" altLang="zh-TW" dirty="0" err="1"/>
               <a:t>MainActivity</a:t>
             </a:r>
             <a:endParaRPr lang="zh-TW" altLang="en-US" dirty="0"/>
@@ -4422,6 +4913,76 @@
           </a:p>
         </p:txBody>
       </p:sp>
+      <p:pic>
+        <p:nvPicPr>
+          <p:cNvPr id="8" name="圖片 7">
+            <a:extLst>
+              <a:ext uri="{FF2B5EF4-FFF2-40B4-BE49-F238E27FC236}">
+                <a16:creationId xmlns:a16="http://schemas.microsoft.com/office/drawing/2014/main" id="{5E521698-6F30-4BD7-8796-0441C48A9859}"/>
+              </a:ext>
+            </a:extLst>
+          </p:cNvPr>
+          <p:cNvPicPr>
+            <a:picLocks noChangeAspect="1"/>
+          </p:cNvPicPr>
+          <p:nvPr/>
+        </p:nvPicPr>
+        <p:blipFill rotWithShape="1">
+          <a:blip r:embed="rId4" cstate="print">
+            <a:extLst>
+              <a:ext uri="{28A0092B-C50C-407E-A947-70E740481C1C}">
+                <a14:useLocalDpi xmlns:a14="http://schemas.microsoft.com/office/drawing/2010/main" val="0"/>
+              </a:ext>
+            </a:extLst>
+          </a:blip>
+          <a:srcRect l="2451" t="9333" r="81393" b="61779"/>
+          <a:stretch/>
+        </p:blipFill>
+        <p:spPr>
+          <a:xfrm>
+            <a:off x="1204401" y="2272954"/>
+            <a:ext cx="1858839" cy="1981200"/>
+          </a:xfrm>
+          <a:prstGeom prst="rect">
+            <a:avLst/>
+          </a:prstGeom>
+        </p:spPr>
+      </p:pic>
+      <p:pic>
+        <p:nvPicPr>
+          <p:cNvPr id="9" name="圖片 8">
+            <a:extLst>
+              <a:ext uri="{FF2B5EF4-FFF2-40B4-BE49-F238E27FC236}">
+                <a16:creationId xmlns:a16="http://schemas.microsoft.com/office/drawing/2014/main" id="{0CCB4643-F7F4-4865-AAF3-2867BFB3115F}"/>
+              </a:ext>
+            </a:extLst>
+          </p:cNvPr>
+          <p:cNvPicPr>
+            <a:picLocks noChangeAspect="1"/>
+          </p:cNvPicPr>
+          <p:nvPr/>
+        </p:nvPicPr>
+        <p:blipFill rotWithShape="1">
+          <a:blip r:embed="rId4" cstate="print">
+            <a:extLst>
+              <a:ext uri="{28A0092B-C50C-407E-A947-70E740481C1C}">
+                <a14:useLocalDpi xmlns:a14="http://schemas.microsoft.com/office/drawing/2010/main" val="0"/>
+              </a:ext>
+            </a:extLst>
+          </a:blip>
+          <a:srcRect l="26820" t="-231" r="22580" b="-1"/>
+          <a:stretch/>
+        </p:blipFill>
+        <p:spPr>
+          <a:xfrm>
+            <a:off x="4863778" y="136525"/>
+            <a:ext cx="5821679" cy="6873875"/>
+          </a:xfrm>
+          <a:prstGeom prst="rect">
+            <a:avLst/>
+          </a:prstGeom>
+        </p:spPr>
+      </p:pic>
     </p:spTree>
     <p:extLst>
       <p:ext uri="{BB962C8B-B14F-4D97-AF65-F5344CB8AC3E}">
@@ -4432,17 +4993,495 @@
   <p:clrMapOvr>
     <a:masterClrMapping/>
   </p:clrMapOvr>
-  <p:timing>
-    <p:tnLst>
-      <p:par>
-        <p:cTn id="1" dur="indefinite" restart="never" nodeType="tmRoot"/>
-      </p:par>
-    </p:tnLst>
-  </p:timing>
 </p:sld>
 </file>
 
 <file path=ppt/slides/slide4.xml><?xml version="1.0" encoding="utf-8"?>
+<p:sld xmlns:a="http://schemas.openxmlformats.org/drawingml/2006/main" xmlns:r="http://schemas.openxmlformats.org/officeDocument/2006/relationships" xmlns:p="http://schemas.openxmlformats.org/presentationml/2006/main">
+  <p:cSld>
+    <p:spTree>
+      <p:nvGrpSpPr>
+        <p:cNvPr id="1" name=""/>
+        <p:cNvGrpSpPr/>
+        <p:nvPr/>
+      </p:nvGrpSpPr>
+      <p:grpSpPr>
+        <a:xfrm>
+          <a:off x="0" y="0"/>
+          <a:ext cx="0" cy="0"/>
+          <a:chOff x="0" y="0"/>
+          <a:chExt cx="0" cy="0"/>
+        </a:xfrm>
+      </p:grpSpPr>
+      <p:pic>
+        <p:nvPicPr>
+          <p:cNvPr id="3" name="Picture 12"/>
+          <p:cNvPicPr>
+            <a:picLocks noChangeAspect="1"/>
+          </p:cNvPicPr>
+          <p:nvPr/>
+        </p:nvPicPr>
+        <p:blipFill>
+          <a:blip r:embed="rId2">
+            <a:duotone>
+              <a:prstClr val="black"/>
+              <a:schemeClr val="accent2">
+                <a:lumMod val="20000"/>
+                <a:lumOff val="80000"/>
+                <a:tint val="45000"/>
+                <a:satMod val="400000"/>
+              </a:schemeClr>
+            </a:duotone>
+            <a:extLst>
+              <a:ext uri="{BEBA8EAE-BF5A-486C-A8C5-ECC9F3942E4B}">
+                <a14:imgProps xmlns:a14="http://schemas.microsoft.com/office/drawing/2010/main">
+                  <a14:imgLayer r:embed="rId3">
+                    <a14:imgEffect>
+                      <a14:colorTemperature colorTemp="11200"/>
+                    </a14:imgEffect>
+                    <a14:imgEffect>
+                      <a14:saturation sat="400000"/>
+                    </a14:imgEffect>
+                  </a14:imgLayer>
+                </a14:imgProps>
+              </a:ext>
+            </a:extLst>
+          </a:blip>
+          <a:srcRect/>
+          <a:stretch>
+            <a:fillRect/>
+          </a:stretch>
+        </p:blipFill>
+        <p:spPr>
+          <a:xfrm rot="175068">
+            <a:off x="631301" y="1114264"/>
+            <a:ext cx="3401280" cy="323122"/>
+          </a:xfrm>
+          <a:prstGeom prst="rect">
+            <a:avLst/>
+          </a:prstGeom>
+        </p:spPr>
+      </p:pic>
+      <p:sp>
+        <p:nvSpPr>
+          <p:cNvPr id="2" name="標題 1"/>
+          <p:cNvSpPr>
+            <a:spLocks noGrp="1"/>
+          </p:cNvSpPr>
+          <p:nvPr>
+            <p:ph type="title"/>
+          </p:nvPr>
+        </p:nvSpPr>
+        <p:spPr/>
+        <p:txBody>
+          <a:bodyPr/>
+          <a:lstStyle/>
+          <a:p>
+            <a:r>
+              <a:rPr lang="en-US" altLang="zh-TW" dirty="0" err="1"/>
+              <a:t>Application_goToPage</a:t>
+            </a:r>
+            <a:endParaRPr lang="zh-TW" altLang="en-US" dirty="0"/>
+          </a:p>
+        </p:txBody>
+      </p:sp>
+      <p:sp>
+        <p:nvSpPr>
+          <p:cNvPr id="4" name="投影片編號版面配置區 3"/>
+          <p:cNvSpPr>
+            <a:spLocks noGrp="1"/>
+          </p:cNvSpPr>
+          <p:nvPr>
+            <p:ph type="sldNum" sz="quarter" idx="12"/>
+          </p:nvPr>
+        </p:nvSpPr>
+        <p:spPr/>
+        <p:txBody>
+          <a:bodyPr/>
+          <a:lstStyle/>
+          <a:p>
+            <a:fld id="{6401F674-B173-4252-B1D5-0488865FD844}" type="slidenum">
+              <a:rPr lang="zh-TW" altLang="en-US" smtClean="0"/>
+              <a:t>4</a:t>
+            </a:fld>
+            <a:endParaRPr lang="zh-TW" altLang="en-US"/>
+          </a:p>
+        </p:txBody>
+      </p:sp>
+      <p:pic>
+        <p:nvPicPr>
+          <p:cNvPr id="6" name="圖片 5">
+            <a:extLst>
+              <a:ext uri="{FF2B5EF4-FFF2-40B4-BE49-F238E27FC236}">
+                <a16:creationId xmlns:a16="http://schemas.microsoft.com/office/drawing/2014/main" id="{DAFE7847-F4B5-4E5D-8975-70A822AA7284}"/>
+              </a:ext>
+            </a:extLst>
+          </p:cNvPr>
+          <p:cNvPicPr>
+            <a:picLocks noChangeAspect="1"/>
+          </p:cNvPicPr>
+          <p:nvPr/>
+        </p:nvPicPr>
+        <p:blipFill rotWithShape="1">
+          <a:blip r:embed="rId4" cstate="print">
+            <a:extLst>
+              <a:ext uri="{28A0092B-C50C-407E-A947-70E740481C1C}">
+                <a14:useLocalDpi xmlns:a14="http://schemas.microsoft.com/office/drawing/2010/main" val="0"/>
+              </a:ext>
+            </a:extLst>
+          </a:blip>
+          <a:srcRect l="26859" r="38817" b="9254"/>
+          <a:stretch/>
+        </p:blipFill>
+        <p:spPr>
+          <a:xfrm>
+            <a:off x="3565720" y="967856"/>
+            <a:ext cx="3413320" cy="6223346"/>
+          </a:xfrm>
+          <a:prstGeom prst="rect">
+            <a:avLst/>
+          </a:prstGeom>
+        </p:spPr>
+      </p:pic>
+      <p:pic>
+        <p:nvPicPr>
+          <p:cNvPr id="7" name="圖片 6">
+            <a:extLst>
+              <a:ext uri="{FF2B5EF4-FFF2-40B4-BE49-F238E27FC236}">
+                <a16:creationId xmlns:a16="http://schemas.microsoft.com/office/drawing/2014/main" id="{6D7AE280-E5C7-4A02-9CBF-C677464A014A}"/>
+              </a:ext>
+            </a:extLst>
+          </p:cNvPr>
+          <p:cNvPicPr>
+            <a:picLocks noChangeAspect="1"/>
+          </p:cNvPicPr>
+          <p:nvPr/>
+        </p:nvPicPr>
+        <p:blipFill rotWithShape="1">
+          <a:blip r:embed="rId5" cstate="print">
+            <a:extLst>
+              <a:ext uri="{28A0092B-C50C-407E-A947-70E740481C1C}">
+                <a14:useLocalDpi xmlns:a14="http://schemas.microsoft.com/office/drawing/2010/main" val="0"/>
+              </a:ext>
+            </a:extLst>
+          </a:blip>
+          <a:srcRect l="2" t="6447" r="75481" b="62000"/>
+          <a:stretch/>
+        </p:blipFill>
+        <p:spPr>
+          <a:xfrm>
+            <a:off x="838200" y="1763177"/>
+            <a:ext cx="2437959" cy="2163952"/>
+          </a:xfrm>
+          <a:prstGeom prst="rect">
+            <a:avLst/>
+          </a:prstGeom>
+        </p:spPr>
+      </p:pic>
+      <p:pic>
+        <p:nvPicPr>
+          <p:cNvPr id="8" name="圖片 7">
+            <a:extLst>
+              <a:ext uri="{FF2B5EF4-FFF2-40B4-BE49-F238E27FC236}">
+                <a16:creationId xmlns:a16="http://schemas.microsoft.com/office/drawing/2014/main" id="{76E7C38F-6E75-4027-BBDC-82856BE59413}"/>
+              </a:ext>
+            </a:extLst>
+          </p:cNvPr>
+          <p:cNvPicPr>
+            <a:picLocks noChangeAspect="1"/>
+          </p:cNvPicPr>
+          <p:nvPr/>
+        </p:nvPicPr>
+        <p:blipFill rotWithShape="1">
+          <a:blip r:embed="rId5" cstate="print">
+            <a:extLst>
+              <a:ext uri="{28A0092B-C50C-407E-A947-70E740481C1C}">
+                <a14:useLocalDpi xmlns:a14="http://schemas.microsoft.com/office/drawing/2010/main" val="0"/>
+              </a:ext>
+            </a:extLst>
+          </a:blip>
+          <a:srcRect l="65676"/>
+          <a:stretch/>
+        </p:blipFill>
+        <p:spPr>
+          <a:xfrm>
+            <a:off x="7395616" y="136525"/>
+            <a:ext cx="3413320" cy="6858000"/>
+          </a:xfrm>
+          <a:prstGeom prst="rect">
+            <a:avLst/>
+          </a:prstGeom>
+        </p:spPr>
+      </p:pic>
+    </p:spTree>
+    <p:extLst>
+      <p:ext uri="{BB962C8B-B14F-4D97-AF65-F5344CB8AC3E}">
+        <p14:creationId xmlns:p14="http://schemas.microsoft.com/office/powerpoint/2010/main" val="4056287128"/>
+      </p:ext>
+    </p:extLst>
+  </p:cSld>
+  <p:clrMapOvr>
+    <a:masterClrMapping/>
+  </p:clrMapOvr>
+</p:sld>
+</file>
+
+<file path=ppt/slides/slide5.xml><?xml version="1.0" encoding="utf-8"?>
+<p:sld xmlns:a="http://schemas.openxmlformats.org/drawingml/2006/main" xmlns:r="http://schemas.openxmlformats.org/officeDocument/2006/relationships" xmlns:p="http://schemas.openxmlformats.org/presentationml/2006/main">
+  <p:cSld>
+    <p:spTree>
+      <p:nvGrpSpPr>
+        <p:cNvPr id="1" name=""/>
+        <p:cNvGrpSpPr/>
+        <p:nvPr/>
+      </p:nvGrpSpPr>
+      <p:grpSpPr>
+        <a:xfrm>
+          <a:off x="0" y="0"/>
+          <a:ext cx="0" cy="0"/>
+          <a:chOff x="0" y="0"/>
+          <a:chExt cx="0" cy="0"/>
+        </a:xfrm>
+      </p:grpSpPr>
+      <p:pic>
+        <p:nvPicPr>
+          <p:cNvPr id="3" name="Picture 12"/>
+          <p:cNvPicPr>
+            <a:picLocks noChangeAspect="1"/>
+          </p:cNvPicPr>
+          <p:nvPr/>
+        </p:nvPicPr>
+        <p:blipFill>
+          <a:blip r:embed="rId2">
+            <a:duotone>
+              <a:prstClr val="black"/>
+              <a:schemeClr val="accent2">
+                <a:lumMod val="20000"/>
+                <a:lumOff val="80000"/>
+                <a:tint val="45000"/>
+                <a:satMod val="400000"/>
+              </a:schemeClr>
+            </a:duotone>
+            <a:extLst>
+              <a:ext uri="{BEBA8EAE-BF5A-486C-A8C5-ECC9F3942E4B}">
+                <a14:imgProps xmlns:a14="http://schemas.microsoft.com/office/drawing/2010/main">
+                  <a14:imgLayer r:embed="rId3">
+                    <a14:imgEffect>
+                      <a14:colorTemperature colorTemp="11200"/>
+                    </a14:imgEffect>
+                    <a14:imgEffect>
+                      <a14:saturation sat="400000"/>
+                    </a14:imgEffect>
+                  </a14:imgLayer>
+                </a14:imgProps>
+              </a:ext>
+            </a:extLst>
+          </a:blip>
+          <a:srcRect/>
+          <a:stretch>
+            <a:fillRect/>
+          </a:stretch>
+        </p:blipFill>
+        <p:spPr>
+          <a:xfrm rot="175068">
+            <a:off x="631301" y="1114264"/>
+            <a:ext cx="3401280" cy="323122"/>
+          </a:xfrm>
+          <a:prstGeom prst="rect">
+            <a:avLst/>
+          </a:prstGeom>
+        </p:spPr>
+      </p:pic>
+      <p:sp>
+        <p:nvSpPr>
+          <p:cNvPr id="2" name="標題 1"/>
+          <p:cNvSpPr>
+            <a:spLocks noGrp="1"/>
+          </p:cNvSpPr>
+          <p:nvPr>
+            <p:ph type="title"/>
+          </p:nvPr>
+        </p:nvSpPr>
+        <p:spPr/>
+        <p:txBody>
+          <a:bodyPr/>
+          <a:lstStyle/>
+          <a:p>
+            <a:r>
+              <a:rPr lang="en-US" altLang="zh-TW" dirty="0"/>
+              <a:t>BaseFragment</a:t>
+            </a:r>
+            <a:endParaRPr lang="zh-TW" altLang="en-US" dirty="0"/>
+          </a:p>
+        </p:txBody>
+      </p:sp>
+      <p:sp>
+        <p:nvSpPr>
+          <p:cNvPr id="4" name="投影片編號版面配置區 3"/>
+          <p:cNvSpPr>
+            <a:spLocks noGrp="1"/>
+          </p:cNvSpPr>
+          <p:nvPr>
+            <p:ph type="sldNum" sz="quarter" idx="12"/>
+          </p:nvPr>
+        </p:nvSpPr>
+        <p:spPr/>
+        <p:txBody>
+          <a:bodyPr/>
+          <a:lstStyle/>
+          <a:p>
+            <a:fld id="{6401F674-B173-4252-B1D5-0488865FD844}" type="slidenum">
+              <a:rPr lang="zh-TW" altLang="en-US" smtClean="0"/>
+              <a:t>5</a:t>
+            </a:fld>
+            <a:endParaRPr lang="zh-TW" altLang="en-US"/>
+          </a:p>
+        </p:txBody>
+      </p:sp>
+      <p:pic>
+        <p:nvPicPr>
+          <p:cNvPr id="7" name="圖片 6">
+            <a:extLst>
+              <a:ext uri="{FF2B5EF4-FFF2-40B4-BE49-F238E27FC236}">
+                <a16:creationId xmlns:a16="http://schemas.microsoft.com/office/drawing/2014/main" id="{55D75069-0990-4984-9C5D-97F63D13A573}"/>
+              </a:ext>
+            </a:extLst>
+          </p:cNvPr>
+          <p:cNvPicPr>
+            <a:picLocks noChangeAspect="1"/>
+          </p:cNvPicPr>
+          <p:nvPr/>
+        </p:nvPicPr>
+        <p:blipFill rotWithShape="1">
+          <a:blip r:embed="rId4" cstate="print">
+            <a:extLst>
+              <a:ext uri="{28A0092B-C50C-407E-A947-70E740481C1C}">
+                <a14:useLocalDpi xmlns:a14="http://schemas.microsoft.com/office/drawing/2010/main" val="0"/>
+              </a:ext>
+            </a:extLst>
+          </a:blip>
+          <a:srcRect l="37871" t="31556" r="6471"/>
+          <a:stretch/>
+        </p:blipFill>
+        <p:spPr>
+          <a:xfrm>
+            <a:off x="4863778" y="1938097"/>
+            <a:ext cx="6294121" cy="4693920"/>
+          </a:xfrm>
+          <a:prstGeom prst="rect">
+            <a:avLst/>
+          </a:prstGeom>
+        </p:spPr>
+      </p:pic>
+      <p:pic>
+        <p:nvPicPr>
+          <p:cNvPr id="6" name="圖片 5">
+            <a:extLst>
+              <a:ext uri="{FF2B5EF4-FFF2-40B4-BE49-F238E27FC236}">
+                <a16:creationId xmlns:a16="http://schemas.microsoft.com/office/drawing/2014/main" id="{98A61448-B70A-4DEF-B91C-F7A40B487A41}"/>
+              </a:ext>
+            </a:extLst>
+          </p:cNvPr>
+          <p:cNvPicPr>
+            <a:picLocks noChangeAspect="1"/>
+          </p:cNvPicPr>
+          <p:nvPr/>
+        </p:nvPicPr>
+        <p:blipFill rotWithShape="1">
+          <a:blip r:embed="rId4" cstate="print">
+            <a:extLst>
+              <a:ext uri="{28A0092B-C50C-407E-A947-70E740481C1C}">
+                <a14:useLocalDpi xmlns:a14="http://schemas.microsoft.com/office/drawing/2010/main" val="0"/>
+              </a:ext>
+            </a:extLst>
+          </a:blip>
+          <a:srcRect l="3506" t="33778" r="72237" b="14988"/>
+          <a:stretch/>
+        </p:blipFill>
+        <p:spPr>
+          <a:xfrm>
+            <a:off x="960341" y="1938097"/>
+            <a:ext cx="2743200" cy="3513615"/>
+          </a:xfrm>
+          <a:prstGeom prst="rect">
+            <a:avLst/>
+          </a:prstGeom>
+        </p:spPr>
+      </p:pic>
+      <p:sp>
+        <p:nvSpPr>
+          <p:cNvPr id="8" name="標題 1">
+            <a:extLst>
+              <a:ext uri="{FF2B5EF4-FFF2-40B4-BE49-F238E27FC236}">
+                <a16:creationId xmlns:a16="http://schemas.microsoft.com/office/drawing/2014/main" id="{C8705927-4064-427F-8323-69CB5D08697C}"/>
+              </a:ext>
+            </a:extLst>
+          </p:cNvPr>
+          <p:cNvSpPr txBox="1">
+            <a:spLocks/>
+          </p:cNvSpPr>
+          <p:nvPr/>
+        </p:nvSpPr>
+        <p:spPr>
+          <a:xfrm>
+            <a:off x="5061898" y="1334532"/>
+            <a:ext cx="2390462" cy="495840"/>
+          </a:xfrm>
+          <a:prstGeom prst="rect">
+            <a:avLst/>
+          </a:prstGeom>
+          <a:ln>
+            <a:solidFill>
+              <a:schemeClr val="tx1"/>
+            </a:solidFill>
+          </a:ln>
+        </p:spPr>
+        <p:txBody>
+          <a:bodyPr vert="horz" lIns="91440" tIns="45720" rIns="91440" bIns="45720" rtlCol="0" anchor="ctr">
+            <a:normAutofit fontScale="85000" lnSpcReduction="10000"/>
+          </a:bodyPr>
+          <a:lstStyle>
+            <a:lvl1pPr algn="l" defTabSz="914400" rtl="0" eaLnBrk="1" latinLnBrk="0" hangingPunct="1">
+              <a:lnSpc>
+                <a:spcPct val="90000"/>
+              </a:lnSpc>
+              <a:spcBef>
+                <a:spcPct val="0"/>
+              </a:spcBef>
+              <a:buNone/>
+              <a:defRPr lang="zh-TW" altLang="en-US" sz="4400" kern="1200" dirty="0">
+                <a:solidFill>
+                  <a:schemeClr val="tx1"/>
+                </a:solidFill>
+                <a:latin typeface="Arial Unicode MS" panose="020B0604020202020204" pitchFamily="34" charset="-120"/>
+                <a:ea typeface="微軟正黑體" panose="020B0604030504040204" pitchFamily="34" charset="-120"/>
+                <a:cs typeface="Calibri" panose="020F0502020204030204" pitchFamily="34" charset="0"/>
+              </a:defRPr>
+            </a:lvl1pPr>
+          </a:lstStyle>
+          <a:p>
+            <a:r>
+              <a:rPr lang="en-US" sz="2800" dirty="0" err="1"/>
+              <a:t>onViewCreated</a:t>
+            </a:r>
+            <a:endParaRPr lang="en-US" sz="2800" dirty="0"/>
+          </a:p>
+        </p:txBody>
+      </p:sp>
+    </p:spTree>
+    <p:extLst>
+      <p:ext uri="{BB962C8B-B14F-4D97-AF65-F5344CB8AC3E}">
+        <p14:creationId xmlns:p14="http://schemas.microsoft.com/office/powerpoint/2010/main" val="546069584"/>
+      </p:ext>
+    </p:extLst>
+  </p:cSld>
+  <p:clrMapOvr>
+    <a:masterClrMapping/>
+  </p:clrMapOvr>
+</p:sld>
+</file>
+
+<file path=ppt/slides/slide6.xml><?xml version="1.0" encoding="utf-8"?>
 <p:sld xmlns:a="http://schemas.openxmlformats.org/drawingml/2006/main" xmlns:r="http://schemas.openxmlformats.org/officeDocument/2006/relationships" xmlns:p="http://schemas.openxmlformats.org/presentationml/2006/main">
   <p:cSld>
     <p:spTree>
@@ -4524,7 +5563,7 @@
           <a:lstStyle/>
           <a:p>
             <a:r>
-              <a:rPr lang="en-US" altLang="zh-TW" dirty="0" smtClean="0"/>
+              <a:rPr lang="en-US" altLang="zh-TW" dirty="0"/>
               <a:t>Home Fragment</a:t>
             </a:r>
             <a:endParaRPr lang="zh-TW" altLang="en-US" dirty="0"/>
@@ -4548,12 +5587,47 @@
           <a:p>
             <a:fld id="{6401F674-B173-4252-B1D5-0488865FD844}" type="slidenum">
               <a:rPr lang="zh-TW" altLang="en-US" smtClean="0"/>
-              <a:t>4</a:t>
+              <a:t>6</a:t>
             </a:fld>
             <a:endParaRPr lang="zh-TW" altLang="en-US"/>
           </a:p>
         </p:txBody>
       </p:sp>
+      <p:pic>
+        <p:nvPicPr>
+          <p:cNvPr id="6" name="圖片 5">
+            <a:extLst>
+              <a:ext uri="{FF2B5EF4-FFF2-40B4-BE49-F238E27FC236}">
+                <a16:creationId xmlns:a16="http://schemas.microsoft.com/office/drawing/2014/main" id="{AB2C63BA-A7D0-4057-9535-6AE73BE7C2E7}"/>
+              </a:ext>
+            </a:extLst>
+          </p:cNvPr>
+          <p:cNvPicPr>
+            <a:picLocks noChangeAspect="1"/>
+          </p:cNvPicPr>
+          <p:nvPr/>
+        </p:nvPicPr>
+        <p:blipFill rotWithShape="1">
+          <a:blip r:embed="rId4" cstate="print">
+            <a:extLst>
+              <a:ext uri="{28A0092B-C50C-407E-A947-70E740481C1C}">
+                <a14:useLocalDpi xmlns:a14="http://schemas.microsoft.com/office/drawing/2010/main" val="0"/>
+              </a:ext>
+            </a:extLst>
+          </a:blip>
+          <a:srcRect t="12486" r="37607"/>
+          <a:stretch/>
+        </p:blipFill>
+        <p:spPr>
+          <a:xfrm>
+            <a:off x="4491015" y="705304"/>
+            <a:ext cx="4119585" cy="6265787"/>
+          </a:xfrm>
+          <a:prstGeom prst="rect">
+            <a:avLst/>
+          </a:prstGeom>
+        </p:spPr>
+      </p:pic>
     </p:spTree>
     <p:extLst>
       <p:ext uri="{BB962C8B-B14F-4D97-AF65-F5344CB8AC3E}">
@@ -4564,17 +5638,10 @@
   <p:clrMapOvr>
     <a:masterClrMapping/>
   </p:clrMapOvr>
-  <p:timing>
-    <p:tnLst>
-      <p:par>
-        <p:cTn id="1" dur="indefinite" restart="never" nodeType="tmRoot"/>
-      </p:par>
-    </p:tnLst>
-  </p:timing>
 </p:sld>
 </file>
 
-<file path=ppt/slides/slide5.xml><?xml version="1.0" encoding="utf-8"?>
+<file path=ppt/slides/slide7.xml><?xml version="1.0" encoding="utf-8"?>
 <p:sld xmlns:a="http://schemas.openxmlformats.org/drawingml/2006/main" xmlns:r="http://schemas.openxmlformats.org/officeDocument/2006/relationships" xmlns:p="http://schemas.openxmlformats.org/presentationml/2006/main">
   <p:cSld>
     <p:spTree>
@@ -4656,7 +5723,7 @@
           <a:lstStyle/>
           <a:p>
             <a:r>
-              <a:rPr lang="en-US" altLang="zh-TW" dirty="0" err="1" smtClean="0"/>
+              <a:rPr lang="en-US" altLang="zh-TW" dirty="0" err="1"/>
               <a:t>ListFragment</a:t>
             </a:r>
             <a:endParaRPr lang="zh-TW" altLang="en-US" dirty="0"/>
@@ -4680,12 +5747,117 @@
           <a:p>
             <a:fld id="{6401F674-B173-4252-B1D5-0488865FD844}" type="slidenum">
               <a:rPr lang="zh-TW" altLang="en-US" smtClean="0"/>
-              <a:t>5</a:t>
+              <a:t>7</a:t>
             </a:fld>
             <a:endParaRPr lang="zh-TW" altLang="en-US"/>
           </a:p>
         </p:txBody>
       </p:sp>
+      <p:pic>
+        <p:nvPicPr>
+          <p:cNvPr id="6" name="圖片 5">
+            <a:extLst>
+              <a:ext uri="{FF2B5EF4-FFF2-40B4-BE49-F238E27FC236}">
+                <a16:creationId xmlns:a16="http://schemas.microsoft.com/office/drawing/2014/main" id="{FE0F78E9-B9DB-4D92-8718-B0BC9EC944CB}"/>
+              </a:ext>
+            </a:extLst>
+          </p:cNvPr>
+          <p:cNvPicPr>
+            <a:picLocks noChangeAspect="1"/>
+          </p:cNvPicPr>
+          <p:nvPr/>
+        </p:nvPicPr>
+        <p:blipFill rotWithShape="1">
+          <a:blip r:embed="rId4" cstate="print">
+            <a:extLst>
+              <a:ext uri="{28A0092B-C50C-407E-A947-70E740481C1C}">
+                <a14:useLocalDpi xmlns:a14="http://schemas.microsoft.com/office/drawing/2010/main" val="0"/>
+              </a:ext>
+            </a:extLst>
+          </a:blip>
+          <a:srcRect l="13887" r="69774" b="10853"/>
+          <a:stretch/>
+        </p:blipFill>
+        <p:spPr>
+          <a:xfrm>
+            <a:off x="4412877" y="583461"/>
+            <a:ext cx="2466894" cy="6274539"/>
+          </a:xfrm>
+          <a:prstGeom prst="rect">
+            <a:avLst/>
+          </a:prstGeom>
+        </p:spPr>
+      </p:pic>
+      <p:pic>
+        <p:nvPicPr>
+          <p:cNvPr id="7" name="圖片 6">
+            <a:extLst>
+              <a:ext uri="{FF2B5EF4-FFF2-40B4-BE49-F238E27FC236}">
+                <a16:creationId xmlns:a16="http://schemas.microsoft.com/office/drawing/2014/main" id="{A00C8454-A41B-45A8-8DBA-FFFBD755025A}"/>
+              </a:ext>
+            </a:extLst>
+          </p:cNvPr>
+          <p:cNvPicPr>
+            <a:picLocks noChangeAspect="1"/>
+          </p:cNvPicPr>
+          <p:nvPr/>
+        </p:nvPicPr>
+        <p:blipFill rotWithShape="1">
+          <a:blip r:embed="rId5" cstate="print">
+            <a:extLst>
+              <a:ext uri="{28A0092B-C50C-407E-A947-70E740481C1C}">
+                <a14:useLocalDpi xmlns:a14="http://schemas.microsoft.com/office/drawing/2010/main" val="0"/>
+              </a:ext>
+            </a:extLst>
+          </a:blip>
+          <a:srcRect t="5695" r="87753" b="47815"/>
+          <a:stretch/>
+        </p:blipFill>
+        <p:spPr>
+          <a:xfrm>
+            <a:off x="766358" y="1211365"/>
+            <a:ext cx="3276972" cy="5799035"/>
+          </a:xfrm>
+          <a:prstGeom prst="rect">
+            <a:avLst/>
+          </a:prstGeom>
+        </p:spPr>
+      </p:pic>
+      <p:pic>
+        <p:nvPicPr>
+          <p:cNvPr id="8" name="圖片 7">
+            <a:extLst>
+              <a:ext uri="{FF2B5EF4-FFF2-40B4-BE49-F238E27FC236}">
+                <a16:creationId xmlns:a16="http://schemas.microsoft.com/office/drawing/2014/main" id="{B7FCAB84-7056-47C2-84FE-5D2DFBE70024}"/>
+              </a:ext>
+            </a:extLst>
+          </p:cNvPr>
+          <p:cNvPicPr>
+            <a:picLocks noChangeAspect="1"/>
+          </p:cNvPicPr>
+          <p:nvPr/>
+        </p:nvPicPr>
+        <p:blipFill rotWithShape="1">
+          <a:blip r:embed="rId6" cstate="print">
+            <a:extLst>
+              <a:ext uri="{28A0092B-C50C-407E-A947-70E740481C1C}">
+                <a14:useLocalDpi xmlns:a14="http://schemas.microsoft.com/office/drawing/2010/main" val="0"/>
+              </a:ext>
+            </a:extLst>
+          </a:blip>
+          <a:srcRect l="30778" r="44322" b="68280"/>
+          <a:stretch/>
+        </p:blipFill>
+        <p:spPr>
+          <a:xfrm>
+            <a:off x="7123418" y="1523745"/>
+            <a:ext cx="4747265" cy="2819412"/>
+          </a:xfrm>
+          <a:prstGeom prst="rect">
+            <a:avLst/>
+          </a:prstGeom>
+        </p:spPr>
+      </p:pic>
     </p:spTree>
     <p:extLst>
       <p:ext uri="{BB962C8B-B14F-4D97-AF65-F5344CB8AC3E}">
@@ -4696,17 +5868,10 @@
   <p:clrMapOvr>
     <a:masterClrMapping/>
   </p:clrMapOvr>
-  <p:timing>
-    <p:tnLst>
-      <p:par>
-        <p:cTn id="1" dur="indefinite" restart="never" nodeType="tmRoot"/>
-      </p:par>
-    </p:tnLst>
-  </p:timing>
 </p:sld>
 </file>
 
-<file path=ppt/slides/slide6.xml><?xml version="1.0" encoding="utf-8"?>
+<file path=ppt/slides/slide8.xml><?xml version="1.0" encoding="utf-8"?>
 <p:sld xmlns:a="http://schemas.openxmlformats.org/drawingml/2006/main" xmlns:r="http://schemas.openxmlformats.org/officeDocument/2006/relationships" xmlns:p="http://schemas.openxmlformats.org/presentationml/2006/main">
   <p:cSld>
     <p:spTree>
@@ -4723,9 +5888,69 @@
           <a:chExt cx="0" cy="0"/>
         </a:xfrm>
       </p:grpSpPr>
+      <p:sp>
+        <p:nvSpPr>
+          <p:cNvPr id="2" name="投影片編號版面配置區 1">
+            <a:extLst>
+              <a:ext uri="{FF2B5EF4-FFF2-40B4-BE49-F238E27FC236}">
+                <a16:creationId xmlns:a16="http://schemas.microsoft.com/office/drawing/2014/main" id="{64EB8927-57B9-4196-B17F-0A19F283827B}"/>
+              </a:ext>
+            </a:extLst>
+          </p:cNvPr>
+          <p:cNvSpPr>
+            <a:spLocks noGrp="1"/>
+          </p:cNvSpPr>
+          <p:nvPr>
+            <p:ph type="sldNum" sz="quarter" idx="12"/>
+          </p:nvPr>
+        </p:nvSpPr>
+        <p:spPr/>
+        <p:txBody>
+          <a:bodyPr/>
+          <a:lstStyle/>
+          <a:p>
+            <a:fld id="{6401F674-B173-4252-B1D5-0488865FD844}" type="slidenum">
+              <a:rPr lang="zh-TW" altLang="en-US" smtClean="0"/>
+              <a:t>8</a:t>
+            </a:fld>
+            <a:endParaRPr lang="zh-TW" altLang="en-US"/>
+          </a:p>
+        </p:txBody>
+      </p:sp>
+      <p:sp>
+        <p:nvSpPr>
+          <p:cNvPr id="3" name="標題 2">
+            <a:extLst>
+              <a:ext uri="{FF2B5EF4-FFF2-40B4-BE49-F238E27FC236}">
+                <a16:creationId xmlns:a16="http://schemas.microsoft.com/office/drawing/2014/main" id="{BFEE40D6-C1D8-4A61-8781-80FC64C12C0E}"/>
+              </a:ext>
+            </a:extLst>
+          </p:cNvPr>
+          <p:cNvSpPr>
+            <a:spLocks noGrp="1"/>
+          </p:cNvSpPr>
+          <p:nvPr>
+            <p:ph type="title"/>
+          </p:nvPr>
+        </p:nvSpPr>
+        <p:spPr/>
+        <p:txBody>
+          <a:bodyPr/>
+          <a:lstStyle/>
+          <a:p>
+            <a:endParaRPr lang="zh-TW" altLang="en-US"/>
+          </a:p>
+        </p:txBody>
+      </p:sp>
       <p:pic>
         <p:nvPicPr>
-          <p:cNvPr id="4" name="Picture 12"/>
+          <p:cNvPr id="4" name="Picture 12">
+            <a:extLst>
+              <a:ext uri="{FF2B5EF4-FFF2-40B4-BE49-F238E27FC236}">
+                <a16:creationId xmlns:a16="http://schemas.microsoft.com/office/drawing/2014/main" id="{3CF07319-423D-430A-A86B-0935C46857DF}"/>
+              </a:ext>
+            </a:extLst>
+          </p:cNvPr>
           <p:cNvPicPr>
             <a:picLocks noChangeAspect="1"/>
           </p:cNvPicPr>
@@ -4735,10 +5960,12 @@
           <a:blip r:embed="rId2">
             <a:duotone>
               <a:prstClr val="black"/>
-              <a:srgbClr val="B7C5E1">
+              <a:schemeClr val="accent6">
+                <a:lumMod val="20000"/>
+                <a:lumOff val="80000"/>
                 <a:tint val="45000"/>
                 <a:satMod val="400000"/>
-              </a:srgbClr>
+              </a:schemeClr>
             </a:duotone>
             <a:extLst>
               <a:ext uri="{BEBA8EAE-BF5A-486C-A8C5-ECC9F3942E4B}">
@@ -4770,69 +5997,299 @@
           </a:prstGeom>
         </p:spPr>
       </p:pic>
-      <p:sp>
-        <p:nvSpPr>
-          <p:cNvPr id="2" name="投影片編號版面配置區 1"/>
-          <p:cNvSpPr>
-            <a:spLocks noGrp="1"/>
-          </p:cNvSpPr>
-          <p:nvPr>
-            <p:ph type="sldNum" sz="quarter" idx="12"/>
-          </p:nvPr>
-        </p:nvSpPr>
-        <p:spPr/>
-        <p:txBody>
-          <a:bodyPr/>
-          <a:lstStyle/>
-          <a:p>
-            <a:fld id="{6401F674-B173-4252-B1D5-0488865FD844}" type="slidenum">
-              <a:rPr lang="zh-TW" altLang="en-US" smtClean="0"/>
-              <a:t>6</a:t>
-            </a:fld>
-            <a:endParaRPr lang="zh-TW" altLang="en-US"/>
-          </a:p>
-        </p:txBody>
-      </p:sp>
-      <p:sp>
-        <p:nvSpPr>
-          <p:cNvPr id="3" name="標題 2"/>
-          <p:cNvSpPr>
-            <a:spLocks noGrp="1"/>
-          </p:cNvSpPr>
-          <p:nvPr>
-            <p:ph type="title"/>
-          </p:nvPr>
-        </p:nvSpPr>
-        <p:spPr/>
-        <p:txBody>
-          <a:bodyPr/>
-          <a:lstStyle/>
-          <a:p>
-            <a:r>
-              <a:rPr lang="en-US" altLang="zh-TW" dirty="0" err="1" smtClean="0"/>
-              <a:t>DetailFragment</a:t>
-            </a:r>
-            <a:endParaRPr lang="zh-TW" altLang="en-US" dirty="0"/>
-          </a:p>
-        </p:txBody>
-      </p:sp>
+      <p:pic>
+        <p:nvPicPr>
+          <p:cNvPr id="9" name="圖片 8">
+            <a:extLst>
+              <a:ext uri="{FF2B5EF4-FFF2-40B4-BE49-F238E27FC236}">
+                <a16:creationId xmlns:a16="http://schemas.microsoft.com/office/drawing/2014/main" id="{B2DD0B3C-2759-4B14-95FE-6F3CD4578511}"/>
+              </a:ext>
+            </a:extLst>
+          </p:cNvPr>
+          <p:cNvPicPr>
+            <a:picLocks noChangeAspect="1"/>
+          </p:cNvPicPr>
+          <p:nvPr/>
+        </p:nvPicPr>
+        <p:blipFill rotWithShape="1">
+          <a:blip r:embed="rId4" cstate="print">
+            <a:extLst>
+              <a:ext uri="{28A0092B-C50C-407E-A947-70E740481C1C}">
+                <a14:useLocalDpi xmlns:a14="http://schemas.microsoft.com/office/drawing/2010/main" val="0"/>
+              </a:ext>
+            </a:extLst>
+          </a:blip>
+          <a:srcRect l="52619" r="24881"/>
+          <a:stretch/>
+        </p:blipFill>
+        <p:spPr>
+          <a:xfrm>
+            <a:off x="2171379" y="1206326"/>
+            <a:ext cx="2888343" cy="5515149"/>
+          </a:xfrm>
+          <a:prstGeom prst="rect">
+            <a:avLst/>
+          </a:prstGeom>
+        </p:spPr>
+      </p:pic>
+      <p:pic>
+        <p:nvPicPr>
+          <p:cNvPr id="10" name="圖片 9">
+            <a:extLst>
+              <a:ext uri="{FF2B5EF4-FFF2-40B4-BE49-F238E27FC236}">
+                <a16:creationId xmlns:a16="http://schemas.microsoft.com/office/drawing/2014/main" id="{C99B98DA-DAC8-4947-8CD6-A75D01F8C166}"/>
+              </a:ext>
+            </a:extLst>
+          </p:cNvPr>
+          <p:cNvPicPr>
+            <a:picLocks noChangeAspect="1"/>
+          </p:cNvPicPr>
+          <p:nvPr/>
+        </p:nvPicPr>
+        <p:blipFill rotWithShape="1">
+          <a:blip r:embed="rId5" cstate="print">
+            <a:extLst>
+              <a:ext uri="{28A0092B-C50C-407E-A947-70E740481C1C}">
+                <a14:useLocalDpi xmlns:a14="http://schemas.microsoft.com/office/drawing/2010/main" val="0"/>
+              </a:ext>
+            </a:extLst>
+          </a:blip>
+          <a:srcRect l="76309" b="35432"/>
+          <a:stretch/>
+        </p:blipFill>
+        <p:spPr>
+          <a:xfrm>
+            <a:off x="7231747" y="1497908"/>
+            <a:ext cx="3741057" cy="4380563"/>
+          </a:xfrm>
+          <a:prstGeom prst="rect">
+            <a:avLst/>
+          </a:prstGeom>
+        </p:spPr>
+      </p:pic>
     </p:spTree>
     <p:extLst>
       <p:ext uri="{BB962C8B-B14F-4D97-AF65-F5344CB8AC3E}">
-        <p14:creationId xmlns:p14="http://schemas.microsoft.com/office/powerpoint/2010/main" val="3700898491"/>
+        <p14:creationId xmlns:p14="http://schemas.microsoft.com/office/powerpoint/2010/main" val="255815290"/>
       </p:ext>
     </p:extLst>
   </p:cSld>
   <p:clrMapOvr>
     <a:masterClrMapping/>
   </p:clrMapOvr>
-  <p:timing>
-    <p:tnLst>
-      <p:par>
-        <p:cTn id="1" dur="indefinite" restart="never" nodeType="tmRoot"/>
-      </p:par>
-    </p:tnLst>
-  </p:timing>
+</p:sld>
+</file>
+
+<file path=ppt/slides/slide9.xml><?xml version="1.0" encoding="utf-8"?>
+<p:sld xmlns:a="http://schemas.openxmlformats.org/drawingml/2006/main" xmlns:r="http://schemas.openxmlformats.org/officeDocument/2006/relationships" xmlns:p="http://schemas.openxmlformats.org/presentationml/2006/main">
+  <p:cSld>
+    <p:spTree>
+      <p:nvGrpSpPr>
+        <p:cNvPr id="1" name=""/>
+        <p:cNvGrpSpPr/>
+        <p:nvPr/>
+      </p:nvGrpSpPr>
+      <p:grpSpPr>
+        <a:xfrm>
+          <a:off x="0" y="0"/>
+          <a:ext cx="0" cy="0"/>
+          <a:chOff x="0" y="0"/>
+          <a:chExt cx="0" cy="0"/>
+        </a:xfrm>
+      </p:grpSpPr>
+      <p:pic>
+        <p:nvPicPr>
+          <p:cNvPr id="4" name="Picture 12">
+            <a:extLst>
+              <a:ext uri="{FF2B5EF4-FFF2-40B4-BE49-F238E27FC236}">
+                <a16:creationId xmlns:a16="http://schemas.microsoft.com/office/drawing/2014/main" id="{8FC01F0B-F5FE-476F-B636-75D51A65179D}"/>
+              </a:ext>
+            </a:extLst>
+          </p:cNvPr>
+          <p:cNvPicPr>
+            <a:picLocks noChangeAspect="1"/>
+          </p:cNvPicPr>
+          <p:nvPr/>
+        </p:nvPicPr>
+        <p:blipFill>
+          <a:blip r:embed="rId2">
+            <a:duotone>
+              <a:prstClr val="black"/>
+              <a:schemeClr val="accent6">
+                <a:lumMod val="20000"/>
+                <a:lumOff val="80000"/>
+                <a:tint val="45000"/>
+                <a:satMod val="400000"/>
+              </a:schemeClr>
+            </a:duotone>
+            <a:extLst>
+              <a:ext uri="{BEBA8EAE-BF5A-486C-A8C5-ECC9F3942E4B}">
+                <a14:imgProps xmlns:a14="http://schemas.microsoft.com/office/drawing/2010/main">
+                  <a14:imgLayer r:embed="rId3">
+                    <a14:imgEffect>
+                      <a14:colorTemperature colorTemp="11200"/>
+                    </a14:imgEffect>
+                    <a14:imgEffect>
+                      <a14:saturation sat="400000"/>
+                    </a14:imgEffect>
+                  </a14:imgLayer>
+                </a14:imgProps>
+              </a:ext>
+            </a:extLst>
+          </a:blip>
+          <a:srcRect/>
+          <a:stretch>
+            <a:fillRect/>
+          </a:stretch>
+        </p:blipFill>
+        <p:spPr>
+          <a:xfrm rot="175068">
+            <a:off x="631301" y="1114264"/>
+            <a:ext cx="3401280" cy="323122"/>
+          </a:xfrm>
+          <a:prstGeom prst="rect">
+            <a:avLst/>
+          </a:prstGeom>
+        </p:spPr>
+      </p:pic>
+      <p:sp>
+        <p:nvSpPr>
+          <p:cNvPr id="2" name="投影片編號版面配置區 1">
+            <a:extLst>
+              <a:ext uri="{FF2B5EF4-FFF2-40B4-BE49-F238E27FC236}">
+                <a16:creationId xmlns:a16="http://schemas.microsoft.com/office/drawing/2014/main" id="{40D6BD0A-A98F-4D0C-9541-A62A726D1011}"/>
+              </a:ext>
+            </a:extLst>
+          </p:cNvPr>
+          <p:cNvSpPr>
+            <a:spLocks noGrp="1"/>
+          </p:cNvSpPr>
+          <p:nvPr>
+            <p:ph type="sldNum" sz="quarter" idx="12"/>
+          </p:nvPr>
+        </p:nvSpPr>
+        <p:spPr/>
+        <p:txBody>
+          <a:bodyPr/>
+          <a:lstStyle/>
+          <a:p>
+            <a:fld id="{6401F674-B173-4252-B1D5-0488865FD844}" type="slidenum">
+              <a:rPr lang="zh-TW" altLang="en-US" smtClean="0"/>
+              <a:t>9</a:t>
+            </a:fld>
+            <a:endParaRPr lang="zh-TW" altLang="en-US"/>
+          </a:p>
+        </p:txBody>
+      </p:sp>
+      <p:sp>
+        <p:nvSpPr>
+          <p:cNvPr id="3" name="標題 2">
+            <a:extLst>
+              <a:ext uri="{FF2B5EF4-FFF2-40B4-BE49-F238E27FC236}">
+                <a16:creationId xmlns:a16="http://schemas.microsoft.com/office/drawing/2014/main" id="{0C2A5F4D-20FE-4033-865A-DAD3A2B1E6F6}"/>
+              </a:ext>
+            </a:extLst>
+          </p:cNvPr>
+          <p:cNvSpPr>
+            <a:spLocks noGrp="1"/>
+          </p:cNvSpPr>
+          <p:nvPr>
+            <p:ph type="title"/>
+          </p:nvPr>
+        </p:nvSpPr>
+        <p:spPr/>
+        <p:txBody>
+          <a:bodyPr/>
+          <a:lstStyle/>
+          <a:p>
+            <a:r>
+              <a:rPr lang="en-US" altLang="zh-TW" dirty="0" err="1"/>
+              <a:t>ZooAdapter</a:t>
+            </a:r>
+            <a:endParaRPr lang="zh-TW" altLang="en-US" dirty="0"/>
+          </a:p>
+        </p:txBody>
+      </p:sp>
+      <p:pic>
+        <p:nvPicPr>
+          <p:cNvPr id="6" name="圖片 5">
+            <a:extLst>
+              <a:ext uri="{FF2B5EF4-FFF2-40B4-BE49-F238E27FC236}">
+                <a16:creationId xmlns:a16="http://schemas.microsoft.com/office/drawing/2014/main" id="{FE3A7A2E-4C76-491E-87ED-F8BE681DA65F}"/>
+              </a:ext>
+            </a:extLst>
+          </p:cNvPr>
+          <p:cNvPicPr>
+            <a:picLocks noChangeAspect="1"/>
+          </p:cNvPicPr>
+          <p:nvPr/>
+        </p:nvPicPr>
+        <p:blipFill rotWithShape="1">
+          <a:blip r:embed="rId4" cstate="print">
+            <a:extLst>
+              <a:ext uri="{28A0092B-C50C-407E-A947-70E740481C1C}">
+                <a14:useLocalDpi xmlns:a14="http://schemas.microsoft.com/office/drawing/2010/main" val="0"/>
+              </a:ext>
+            </a:extLst>
+          </a:blip>
+          <a:srcRect l="1042" t="12396" r="75104"/>
+          <a:stretch/>
+        </p:blipFill>
+        <p:spPr>
+          <a:xfrm>
+            <a:off x="127000" y="1497907"/>
+            <a:ext cx="2908300" cy="4498749"/>
+          </a:xfrm>
+          <a:prstGeom prst="rect">
+            <a:avLst/>
+          </a:prstGeom>
+        </p:spPr>
+      </p:pic>
+      <p:pic>
+        <p:nvPicPr>
+          <p:cNvPr id="7" name="圖片 6">
+            <a:extLst>
+              <a:ext uri="{FF2B5EF4-FFF2-40B4-BE49-F238E27FC236}">
+                <a16:creationId xmlns:a16="http://schemas.microsoft.com/office/drawing/2014/main" id="{B3D1B307-B6A6-44FF-8BD1-979B8A87EA53}"/>
+              </a:ext>
+            </a:extLst>
+          </p:cNvPr>
+          <p:cNvPicPr>
+            <a:picLocks noChangeAspect="1"/>
+          </p:cNvPicPr>
+          <p:nvPr/>
+        </p:nvPicPr>
+        <p:blipFill rotWithShape="1">
+          <a:blip r:embed="rId4" cstate="print">
+            <a:extLst>
+              <a:ext uri="{28A0092B-C50C-407E-A947-70E740481C1C}">
+                <a14:useLocalDpi xmlns:a14="http://schemas.microsoft.com/office/drawing/2010/main" val="0"/>
+              </a:ext>
+            </a:extLst>
+          </a:blip>
+          <a:srcRect l="30265" t="-86" r="-50" b="864"/>
+          <a:stretch/>
+        </p:blipFill>
+        <p:spPr>
+          <a:xfrm>
+            <a:off x="3035300" y="1523745"/>
+            <a:ext cx="8508356" cy="5095394"/>
+          </a:xfrm>
+          <a:prstGeom prst="rect">
+            <a:avLst/>
+          </a:prstGeom>
+        </p:spPr>
+      </p:pic>
+    </p:spTree>
+    <p:extLst>
+      <p:ext uri="{BB962C8B-B14F-4D97-AF65-F5344CB8AC3E}">
+        <p14:creationId xmlns:p14="http://schemas.microsoft.com/office/powerpoint/2010/main" val="1458192294"/>
+      </p:ext>
+    </p:extLst>
+  </p:cSld>
+  <p:clrMapOvr>
+    <a:masterClrMapping/>
+  </p:clrMapOvr>
 </p:sld>
 </file>
 

--- a/Zoo.pptx
+++ b/Zoo.pptx
@@ -5,10 +5,10 @@
     <p:sldMasterId id="2147483648" r:id="rId1"/>
   </p:sldMasterIdLst>
   <p:notesMasterIdLst>
-    <p:notesMasterId r:id="rId14"/>
+    <p:notesMasterId r:id="rId20"/>
   </p:notesMasterIdLst>
   <p:handoutMasterIdLst>
-    <p:handoutMasterId r:id="rId15"/>
+    <p:handoutMasterId r:id="rId21"/>
   </p:handoutMasterIdLst>
   <p:sldIdLst>
     <p:sldId id="256" r:id="rId2"/>
@@ -16,13 +16,19 @@
     <p:sldId id="263" r:id="rId4"/>
     <p:sldId id="269" r:id="rId5"/>
     <p:sldId id="268" r:id="rId6"/>
-    <p:sldId id="261" r:id="rId7"/>
+    <p:sldId id="274" r:id="rId7"/>
     <p:sldId id="265" r:id="rId8"/>
     <p:sldId id="270" r:id="rId9"/>
     <p:sldId id="271" r:id="rId10"/>
     <p:sldId id="272" r:id="rId11"/>
-    <p:sldId id="273" r:id="rId12"/>
-    <p:sldId id="267" r:id="rId13"/>
+    <p:sldId id="276" r:id="rId12"/>
+    <p:sldId id="277" r:id="rId13"/>
+    <p:sldId id="278" r:id="rId14"/>
+    <p:sldId id="273" r:id="rId15"/>
+    <p:sldId id="275" r:id="rId16"/>
+    <p:sldId id="280" r:id="rId17"/>
+    <p:sldId id="281" r:id="rId18"/>
+    <p:sldId id="282" r:id="rId19"/>
   </p:sldIdLst>
   <p:sldSz cx="12192000" cy="6858000"/>
   <p:notesSz cx="6858000" cy="9144000"/>
@@ -214,7 +220,7 @@
           <a:p>
             <a:fld id="{70D0B8ED-529C-4580-A1E0-32CB70AFFC27}" type="datetimeFigureOut">
               <a:rPr lang="zh-TW" altLang="en-US" smtClean="0"/>
-              <a:t>2022/4/20</a:t>
+              <a:t>2022/4/21</a:t>
             </a:fld>
             <a:endParaRPr lang="zh-TW" altLang="en-US"/>
           </a:p>
@@ -379,7 +385,7 @@
           <a:p>
             <a:fld id="{275D115C-AC36-4580-89FF-99E16F395DAE}" type="datetimeFigureOut">
               <a:rPr lang="zh-TW" altLang="en-US" smtClean="0"/>
-              <a:t>2022/4/20</a:t>
+              <a:t>2022/4/21</a:t>
             </a:fld>
             <a:endParaRPr lang="zh-TW" altLang="en-US"/>
           </a:p>
@@ -859,7 +865,7 @@
           <a:p>
             <a:fld id="{BB0C4050-DEC4-4881-824D-30C1E3F2A9A8}" type="datetime1">
               <a:rPr lang="zh-TW" altLang="en-US" smtClean="0"/>
-              <a:t>2022/4/20</a:t>
+              <a:t>2022/4/21</a:t>
             </a:fld>
             <a:endParaRPr lang="zh-TW" altLang="en-US"/>
           </a:p>
@@ -1119,7 +1125,7 @@
           <a:p>
             <a:fld id="{C34F2E2B-7091-42C9-B270-BB9E8B980B4B}" type="datetime1">
               <a:rPr lang="zh-TW" altLang="en-US" smtClean="0"/>
-              <a:t>2022/4/20</a:t>
+              <a:t>2022/4/21</a:t>
             </a:fld>
             <a:endParaRPr lang="zh-TW" altLang="en-US"/>
           </a:p>
@@ -1343,7 +1349,7 @@
           <a:p>
             <a:fld id="{42CA4671-2A61-49EE-BD41-5FC4514C313B}" type="datetime1">
               <a:rPr lang="zh-TW" altLang="en-US" smtClean="0"/>
-              <a:t>2022/4/20</a:t>
+              <a:t>2022/4/21</a:t>
             </a:fld>
             <a:endParaRPr lang="zh-TW" altLang="en-US"/>
           </a:p>
@@ -1568,7 +1574,7 @@
           <a:p>
             <a:fld id="{9693DD7E-7FCF-45AA-BD1B-9F23568B8081}" type="datetime1">
               <a:rPr lang="zh-TW" altLang="en-US" smtClean="0"/>
-              <a:t>2022/4/20</a:t>
+              <a:t>2022/4/21</a:t>
             </a:fld>
             <a:endParaRPr lang="zh-TW" altLang="en-US"/>
           </a:p>
@@ -1709,7 +1715,7 @@
           <a:p>
             <a:fld id="{BD61F9FD-FED9-4EA0-94A3-CDCA41FF80B7}" type="datetime1">
               <a:rPr lang="zh-TW" altLang="en-US" smtClean="0"/>
-              <a:t>2022/4/20</a:t>
+              <a:t>2022/4/21</a:t>
             </a:fld>
             <a:endParaRPr lang="zh-TW" altLang="en-US"/>
           </a:p>
@@ -1888,7 +1894,7 @@
           <a:p>
             <a:fld id="{7AB1C734-E21A-4EC9-8D94-E823CBEF3E6F}" type="datetime1">
               <a:rPr lang="zh-TW" altLang="en-US" smtClean="0"/>
-              <a:t>2022/4/20</a:t>
+              <a:t>2022/4/21</a:t>
             </a:fld>
             <a:endParaRPr lang="zh-TW" altLang="en-US"/>
           </a:p>
@@ -2067,7 +2073,7 @@
           <a:p>
             <a:fld id="{B3E94EC9-08E4-4104-B6C8-DE11BF8F1B9B}" type="datetime1">
               <a:rPr lang="zh-TW" altLang="en-US" smtClean="0"/>
-              <a:t>2022/4/20</a:t>
+              <a:t>2022/4/21</a:t>
             </a:fld>
             <a:endParaRPr lang="zh-TW" altLang="en-US"/>
           </a:p>
@@ -2246,7 +2252,7 @@
           <a:p>
             <a:fld id="{4B4CC18B-CD78-4932-8B30-BE106935244F}" type="datetime1">
               <a:rPr lang="zh-TW" altLang="en-US" smtClean="0"/>
-              <a:t>2022/4/20</a:t>
+              <a:t>2022/4/21</a:t>
             </a:fld>
             <a:endParaRPr lang="zh-TW" altLang="en-US"/>
           </a:p>
@@ -2510,7 +2516,7 @@
           <a:p>
             <a:fld id="{B3995534-E273-41F9-AD88-E86F2E56860D}" type="datetime1">
               <a:rPr lang="zh-TW" altLang="en-US" smtClean="0"/>
-              <a:t>2022/4/20</a:t>
+              <a:t>2022/4/21</a:t>
             </a:fld>
             <a:endParaRPr lang="zh-TW" altLang="en-US"/>
           </a:p>
@@ -2689,7 +2695,7 @@
           <a:p>
             <a:fld id="{8A617B94-27D4-4410-A9E6-30C6ADA02174}" type="datetime1">
               <a:rPr lang="zh-TW" altLang="en-US" smtClean="0"/>
-              <a:t>2022/4/20</a:t>
+              <a:t>2022/4/21</a:t>
             </a:fld>
             <a:endParaRPr lang="zh-TW" altLang="en-US"/>
           </a:p>
@@ -3014,7 +3020,7 @@
           <a:p>
             <a:fld id="{11F6897A-56E1-4CCC-BF10-8C55706072E1}" type="datetime1">
               <a:rPr lang="zh-TW" altLang="en-US" smtClean="0"/>
-              <a:t>2022/4/20</a:t>
+              <a:t>2022/4/21</a:t>
             </a:fld>
             <a:endParaRPr lang="zh-TW" altLang="en-US"/>
           </a:p>
@@ -3271,7 +3277,7 @@
           <a:p>
             <a:fld id="{39352925-F3F5-415F-9D64-AD05F3113416}" type="datetime1">
               <a:rPr lang="zh-TW" altLang="en-US" smtClean="0"/>
-              <a:t>2022/4/20</a:t>
+              <a:t>2022/4/21</a:t>
             </a:fld>
             <a:endParaRPr lang="zh-TW" altLang="en-US"/>
           </a:p>
@@ -3794,9 +3800,273 @@
           <a:chExt cx="0" cy="0"/>
         </a:xfrm>
       </p:grpSpPr>
+      <p:sp>
+        <p:nvSpPr>
+          <p:cNvPr id="2" name="投影片編號版面配置區 1">
+            <a:extLst>
+              <a:ext uri="{FF2B5EF4-FFF2-40B4-BE49-F238E27FC236}">
+                <a16:creationId xmlns:a16="http://schemas.microsoft.com/office/drawing/2014/main" id="{40D6BD0A-A98F-4D0C-9541-A62A726D1011}"/>
+              </a:ext>
+            </a:extLst>
+          </p:cNvPr>
+          <p:cNvSpPr>
+            <a:spLocks noGrp="1"/>
+          </p:cNvSpPr>
+          <p:nvPr>
+            <p:ph type="sldNum" sz="quarter" idx="12"/>
+          </p:nvPr>
+        </p:nvSpPr>
+        <p:spPr/>
+        <p:txBody>
+          <a:bodyPr/>
+          <a:lstStyle/>
+          <a:p>
+            <a:fld id="{6401F674-B173-4252-B1D5-0488865FD844}" type="slidenum">
+              <a:rPr lang="zh-TW" altLang="en-US" smtClean="0"/>
+              <a:t>10</a:t>
+            </a:fld>
+            <a:endParaRPr lang="zh-TW" altLang="en-US"/>
+          </a:p>
+        </p:txBody>
+      </p:sp>
+      <p:grpSp>
+        <p:nvGrpSpPr>
+          <p:cNvPr id="14" name="群組 13"/>
+          <p:cNvGrpSpPr/>
+          <p:nvPr/>
+        </p:nvGrpSpPr>
+        <p:grpSpPr>
+          <a:xfrm>
+            <a:off x="1371158" y="31750"/>
+            <a:ext cx="9252427" cy="6689725"/>
+            <a:chOff x="1096839" y="304800"/>
+            <a:chExt cx="9063602" cy="6553200"/>
+          </a:xfrm>
+        </p:grpSpPr>
+        <p:pic>
+          <p:nvPicPr>
+            <p:cNvPr id="12" name="圖片 11"/>
+            <p:cNvPicPr>
+              <a:picLocks noChangeAspect="1"/>
+            </p:cNvPicPr>
+            <p:nvPr/>
+          </p:nvPicPr>
+          <p:blipFill rotWithShape="1">
+            <a:blip r:embed="rId2" cstate="print">
+              <a:extLst>
+                <a:ext uri="{28A0092B-C50C-407E-A947-70E740481C1C}">
+                  <a14:useLocalDpi xmlns:a14="http://schemas.microsoft.com/office/drawing/2010/main" val="0"/>
+                </a:ext>
+              </a:extLst>
+            </a:blip>
+            <a:srcRect t="11111"/>
+            <a:stretch/>
+          </p:blipFill>
+          <p:spPr>
+            <a:xfrm>
+              <a:off x="1096839" y="762000"/>
+              <a:ext cx="9063602" cy="6096000"/>
+            </a:xfrm>
+            <a:prstGeom prst="rect">
+              <a:avLst/>
+            </a:prstGeom>
+          </p:spPr>
+        </p:pic>
+        <p:pic>
+          <p:nvPicPr>
+            <p:cNvPr id="13" name="圖片 12"/>
+            <p:cNvPicPr>
+              <a:picLocks noChangeAspect="1"/>
+            </p:cNvPicPr>
+            <p:nvPr/>
+          </p:nvPicPr>
+          <p:blipFill rotWithShape="1">
+            <a:blip r:embed="rId2" cstate="print">
+              <a:extLst>
+                <a:ext uri="{28A0092B-C50C-407E-A947-70E740481C1C}">
+                  <a14:useLocalDpi xmlns:a14="http://schemas.microsoft.com/office/drawing/2010/main" val="0"/>
+                </a:ext>
+              </a:extLst>
+            </a:blip>
+            <a:srcRect l="1574" t="-148" r="86768" b="93482"/>
+            <a:stretch/>
+          </p:blipFill>
+          <p:spPr>
+            <a:xfrm>
+              <a:off x="1096839" y="304800"/>
+              <a:ext cx="1056640" cy="457200"/>
+            </a:xfrm>
+            <a:prstGeom prst="rect">
+              <a:avLst/>
+            </a:prstGeom>
+          </p:spPr>
+        </p:pic>
+      </p:grpSp>
+    </p:spTree>
+    <p:extLst>
+      <p:ext uri="{BB962C8B-B14F-4D97-AF65-F5344CB8AC3E}">
+        <p14:creationId xmlns:p14="http://schemas.microsoft.com/office/powerpoint/2010/main" val="700451212"/>
+      </p:ext>
+    </p:extLst>
+  </p:cSld>
+  <p:clrMapOvr>
+    <a:masterClrMapping/>
+  </p:clrMapOvr>
+  <p:timing>
+    <p:tnLst>
+      <p:par>
+        <p:cTn id="1" dur="indefinite" restart="never" nodeType="tmRoot"/>
+      </p:par>
+    </p:tnLst>
+  </p:timing>
+</p:sld>
+</file>
+
+<file path=ppt/slides/slide11.xml><?xml version="1.0" encoding="utf-8"?>
+<p:sld xmlns:a="http://schemas.openxmlformats.org/drawingml/2006/main" xmlns:r="http://schemas.openxmlformats.org/officeDocument/2006/relationships" xmlns:p="http://schemas.openxmlformats.org/presentationml/2006/main">
+  <p:cSld>
+    <p:spTree>
+      <p:nvGrpSpPr>
+        <p:cNvPr id="1" name=""/>
+        <p:cNvGrpSpPr/>
+        <p:nvPr/>
+      </p:nvGrpSpPr>
+      <p:grpSpPr>
+        <a:xfrm>
+          <a:off x="0" y="0"/>
+          <a:ext cx="0" cy="0"/>
+          <a:chOff x="0" y="0"/>
+          <a:chExt cx="0" cy="0"/>
+        </a:xfrm>
+      </p:grpSpPr>
+      <p:sp>
+        <p:nvSpPr>
+          <p:cNvPr id="2" name="投影片編號版面配置區 1">
+            <a:extLst>
+              <a:ext uri="{FF2B5EF4-FFF2-40B4-BE49-F238E27FC236}">
+                <a16:creationId xmlns:a16="http://schemas.microsoft.com/office/drawing/2014/main" id="{40D6BD0A-A98F-4D0C-9541-A62A726D1011}"/>
+              </a:ext>
+            </a:extLst>
+          </p:cNvPr>
+          <p:cNvSpPr>
+            <a:spLocks noGrp="1"/>
+          </p:cNvSpPr>
+          <p:nvPr>
+            <p:ph type="sldNum" sz="quarter" idx="12"/>
+          </p:nvPr>
+        </p:nvSpPr>
+        <p:spPr/>
+        <p:txBody>
+          <a:bodyPr/>
+          <a:lstStyle/>
+          <a:p>
+            <a:fld id="{6401F674-B173-4252-B1D5-0488865FD844}" type="slidenum">
+              <a:rPr lang="zh-TW" altLang="en-US" smtClean="0"/>
+              <a:t>11</a:t>
+            </a:fld>
+            <a:endParaRPr lang="zh-TW" altLang="en-US"/>
+          </a:p>
+        </p:txBody>
+      </p:sp>
       <p:pic>
         <p:nvPicPr>
-          <p:cNvPr id="4" name="Picture 12">
+          <p:cNvPr id="3" name="圖片 2"/>
+          <p:cNvPicPr>
+            <a:picLocks noChangeAspect="1"/>
+          </p:cNvPicPr>
+          <p:nvPr/>
+        </p:nvPicPr>
+        <p:blipFill>
+          <a:blip r:embed="rId2" cstate="print">
+            <a:extLst>
+              <a:ext uri="{28A0092B-C50C-407E-A947-70E740481C1C}">
+                <a14:useLocalDpi xmlns:a14="http://schemas.microsoft.com/office/drawing/2010/main" val="0"/>
+              </a:ext>
+            </a:extLst>
+          </a:blip>
+          <a:stretch>
+            <a:fillRect/>
+          </a:stretch>
+        </p:blipFill>
+        <p:spPr>
+          <a:xfrm>
+            <a:off x="3429293" y="0"/>
+            <a:ext cx="3813239" cy="6721475"/>
+          </a:xfrm>
+          <a:prstGeom prst="rect">
+            <a:avLst/>
+          </a:prstGeom>
+        </p:spPr>
+      </p:pic>
+    </p:spTree>
+    <p:extLst>
+      <p:ext uri="{BB962C8B-B14F-4D97-AF65-F5344CB8AC3E}">
+        <p14:creationId xmlns:p14="http://schemas.microsoft.com/office/powerpoint/2010/main" val="2990529989"/>
+      </p:ext>
+    </p:extLst>
+  </p:cSld>
+  <p:clrMapOvr>
+    <a:masterClrMapping/>
+  </p:clrMapOvr>
+  <p:timing>
+    <p:tnLst>
+      <p:par>
+        <p:cTn id="1" dur="indefinite" restart="never" nodeType="tmRoot"/>
+      </p:par>
+    </p:tnLst>
+  </p:timing>
+</p:sld>
+</file>
+
+<file path=ppt/slides/slide12.xml><?xml version="1.0" encoding="utf-8"?>
+<p:sld xmlns:a="http://schemas.openxmlformats.org/drawingml/2006/main" xmlns:r="http://schemas.openxmlformats.org/officeDocument/2006/relationships" xmlns:p="http://schemas.openxmlformats.org/presentationml/2006/main">
+  <p:cSld>
+    <p:spTree>
+      <p:nvGrpSpPr>
+        <p:cNvPr id="1" name=""/>
+        <p:cNvGrpSpPr/>
+        <p:nvPr/>
+      </p:nvGrpSpPr>
+      <p:grpSpPr>
+        <a:xfrm>
+          <a:off x="0" y="0"/>
+          <a:ext cx="0" cy="0"/>
+          <a:chOff x="0" y="0"/>
+          <a:chExt cx="0" cy="0"/>
+        </a:xfrm>
+      </p:grpSpPr>
+      <p:sp>
+        <p:nvSpPr>
+          <p:cNvPr id="2" name="投影片編號版面配置區 1">
+            <a:extLst>
+              <a:ext uri="{FF2B5EF4-FFF2-40B4-BE49-F238E27FC236}">
+                <a16:creationId xmlns:a16="http://schemas.microsoft.com/office/drawing/2014/main" id="{40D6BD0A-A98F-4D0C-9541-A62A726D1011}"/>
+              </a:ext>
+            </a:extLst>
+          </p:cNvPr>
+          <p:cNvSpPr>
+            <a:spLocks noGrp="1"/>
+          </p:cNvSpPr>
+          <p:nvPr>
+            <p:ph type="sldNum" sz="quarter" idx="12"/>
+          </p:nvPr>
+        </p:nvSpPr>
+        <p:spPr/>
+        <p:txBody>
+          <a:bodyPr/>
+          <a:lstStyle/>
+          <a:p>
+            <a:fld id="{6401F674-B173-4252-B1D5-0488865FD844}" type="slidenum">
+              <a:rPr lang="zh-TW" altLang="en-US" smtClean="0"/>
+              <a:t>12</a:t>
+            </a:fld>
+            <a:endParaRPr lang="zh-TW" altLang="en-US"/>
+          </a:p>
+        </p:txBody>
+      </p:sp>
+      <p:pic>
+        <p:nvPicPr>
+          <p:cNvPr id="5" name="Picture 12">
             <a:extLst>
               <a:ext uri="{FF2B5EF4-FFF2-40B4-BE49-F238E27FC236}">
                 <a16:creationId xmlns:a16="http://schemas.microsoft.com/office/drawing/2014/main" id="{8FC01F0B-F5FE-476F-B636-75D51A65179D}"/>
@@ -3851,6 +4121,107 @@
       </p:pic>
       <p:sp>
         <p:nvSpPr>
+          <p:cNvPr id="6" name="標題 2">
+            <a:extLst>
+              <a:ext uri="{FF2B5EF4-FFF2-40B4-BE49-F238E27FC236}">
+                <a16:creationId xmlns:a16="http://schemas.microsoft.com/office/drawing/2014/main" id="{0C2A5F4D-20FE-4033-865A-DAD3A2B1E6F6}"/>
+              </a:ext>
+            </a:extLst>
+          </p:cNvPr>
+          <p:cNvSpPr>
+            <a:spLocks noGrp="1"/>
+          </p:cNvSpPr>
+          <p:nvPr>
+            <p:ph type="title"/>
+          </p:nvPr>
+        </p:nvSpPr>
+        <p:spPr>
+          <a:xfrm>
+            <a:off x="838200" y="365125"/>
+            <a:ext cx="8051157" cy="1132783"/>
+          </a:xfrm>
+        </p:spPr>
+        <p:txBody>
+          <a:bodyPr/>
+          <a:lstStyle/>
+          <a:p>
+            <a:r>
+              <a:rPr lang="en-US" altLang="zh-TW" dirty="0" err="1"/>
+              <a:t>ApiManagerALL</a:t>
+            </a:r>
+            <a:endParaRPr lang="zh-TW" altLang="en-US" dirty="0"/>
+          </a:p>
+        </p:txBody>
+      </p:sp>
+      <p:pic>
+        <p:nvPicPr>
+          <p:cNvPr id="8" name="圖片 7"/>
+          <p:cNvPicPr>
+            <a:picLocks noChangeAspect="1"/>
+          </p:cNvPicPr>
+          <p:nvPr/>
+        </p:nvPicPr>
+        <p:blipFill>
+          <a:blip r:embed="rId4" cstate="print">
+            <a:extLst>
+              <a:ext uri="{28A0092B-C50C-407E-A947-70E740481C1C}">
+                <a14:useLocalDpi xmlns:a14="http://schemas.microsoft.com/office/drawing/2010/main" val="0"/>
+              </a:ext>
+            </a:extLst>
+          </a:blip>
+          <a:stretch>
+            <a:fillRect/>
+          </a:stretch>
+        </p:blipFill>
+        <p:spPr>
+          <a:xfrm>
+            <a:off x="2575781" y="1310640"/>
+            <a:ext cx="6679979" cy="5328001"/>
+          </a:xfrm>
+          <a:prstGeom prst="rect">
+            <a:avLst/>
+          </a:prstGeom>
+        </p:spPr>
+      </p:pic>
+    </p:spTree>
+    <p:extLst>
+      <p:ext uri="{BB962C8B-B14F-4D97-AF65-F5344CB8AC3E}">
+        <p14:creationId xmlns:p14="http://schemas.microsoft.com/office/powerpoint/2010/main" val="335333504"/>
+      </p:ext>
+    </p:extLst>
+  </p:cSld>
+  <p:clrMapOvr>
+    <a:masterClrMapping/>
+  </p:clrMapOvr>
+  <p:timing>
+    <p:tnLst>
+      <p:par>
+        <p:cTn id="1" dur="indefinite" restart="never" nodeType="tmRoot"/>
+      </p:par>
+    </p:tnLst>
+  </p:timing>
+</p:sld>
+</file>
+
+<file path=ppt/slides/slide13.xml><?xml version="1.0" encoding="utf-8"?>
+<p:sld xmlns:a="http://schemas.openxmlformats.org/drawingml/2006/main" xmlns:r="http://schemas.openxmlformats.org/officeDocument/2006/relationships" xmlns:p="http://schemas.openxmlformats.org/presentationml/2006/main">
+  <p:cSld>
+    <p:spTree>
+      <p:nvGrpSpPr>
+        <p:cNvPr id="1" name=""/>
+        <p:cNvGrpSpPr/>
+        <p:nvPr/>
+      </p:nvGrpSpPr>
+      <p:grpSpPr>
+        <a:xfrm>
+          <a:off x="0" y="0"/>
+          <a:ext cx="0" cy="0"/>
+          <a:chOff x="0" y="0"/>
+          <a:chExt cx="0" cy="0"/>
+        </a:xfrm>
+      </p:grpSpPr>
+      <p:sp>
+        <p:nvSpPr>
           <p:cNvPr id="2" name="投影片編號版面配置區 1">
             <a:extLst>
               <a:ext uri="{FF2B5EF4-FFF2-40B4-BE49-F238E27FC236}">
@@ -3872,165 +4243,63 @@
           <a:p>
             <a:fld id="{6401F674-B173-4252-B1D5-0488865FD844}" type="slidenum">
               <a:rPr lang="zh-TW" altLang="en-US" smtClean="0"/>
-              <a:t>10</a:t>
+              <a:t>13</a:t>
             </a:fld>
             <a:endParaRPr lang="zh-TW" altLang="en-US"/>
           </a:p>
         </p:txBody>
       </p:sp>
-      <p:sp>
-        <p:nvSpPr>
-          <p:cNvPr id="3" name="標題 2">
+      <p:pic>
+        <p:nvPicPr>
+          <p:cNvPr id="4" name="圖片 3"/>
+          <p:cNvPicPr>
+            <a:picLocks noChangeAspect="1"/>
+          </p:cNvPicPr>
+          <p:nvPr/>
+        </p:nvPicPr>
+        <p:blipFill>
+          <a:blip r:embed="rId2" cstate="print">
             <a:extLst>
-              <a:ext uri="{FF2B5EF4-FFF2-40B4-BE49-F238E27FC236}">
-                <a16:creationId xmlns:a16="http://schemas.microsoft.com/office/drawing/2014/main" id="{0C2A5F4D-20FE-4033-865A-DAD3A2B1E6F6}"/>
+              <a:ext uri="{28A0092B-C50C-407E-A947-70E740481C1C}">
+                <a14:useLocalDpi xmlns:a14="http://schemas.microsoft.com/office/drawing/2010/main" val="0"/>
               </a:ext>
             </a:extLst>
-          </p:cNvPr>
-          <p:cNvSpPr>
-            <a:spLocks noGrp="1"/>
-          </p:cNvSpPr>
-          <p:nvPr>
-            <p:ph type="title"/>
-          </p:nvPr>
-        </p:nvSpPr>
-        <p:spPr/>
-        <p:txBody>
-          <a:bodyPr/>
-          <a:lstStyle/>
-          <a:p>
-            <a:r>
-              <a:rPr lang="en-US" altLang="zh-TW" dirty="0" err="1"/>
-              <a:t>ZooAdapter</a:t>
-            </a:r>
-            <a:endParaRPr lang="zh-TW" altLang="en-US" dirty="0"/>
-          </a:p>
-        </p:txBody>
-      </p:sp>
-      <p:sp>
-        <p:nvSpPr>
-          <p:cNvPr id="9" name="標題 2">
-            <a:extLst>
-              <a:ext uri="{FF2B5EF4-FFF2-40B4-BE49-F238E27FC236}">
-                <a16:creationId xmlns:a16="http://schemas.microsoft.com/office/drawing/2014/main" id="{BC185FD5-F882-4F67-9562-AD0E1364B101}"/>
-              </a:ext>
-            </a:extLst>
-          </p:cNvPr>
-          <p:cNvSpPr txBox="1">
-            <a:spLocks/>
-          </p:cNvSpPr>
-          <p:nvPr/>
-        </p:nvSpPr>
+          </a:blip>
+          <a:stretch>
+            <a:fillRect/>
+          </a:stretch>
+        </p:blipFill>
         <p:spPr>
           <a:xfrm>
-            <a:off x="1016001" y="2574925"/>
-            <a:ext cx="2857500" cy="402045"/>
+            <a:off x="2676720" y="259715"/>
+            <a:ext cx="7654740" cy="6710045"/>
           </a:xfrm>
           <a:prstGeom prst="rect">
             <a:avLst/>
           </a:prstGeom>
         </p:spPr>
-        <p:txBody>
-          <a:bodyPr vert="horz" lIns="91440" tIns="45720" rIns="91440" bIns="45720" rtlCol="0" anchor="ctr">
-            <a:normAutofit lnSpcReduction="10000"/>
-          </a:bodyPr>
-          <a:lstStyle>
-            <a:lvl1pPr algn="l" defTabSz="914400" rtl="0" eaLnBrk="1" latinLnBrk="0" hangingPunct="1">
-              <a:lnSpc>
-                <a:spcPct val="90000"/>
-              </a:lnSpc>
-              <a:spcBef>
-                <a:spcPct val="0"/>
-              </a:spcBef>
-              <a:buNone/>
-              <a:defRPr lang="zh-TW" altLang="en-US" sz="4400" kern="1200" dirty="0">
-                <a:solidFill>
-                  <a:schemeClr val="tx1"/>
-                </a:solidFill>
-                <a:latin typeface="Arial Unicode MS" panose="020B0604020202020204" pitchFamily="34" charset="-120"/>
-                <a:ea typeface="微軟正黑體" panose="020B0604030504040204" pitchFamily="34" charset="-120"/>
-                <a:cs typeface="Calibri" panose="020F0502020204030204" pitchFamily="34" charset="0"/>
-              </a:defRPr>
-            </a:lvl1pPr>
-          </a:lstStyle>
-          <a:p>
-            <a:r>
-              <a:rPr lang="en-US" altLang="zh-TW" sz="2400" dirty="0"/>
-              <a:t>onBindViewHolder</a:t>
-            </a:r>
-            <a:endParaRPr lang="en-US" sz="2400" dirty="0"/>
-          </a:p>
-        </p:txBody>
-      </p:sp>
-      <p:sp>
-        <p:nvSpPr>
-          <p:cNvPr id="11" name="標題 2">
-            <a:extLst>
-              <a:ext uri="{FF2B5EF4-FFF2-40B4-BE49-F238E27FC236}">
-                <a16:creationId xmlns:a16="http://schemas.microsoft.com/office/drawing/2014/main" id="{C23079CD-C158-43CD-8190-DF2C431FD668}"/>
-              </a:ext>
-            </a:extLst>
-          </p:cNvPr>
-          <p:cNvSpPr txBox="1">
-            <a:spLocks/>
-          </p:cNvSpPr>
-          <p:nvPr/>
-        </p:nvSpPr>
-        <p:spPr>
-          <a:xfrm>
-            <a:off x="4165601" y="2570876"/>
-            <a:ext cx="2857500" cy="402045"/>
-          </a:xfrm>
-          <a:prstGeom prst="rect">
-            <a:avLst/>
-          </a:prstGeom>
-        </p:spPr>
-        <p:txBody>
-          <a:bodyPr vert="horz" lIns="91440" tIns="45720" rIns="91440" bIns="45720" rtlCol="0" anchor="ctr">
-            <a:normAutofit fontScale="62500" lnSpcReduction="20000"/>
-          </a:bodyPr>
-          <a:lstStyle>
-            <a:lvl1pPr algn="l" defTabSz="914400" rtl="0" eaLnBrk="1" latinLnBrk="0" hangingPunct="1">
-              <a:lnSpc>
-                <a:spcPct val="90000"/>
-              </a:lnSpc>
-              <a:spcBef>
-                <a:spcPct val="0"/>
-              </a:spcBef>
-              <a:buNone/>
-              <a:defRPr lang="zh-TW" altLang="en-US" sz="4400" kern="1200" dirty="0">
-                <a:solidFill>
-                  <a:schemeClr val="tx1"/>
-                </a:solidFill>
-                <a:latin typeface="Arial Unicode MS" panose="020B0604020202020204" pitchFamily="34" charset="-120"/>
-                <a:ea typeface="微軟正黑體" panose="020B0604030504040204" pitchFamily="34" charset="-120"/>
-                <a:cs typeface="Calibri" panose="020F0502020204030204" pitchFamily="34" charset="0"/>
-              </a:defRPr>
-            </a:lvl1pPr>
-          </a:lstStyle>
-          <a:p>
-            <a:r>
-              <a:rPr lang="en-US" altLang="zh-TW" dirty="0"/>
-              <a:t>getRoomQuery</a:t>
-            </a:r>
-            <a:endParaRPr lang="en-US" sz="2400" dirty="0"/>
-          </a:p>
-        </p:txBody>
-      </p:sp>
+      </p:pic>
     </p:spTree>
     <p:extLst>
       <p:ext uri="{BB962C8B-B14F-4D97-AF65-F5344CB8AC3E}">
-        <p14:creationId xmlns:p14="http://schemas.microsoft.com/office/powerpoint/2010/main" val="700451212"/>
+        <p14:creationId xmlns:p14="http://schemas.microsoft.com/office/powerpoint/2010/main" val="832600841"/>
       </p:ext>
     </p:extLst>
   </p:cSld>
   <p:clrMapOvr>
     <a:masterClrMapping/>
   </p:clrMapOvr>
+  <p:timing>
+    <p:tnLst>
+      <p:par>
+        <p:cTn id="1" dur="indefinite" restart="never" nodeType="tmRoot"/>
+      </p:par>
+    </p:tnLst>
+  </p:timing>
 </p:sld>
 </file>
 
-<file path=ppt/slides/slide11.xml><?xml version="1.0" encoding="utf-8"?>
+<file path=ppt/slides/slide14.xml><?xml version="1.0" encoding="utf-8"?>
 <p:sld xmlns:a="http://schemas.openxmlformats.org/drawingml/2006/main" xmlns:r="http://schemas.openxmlformats.org/officeDocument/2006/relationships" xmlns:p="http://schemas.openxmlformats.org/presentationml/2006/main">
   <p:cSld>
     <p:spTree>
@@ -4125,7 +4394,7 @@
           <a:p>
             <a:fld id="{6401F674-B173-4252-B1D5-0488865FD844}" type="slidenum">
               <a:rPr lang="zh-TW" altLang="en-US" smtClean="0"/>
-              <a:t>11</a:t>
+              <a:t>14</a:t>
             </a:fld>
             <a:endParaRPr lang="zh-TW" altLang="en-US"/>
           </a:p>
@@ -4205,10 +4474,283 @@
   <p:clrMapOvr>
     <a:masterClrMapping/>
   </p:clrMapOvr>
+  <p:timing>
+    <p:tnLst>
+      <p:par>
+        <p:cTn id="1" dur="indefinite" restart="never" nodeType="tmRoot"/>
+      </p:par>
+    </p:tnLst>
+  </p:timing>
 </p:sld>
 </file>
 
-<file path=ppt/slides/slide12.xml><?xml version="1.0" encoding="utf-8"?>
+<file path=ppt/slides/slide15.xml><?xml version="1.0" encoding="utf-8"?>
+<p:sld xmlns:a="http://schemas.openxmlformats.org/drawingml/2006/main" xmlns:r="http://schemas.openxmlformats.org/officeDocument/2006/relationships" xmlns:p="http://schemas.openxmlformats.org/presentationml/2006/main">
+  <p:cSld>
+    <p:spTree>
+      <p:nvGrpSpPr>
+        <p:cNvPr id="1" name=""/>
+        <p:cNvGrpSpPr/>
+        <p:nvPr/>
+      </p:nvGrpSpPr>
+      <p:grpSpPr>
+        <a:xfrm>
+          <a:off x="0" y="0"/>
+          <a:ext cx="0" cy="0"/>
+          <a:chOff x="0" y="0"/>
+          <a:chExt cx="0" cy="0"/>
+        </a:xfrm>
+      </p:grpSpPr>
+      <p:sp>
+        <p:nvSpPr>
+          <p:cNvPr id="2" name="標題 1"/>
+          <p:cNvSpPr>
+            <a:spLocks noGrp="1"/>
+          </p:cNvSpPr>
+          <p:nvPr>
+            <p:ph type="title"/>
+          </p:nvPr>
+        </p:nvSpPr>
+        <p:spPr/>
+        <p:txBody>
+          <a:bodyPr/>
+          <a:lstStyle/>
+          <a:p>
+            <a:r>
+              <a:rPr lang="en-US" altLang="zh-TW" dirty="0" err="1"/>
+              <a:t>DetailFragment</a:t>
+            </a:r>
+            <a:endParaRPr lang="zh-TW" altLang="en-US" dirty="0"/>
+          </a:p>
+        </p:txBody>
+      </p:sp>
+      <p:sp>
+        <p:nvSpPr>
+          <p:cNvPr id="3" name="投影片編號版面配置區 2"/>
+          <p:cNvSpPr>
+            <a:spLocks noGrp="1"/>
+          </p:cNvSpPr>
+          <p:nvPr>
+            <p:ph type="sldNum" sz="quarter" idx="12"/>
+          </p:nvPr>
+        </p:nvSpPr>
+        <p:spPr/>
+        <p:txBody>
+          <a:bodyPr/>
+          <a:lstStyle/>
+          <a:p>
+            <a:fld id="{6401F674-B173-4252-B1D5-0488865FD844}" type="slidenum">
+              <a:rPr lang="zh-TW" altLang="en-US" smtClean="0"/>
+              <a:t>15</a:t>
+            </a:fld>
+            <a:endParaRPr lang="zh-TW" altLang="en-US"/>
+          </a:p>
+        </p:txBody>
+      </p:sp>
+      <p:pic>
+        <p:nvPicPr>
+          <p:cNvPr id="4" name="Picture 12"/>
+          <p:cNvPicPr>
+            <a:picLocks noChangeAspect="1"/>
+          </p:cNvPicPr>
+          <p:nvPr/>
+        </p:nvPicPr>
+        <p:blipFill>
+          <a:blip r:embed="rId2">
+            <a:duotone>
+              <a:prstClr val="black"/>
+              <a:schemeClr val="accent1">
+                <a:lumMod val="20000"/>
+                <a:lumOff val="80000"/>
+                <a:tint val="45000"/>
+                <a:satMod val="400000"/>
+              </a:schemeClr>
+            </a:duotone>
+            <a:extLst>
+              <a:ext uri="{BEBA8EAE-BF5A-486C-A8C5-ECC9F3942E4B}">
+                <a14:imgProps xmlns:a14="http://schemas.microsoft.com/office/drawing/2010/main">
+                  <a14:imgLayer r:embed="rId3">
+                    <a14:imgEffect>
+                      <a14:colorTemperature colorTemp="11200"/>
+                    </a14:imgEffect>
+                    <a14:imgEffect>
+                      <a14:saturation sat="400000"/>
+                    </a14:imgEffect>
+                  </a14:imgLayer>
+                </a14:imgProps>
+              </a:ext>
+            </a:extLst>
+          </a:blip>
+          <a:srcRect/>
+          <a:stretch>
+            <a:fillRect/>
+          </a:stretch>
+        </p:blipFill>
+        <p:spPr>
+          <a:xfrm rot="175068">
+            <a:off x="631301" y="1114264"/>
+            <a:ext cx="3401280" cy="323122"/>
+          </a:xfrm>
+          <a:prstGeom prst="rect">
+            <a:avLst/>
+          </a:prstGeom>
+        </p:spPr>
+      </p:pic>
+      <p:pic>
+        <p:nvPicPr>
+          <p:cNvPr id="6" name="圖片 5"/>
+          <p:cNvPicPr>
+            <a:picLocks noChangeAspect="1"/>
+          </p:cNvPicPr>
+          <p:nvPr/>
+        </p:nvPicPr>
+        <p:blipFill rotWithShape="1">
+          <a:blip r:embed="rId4" cstate="print">
+            <a:extLst>
+              <a:ext uri="{28A0092B-C50C-407E-A947-70E740481C1C}">
+                <a14:useLocalDpi xmlns:a14="http://schemas.microsoft.com/office/drawing/2010/main" val="0"/>
+              </a:ext>
+            </a:extLst>
+          </a:blip>
+          <a:srcRect l="55015" t="5208" r="-755" b="-5208"/>
+          <a:stretch/>
+        </p:blipFill>
+        <p:spPr>
+          <a:xfrm>
+            <a:off x="1405811" y="1275825"/>
+            <a:ext cx="3074749" cy="4486930"/>
+          </a:xfrm>
+          <a:prstGeom prst="rect">
+            <a:avLst/>
+          </a:prstGeom>
+        </p:spPr>
+      </p:pic>
+      <p:pic>
+        <p:nvPicPr>
+          <p:cNvPr id="7" name="圖片 6"/>
+          <p:cNvPicPr>
+            <a:picLocks noChangeAspect="1"/>
+          </p:cNvPicPr>
+          <p:nvPr/>
+        </p:nvPicPr>
+        <p:blipFill rotWithShape="1">
+          <a:blip r:embed="rId5" cstate="print">
+            <a:extLst>
+              <a:ext uri="{28A0092B-C50C-407E-A947-70E740481C1C}">
+                <a14:useLocalDpi xmlns:a14="http://schemas.microsoft.com/office/drawing/2010/main" val="0"/>
+              </a:ext>
+            </a:extLst>
+          </a:blip>
+          <a:srcRect t="6287"/>
+          <a:stretch/>
+        </p:blipFill>
+        <p:spPr>
+          <a:xfrm>
+            <a:off x="4863778" y="248602"/>
+            <a:ext cx="5997300" cy="6609398"/>
+          </a:xfrm>
+          <a:prstGeom prst="rect">
+            <a:avLst/>
+          </a:prstGeom>
+        </p:spPr>
+      </p:pic>
+    </p:spTree>
+    <p:extLst>
+      <p:ext uri="{BB962C8B-B14F-4D97-AF65-F5344CB8AC3E}">
+        <p14:creationId xmlns:p14="http://schemas.microsoft.com/office/powerpoint/2010/main" val="1466322488"/>
+      </p:ext>
+    </p:extLst>
+  </p:cSld>
+  <p:clrMapOvr>
+    <a:masterClrMapping/>
+  </p:clrMapOvr>
+</p:sld>
+</file>
+
+<file path=ppt/slides/slide16.xml><?xml version="1.0" encoding="utf-8"?>
+<p:sld xmlns:a="http://schemas.openxmlformats.org/drawingml/2006/main" xmlns:r="http://schemas.openxmlformats.org/officeDocument/2006/relationships" xmlns:p="http://schemas.openxmlformats.org/presentationml/2006/main">
+  <p:cSld>
+    <p:spTree>
+      <p:nvGrpSpPr>
+        <p:cNvPr id="1" name=""/>
+        <p:cNvGrpSpPr/>
+        <p:nvPr/>
+      </p:nvGrpSpPr>
+      <p:grpSpPr>
+        <a:xfrm>
+          <a:off x="0" y="0"/>
+          <a:ext cx="0" cy="0"/>
+          <a:chOff x="0" y="0"/>
+          <a:chExt cx="0" cy="0"/>
+        </a:xfrm>
+      </p:grpSpPr>
+      <p:sp>
+        <p:nvSpPr>
+          <p:cNvPr id="3" name="投影片編號版面配置區 2"/>
+          <p:cNvSpPr>
+            <a:spLocks noGrp="1"/>
+          </p:cNvSpPr>
+          <p:nvPr>
+            <p:ph type="sldNum" sz="quarter" idx="12"/>
+          </p:nvPr>
+        </p:nvSpPr>
+        <p:spPr/>
+        <p:txBody>
+          <a:bodyPr/>
+          <a:lstStyle/>
+          <a:p>
+            <a:fld id="{6401F674-B173-4252-B1D5-0488865FD844}" type="slidenum">
+              <a:rPr lang="zh-TW" altLang="en-US" smtClean="0"/>
+              <a:t>16</a:t>
+            </a:fld>
+            <a:endParaRPr lang="zh-TW" altLang="en-US"/>
+          </a:p>
+        </p:txBody>
+      </p:sp>
+      <p:pic>
+        <p:nvPicPr>
+          <p:cNvPr id="4" name="圖片 3"/>
+          <p:cNvPicPr>
+            <a:picLocks noChangeAspect="1"/>
+          </p:cNvPicPr>
+          <p:nvPr/>
+        </p:nvPicPr>
+        <p:blipFill>
+          <a:blip r:embed="rId2" cstate="print">
+            <a:extLst>
+              <a:ext uri="{28A0092B-C50C-407E-A947-70E740481C1C}">
+                <a14:useLocalDpi xmlns:a14="http://schemas.microsoft.com/office/drawing/2010/main" val="0"/>
+              </a:ext>
+            </a:extLst>
+          </a:blip>
+          <a:stretch>
+            <a:fillRect/>
+          </a:stretch>
+        </p:blipFill>
+        <p:spPr>
+          <a:xfrm>
+            <a:off x="2085095" y="0"/>
+            <a:ext cx="8021809" cy="6858000"/>
+          </a:xfrm>
+          <a:prstGeom prst="rect">
+            <a:avLst/>
+          </a:prstGeom>
+        </p:spPr>
+      </p:pic>
+    </p:spTree>
+    <p:extLst>
+      <p:ext uri="{BB962C8B-B14F-4D97-AF65-F5344CB8AC3E}">
+        <p14:creationId xmlns:p14="http://schemas.microsoft.com/office/powerpoint/2010/main" val="3550836285"/>
+      </p:ext>
+    </p:extLst>
+  </p:cSld>
+  <p:clrMapOvr>
+    <a:masterClrMapping/>
+  </p:clrMapOvr>
+</p:sld>
+</file>
+
+<file path=ppt/slides/slide17.xml><?xml version="1.0" encoding="utf-8"?>
 <p:sld xmlns:a="http://schemas.openxmlformats.org/drawingml/2006/main" xmlns:r="http://schemas.openxmlformats.org/officeDocument/2006/relationships" xmlns:p="http://schemas.openxmlformats.org/presentationml/2006/main">
   <p:cSld>
     <p:spTree>
@@ -4237,10 +4779,12 @@
           <a:blip r:embed="rId2">
             <a:duotone>
               <a:prstClr val="black"/>
-              <a:srgbClr val="B7C5E1">
+              <a:schemeClr val="accent1">
+                <a:lumMod val="20000"/>
+                <a:lumOff val="80000"/>
                 <a:tint val="45000"/>
                 <a:satMod val="400000"/>
-              </a:srgbClr>
+              </a:schemeClr>
             </a:duotone>
             <a:extLst>
               <a:ext uri="{BEBA8EAE-BF5A-486C-A8C5-ECC9F3942E4B}">
@@ -4274,7 +4818,30 @@
       </p:pic>
       <p:sp>
         <p:nvSpPr>
-          <p:cNvPr id="2" name="投影片編號版面配置區 1"/>
+          <p:cNvPr id="2" name="標題 1"/>
+          <p:cNvSpPr>
+            <a:spLocks noGrp="1"/>
+          </p:cNvSpPr>
+          <p:nvPr>
+            <p:ph type="title"/>
+          </p:nvPr>
+        </p:nvSpPr>
+        <p:spPr/>
+        <p:txBody>
+          <a:bodyPr/>
+          <a:lstStyle/>
+          <a:p>
+            <a:r>
+              <a:rPr lang="en-US" altLang="zh-TW" dirty="0"/>
+              <a:t>VideoFragment</a:t>
+            </a:r>
+            <a:endParaRPr lang="zh-TW" altLang="en-US" dirty="0"/>
+          </a:p>
+        </p:txBody>
+      </p:sp>
+      <p:sp>
+        <p:nvSpPr>
+          <p:cNvPr id="3" name="投影片編號版面配置區 2"/>
           <p:cNvSpPr>
             <a:spLocks noGrp="1"/>
           </p:cNvSpPr>
@@ -4289,39 +4856,118 @@
           <a:p>
             <a:fld id="{6401F674-B173-4252-B1D5-0488865FD844}" type="slidenum">
               <a:rPr lang="zh-TW" altLang="en-US" smtClean="0"/>
-              <a:t>12</a:t>
+              <a:t>17</a:t>
             </a:fld>
             <a:endParaRPr lang="zh-TW" altLang="en-US"/>
           </a:p>
         </p:txBody>
       </p:sp>
-      <p:sp>
-        <p:nvSpPr>
-          <p:cNvPr id="3" name="標題 2"/>
-          <p:cNvSpPr>
-            <a:spLocks noGrp="1"/>
-          </p:cNvSpPr>
-          <p:nvPr>
-            <p:ph type="title"/>
-          </p:nvPr>
-        </p:nvSpPr>
-        <p:spPr/>
-        <p:txBody>
-          <a:bodyPr/>
-          <a:lstStyle/>
-          <a:p>
-            <a:r>
-              <a:rPr lang="en-US" altLang="zh-TW" dirty="0" err="1"/>
-              <a:t>DetailFragment</a:t>
-            </a:r>
-            <a:endParaRPr lang="zh-TW" altLang="en-US" dirty="0"/>
-          </a:p>
-        </p:txBody>
-      </p:sp>
+      <p:pic>
+        <p:nvPicPr>
+          <p:cNvPr id="6" name="圖片 5"/>
+          <p:cNvPicPr>
+            <a:picLocks noChangeAspect="1"/>
+          </p:cNvPicPr>
+          <p:nvPr/>
+        </p:nvPicPr>
+        <p:blipFill>
+          <a:blip r:embed="rId4" cstate="print">
+            <a:extLst>
+              <a:ext uri="{28A0092B-C50C-407E-A947-70E740481C1C}">
+                <a14:useLocalDpi xmlns:a14="http://schemas.microsoft.com/office/drawing/2010/main" val="0"/>
+              </a:ext>
+            </a:extLst>
+          </a:blip>
+          <a:stretch>
+            <a:fillRect/>
+          </a:stretch>
+        </p:blipFill>
+        <p:spPr>
+          <a:xfrm>
+            <a:off x="1650665" y="1422145"/>
+            <a:ext cx="8743015" cy="5226918"/>
+          </a:xfrm>
+          <a:prstGeom prst="rect">
+            <a:avLst/>
+          </a:prstGeom>
+        </p:spPr>
+      </p:pic>
     </p:spTree>
     <p:extLst>
       <p:ext uri="{BB962C8B-B14F-4D97-AF65-F5344CB8AC3E}">
-        <p14:creationId xmlns:p14="http://schemas.microsoft.com/office/powerpoint/2010/main" val="3700898491"/>
+        <p14:creationId xmlns:p14="http://schemas.microsoft.com/office/powerpoint/2010/main" val="3243576958"/>
+      </p:ext>
+    </p:extLst>
+  </p:cSld>
+  <p:clrMapOvr>
+    <a:masterClrMapping/>
+  </p:clrMapOvr>
+</p:sld>
+</file>
+
+<file path=ppt/slides/slide18.xml><?xml version="1.0" encoding="utf-8"?>
+<p:sld xmlns:a="http://schemas.openxmlformats.org/drawingml/2006/main" xmlns:r="http://schemas.openxmlformats.org/officeDocument/2006/relationships" xmlns:p="http://schemas.openxmlformats.org/presentationml/2006/main">
+  <p:cSld>
+    <p:spTree>
+      <p:nvGrpSpPr>
+        <p:cNvPr id="1" name=""/>
+        <p:cNvGrpSpPr/>
+        <p:nvPr/>
+      </p:nvGrpSpPr>
+      <p:grpSpPr>
+        <a:xfrm>
+          <a:off x="0" y="0"/>
+          <a:ext cx="0" cy="0"/>
+          <a:chOff x="0" y="0"/>
+          <a:chExt cx="0" cy="0"/>
+        </a:xfrm>
+      </p:grpSpPr>
+      <p:sp>
+        <p:nvSpPr>
+          <p:cNvPr id="2" name="標題 1"/>
+          <p:cNvSpPr>
+            <a:spLocks noGrp="1"/>
+          </p:cNvSpPr>
+          <p:nvPr>
+            <p:ph type="title"/>
+          </p:nvPr>
+        </p:nvSpPr>
+        <p:spPr/>
+        <p:txBody>
+          <a:bodyPr/>
+          <a:lstStyle/>
+          <a:p>
+            <a:endParaRPr lang="zh-TW" altLang="en-US"/>
+          </a:p>
+        </p:txBody>
+      </p:sp>
+      <p:sp>
+        <p:nvSpPr>
+          <p:cNvPr id="3" name="投影片編號版面配置區 2"/>
+          <p:cNvSpPr>
+            <a:spLocks noGrp="1"/>
+          </p:cNvSpPr>
+          <p:nvPr>
+            <p:ph type="sldNum" sz="quarter" idx="12"/>
+          </p:nvPr>
+        </p:nvSpPr>
+        <p:spPr/>
+        <p:txBody>
+          <a:bodyPr/>
+          <a:lstStyle/>
+          <a:p>
+            <a:fld id="{6401F674-B173-4252-B1D5-0488865FD844}" type="slidenum">
+              <a:rPr lang="zh-TW" altLang="en-US" smtClean="0"/>
+              <a:t>18</a:t>
+            </a:fld>
+            <a:endParaRPr lang="zh-TW" altLang="en-US"/>
+          </a:p>
+        </p:txBody>
+      </p:sp>
+    </p:spTree>
+    <p:extLst>
+      <p:ext uri="{BB962C8B-B14F-4D97-AF65-F5344CB8AC3E}">
+        <p14:creationId xmlns:p14="http://schemas.microsoft.com/office/powerpoint/2010/main" val="684429321"/>
       </p:ext>
     </p:extLst>
   </p:cSld>
@@ -4373,34 +5019,6 @@
       </p:sp>
       <p:pic>
         <p:nvPicPr>
-          <p:cNvPr id="24" name="內容版面配置區 23"/>
-          <p:cNvPicPr>
-            <a:picLocks noGrp="1" noChangeAspect="1"/>
-          </p:cNvPicPr>
-          <p:nvPr>
-            <p:ph sz="half" idx="1"/>
-          </p:nvPr>
-        </p:nvPicPr>
-        <p:blipFill rotWithShape="1">
-          <a:blip r:embed="rId3" cstate="print">
-            <a:extLst>
-              <a:ext uri="{28A0092B-C50C-407E-A947-70E740481C1C}">
-                <a14:useLocalDpi xmlns:a14="http://schemas.microsoft.com/office/drawing/2010/main" val="0"/>
-              </a:ext>
-            </a:extLst>
-          </a:blip>
-          <a:srcRect t="51441"/>
-          <a:stretch/>
-        </p:blipFill>
-        <p:spPr>
-          <a:xfrm>
-            <a:off x="4152442" y="2316481"/>
-            <a:ext cx="6673250" cy="3663632"/>
-          </a:xfrm>
-        </p:spPr>
-      </p:pic>
-      <p:pic>
-        <p:nvPicPr>
           <p:cNvPr id="25" name="內容版面配置區 23"/>
           <p:cNvPicPr>
             <a:picLocks noGrp="1" noChangeAspect="1"/>
@@ -4435,7 +5053,7 @@
         </p:nvGrpSpPr>
         <p:grpSpPr>
           <a:xfrm>
-            <a:off x="5893661" y="2146777"/>
+            <a:off x="5969466" y="1082807"/>
             <a:ext cx="619624" cy="1020334"/>
             <a:chOff x="5144378" y="2421106"/>
             <a:chExt cx="577364" cy="950744"/>
@@ -4617,6 +5235,131 @@
           </a:p>
         </p:txBody>
       </p:sp>
+      <p:pic>
+        <p:nvPicPr>
+          <p:cNvPr id="2" name="圖片 1"/>
+          <p:cNvPicPr>
+            <a:picLocks noChangeAspect="1"/>
+          </p:cNvPicPr>
+          <p:nvPr/>
+        </p:nvPicPr>
+        <p:blipFill rotWithShape="1">
+          <a:blip r:embed="rId6" cstate="print">
+            <a:extLst>
+              <a:ext uri="{28A0092B-C50C-407E-A947-70E740481C1C}">
+                <a14:useLocalDpi xmlns:a14="http://schemas.microsoft.com/office/drawing/2010/main" val="0"/>
+              </a:ext>
+            </a:extLst>
+          </a:blip>
+          <a:srcRect l="1778" t="42667"/>
+          <a:stretch/>
+        </p:blipFill>
+        <p:spPr>
+          <a:xfrm>
+            <a:off x="4365361" y="1322915"/>
+            <a:ext cx="6469484" cy="5208428"/>
+          </a:xfrm>
+          <a:prstGeom prst="rect">
+            <a:avLst/>
+          </a:prstGeom>
+        </p:spPr>
+      </p:pic>
+      <p:sp>
+        <p:nvSpPr>
+          <p:cNvPr id="5" name="矩形 4"/>
+          <p:cNvSpPr/>
+          <p:nvPr/>
+        </p:nvSpPr>
+        <p:spPr>
+          <a:xfrm>
+            <a:off x="8370927" y="1687822"/>
+            <a:ext cx="1879600" cy="4828912"/>
+          </a:xfrm>
+          <a:prstGeom prst="rect">
+            <a:avLst/>
+          </a:prstGeom>
+          <a:noFill/>
+          <a:ln w="28575">
+            <a:solidFill>
+              <a:srgbClr val="FF0000"/>
+            </a:solidFill>
+            <a:prstDash val="dash"/>
+          </a:ln>
+        </p:spPr>
+        <p:style>
+          <a:lnRef idx="2">
+            <a:schemeClr val="accent1">
+              <a:shade val="50000"/>
+            </a:schemeClr>
+          </a:lnRef>
+          <a:fillRef idx="1">
+            <a:schemeClr val="accent1"/>
+          </a:fillRef>
+          <a:effectRef idx="0">
+            <a:schemeClr val="accent1"/>
+          </a:effectRef>
+          <a:fontRef idx="minor">
+            <a:schemeClr val="lt1"/>
+          </a:fontRef>
+        </p:style>
+        <p:txBody>
+          <a:bodyPr rtlCol="0" anchor="ctr"/>
+          <a:lstStyle/>
+          <a:p>
+            <a:pPr algn="ctr"/>
+            <a:endParaRPr lang="zh-TW" altLang="en-US"/>
+          </a:p>
+        </p:txBody>
+      </p:sp>
+      <p:sp>
+        <p:nvSpPr>
+          <p:cNvPr id="6" name="文字方塊 5"/>
+          <p:cNvSpPr txBox="1"/>
+          <p:nvPr/>
+        </p:nvSpPr>
+        <p:spPr>
+          <a:xfrm>
+            <a:off x="8193195" y="1198436"/>
+            <a:ext cx="2363852" cy="369332"/>
+          </a:xfrm>
+          <a:prstGeom prst="rect">
+            <a:avLst/>
+          </a:prstGeom>
+          <a:noFill/>
+          <a:ln>
+            <a:noFill/>
+          </a:ln>
+        </p:spPr>
+        <p:txBody>
+          <a:bodyPr wrap="none" rtlCol="0">
+            <a:spAutoFit/>
+          </a:bodyPr>
+          <a:lstStyle/>
+          <a:p>
+            <a:r>
+              <a:rPr lang="en-US" altLang="zh-TW" dirty="0">
+                <a:solidFill>
+                  <a:srgbClr val="FF0000"/>
+                </a:solidFill>
+              </a:rPr>
+              <a:t>extends  </a:t>
+            </a:r>
+            <a:r>
+              <a:rPr lang="en-US" altLang="zh-TW" dirty="0" err="1" smtClean="0">
+                <a:solidFill>
+                  <a:srgbClr val="FF0000"/>
+                </a:solidFill>
+              </a:rPr>
+              <a:t>BaseFragment</a:t>
+            </a:r>
+            <a:endParaRPr lang="zh-TW" altLang="en-US" dirty="0">
+              <a:solidFill>
+                <a:srgbClr val="FF0000"/>
+              </a:solidFill>
+            </a:endParaRPr>
+          </a:p>
+        </p:txBody>
+      </p:sp>
     </p:spTree>
     <p:extLst>
       <p:ext uri="{BB962C8B-B14F-4D97-AF65-F5344CB8AC3E}">
@@ -4661,7 +5404,7 @@
                                           </p:stCondLst>
                                         </p:cTn>
                                         <p:tgtEl>
-                                          <p:spTgt spid="24"/>
+                                          <p:spTgt spid="25"/>
                                         </p:tgtEl>
                                         <p:attrNameLst>
                                           <p:attrName>style.visibility</p:attrName>
@@ -4675,59 +5418,6 @@
                                       <p:cBhvr>
                                         <p:cTn id="7" dur="500"/>
                                         <p:tgtEl>
-                                          <p:spTgt spid="24"/>
-                                        </p:tgtEl>
-                                      </p:cBhvr>
-                                    </p:animEffect>
-                                  </p:childTnLst>
-                                </p:cTn>
-                              </p:par>
-                            </p:childTnLst>
-                          </p:cTn>
-                        </p:par>
-                      </p:childTnLst>
-                    </p:cTn>
-                  </p:par>
-                  <p:par>
-                    <p:cTn id="8" fill="hold">
-                      <p:stCondLst>
-                        <p:cond delay="indefinite"/>
-                      </p:stCondLst>
-                      <p:childTnLst>
-                        <p:par>
-                          <p:cTn id="9" fill="hold">
-                            <p:stCondLst>
-                              <p:cond delay="0"/>
-                            </p:stCondLst>
-                            <p:childTnLst>
-                              <p:par>
-                                <p:cTn id="10" presetID="10" presetClass="entr" presetSubtype="0" fill="hold" nodeType="clickEffect">
-                                  <p:stCondLst>
-                                    <p:cond delay="0"/>
-                                  </p:stCondLst>
-                                  <p:childTnLst>
-                                    <p:set>
-                                      <p:cBhvr>
-                                        <p:cTn id="11" dur="1" fill="hold">
-                                          <p:stCondLst>
-                                            <p:cond delay="0"/>
-                                          </p:stCondLst>
-                                        </p:cTn>
-                                        <p:tgtEl>
-                                          <p:spTgt spid="25"/>
-                                        </p:tgtEl>
-                                        <p:attrNameLst>
-                                          <p:attrName>style.visibility</p:attrName>
-                                        </p:attrNameLst>
-                                      </p:cBhvr>
-                                      <p:to>
-                                        <p:strVal val="visible"/>
-                                      </p:to>
-                                    </p:set>
-                                    <p:animEffect transition="in" filter="fade">
-                                      <p:cBhvr>
-                                        <p:cTn id="12" dur="500"/>
-                                        <p:tgtEl>
                                           <p:spTgt spid="25"/>
                                         </p:tgtEl>
                                       </p:cBhvr>
@@ -4736,14 +5426,14 @@
                                 </p:cTn>
                               </p:par>
                               <p:par>
-                                <p:cTn id="13" presetID="10" presetClass="entr" presetSubtype="0" fill="hold" nodeType="withEffect">
+                                <p:cTn id="8" presetID="10" presetClass="entr" presetSubtype="0" fill="hold" nodeType="withEffect">
                                   <p:stCondLst>
                                     <p:cond delay="0"/>
                                   </p:stCondLst>
                                   <p:childTnLst>
                                     <p:set>
                                       <p:cBhvr>
-                                        <p:cTn id="14" dur="1" fill="hold">
+                                        <p:cTn id="9" dur="1" fill="hold">
                                           <p:stCondLst>
                                             <p:cond delay="0"/>
                                           </p:stCondLst>
@@ -4761,7 +5451,7 @@
                                     </p:set>
                                     <p:animEffect transition="in" filter="fade">
                                       <p:cBhvr>
-                                        <p:cTn id="15" dur="500"/>
+                                        <p:cTn id="10" dur="500"/>
                                         <p:tgtEl>
                                           <p:spTgt spid="38"/>
                                         </p:tgtEl>
@@ -4970,19 +5660,79 @@
               </a:ext>
             </a:extLst>
           </a:blip>
-          <a:srcRect l="26820" t="-231" r="22580" b="-1"/>
+          <a:srcRect l="28346" t="8806" r="24434" b="147"/>
           <a:stretch/>
         </p:blipFill>
         <p:spPr>
           <a:xfrm>
-            <a:off x="4863778" y="136525"/>
-            <a:ext cx="5821679" cy="6873875"/>
+            <a:off x="5140960" y="477520"/>
+            <a:ext cx="5432737" cy="6243955"/>
           </a:xfrm>
           <a:prstGeom prst="rect">
             <a:avLst/>
           </a:prstGeom>
         </p:spPr>
       </p:pic>
+      <p:sp>
+        <p:nvSpPr>
+          <p:cNvPr id="10" name="標題 1">
+            <a:extLst>
+              <a:ext uri="{FF2B5EF4-FFF2-40B4-BE49-F238E27FC236}">
+                <a16:creationId xmlns:a16="http://schemas.microsoft.com/office/drawing/2014/main" id="{C8705927-4064-427F-8323-69CB5D08697C}"/>
+              </a:ext>
+            </a:extLst>
+          </p:cNvPr>
+          <p:cNvSpPr txBox="1">
+            <a:spLocks/>
+          </p:cNvSpPr>
+          <p:nvPr/>
+        </p:nvSpPr>
+        <p:spPr>
+          <a:xfrm>
+            <a:off x="4291169" y="227064"/>
+            <a:ext cx="1699582" cy="372348"/>
+          </a:xfrm>
+          <a:prstGeom prst="rect">
+            <a:avLst/>
+          </a:prstGeom>
+          <a:ln>
+            <a:solidFill>
+              <a:schemeClr val="tx1"/>
+            </a:solidFill>
+          </a:ln>
+        </p:spPr>
+        <p:txBody>
+          <a:bodyPr vert="horz" lIns="91440" tIns="45720" rIns="91440" bIns="45720" rtlCol="0" anchor="ctr">
+            <a:normAutofit/>
+          </a:bodyPr>
+          <a:lstStyle>
+            <a:lvl1pPr algn="l" defTabSz="914400" rtl="0" eaLnBrk="1" latinLnBrk="0" hangingPunct="1">
+              <a:lnSpc>
+                <a:spcPct val="90000"/>
+              </a:lnSpc>
+              <a:spcBef>
+                <a:spcPct val="0"/>
+              </a:spcBef>
+              <a:buNone/>
+              <a:defRPr lang="zh-TW" altLang="en-US" sz="4400" kern="1200" dirty="0">
+                <a:solidFill>
+                  <a:schemeClr val="tx1"/>
+                </a:solidFill>
+                <a:latin typeface="Arial Unicode MS" panose="020B0604020202020204" pitchFamily="34" charset="-120"/>
+                <a:ea typeface="微軟正黑體" panose="020B0604030504040204" pitchFamily="34" charset="-120"/>
+                <a:cs typeface="Calibri" panose="020F0502020204030204" pitchFamily="34" charset="0"/>
+              </a:defRPr>
+            </a:lvl1pPr>
+          </a:lstStyle>
+          <a:p>
+            <a:r>
+              <a:rPr lang="en-US" sz="2000" dirty="0" err="1" smtClean="0"/>
+              <a:t>onNewIntent</a:t>
+            </a:r>
+            <a:endParaRPr lang="en-US" sz="2000" dirty="0"/>
+          </a:p>
+        </p:txBody>
+      </p:sp>
     </p:spTree>
     <p:extLst>
       <p:ext uri="{BB962C8B-B14F-4D97-AF65-F5344CB8AC3E}">
@@ -4993,6 +5743,13 @@
   <p:clrMapOvr>
     <a:masterClrMapping/>
   </p:clrMapOvr>
+  <p:timing>
+    <p:tnLst>
+      <p:par>
+        <p:cTn id="1" dur="indefinite" restart="never" nodeType="tmRoot"/>
+      </p:par>
+    </p:tnLst>
+  </p:timing>
 </p:sld>
 </file>
 
@@ -5110,10 +5867,10 @@
       </p:sp>
       <p:pic>
         <p:nvPicPr>
-          <p:cNvPr id="6" name="圖片 5">
+          <p:cNvPr id="7" name="圖片 6">
             <a:extLst>
               <a:ext uri="{FF2B5EF4-FFF2-40B4-BE49-F238E27FC236}">
-                <a16:creationId xmlns:a16="http://schemas.microsoft.com/office/drawing/2014/main" id="{DAFE7847-F4B5-4E5D-8975-70A822AA7284}"/>
+                <a16:creationId xmlns:a16="http://schemas.microsoft.com/office/drawing/2014/main" id="{6D7AE280-E5C7-4A02-9CBF-C677464A014A}"/>
               </a:ext>
             </a:extLst>
           </p:cNvPr>
@@ -5130,13 +5887,13 @@
               </a:ext>
             </a:extLst>
           </a:blip>
-          <a:srcRect l="26859" r="38817" b="9254"/>
+          <a:srcRect l="2" t="6447" r="75481" b="62000"/>
           <a:stretch/>
         </p:blipFill>
         <p:spPr>
           <a:xfrm>
-            <a:off x="3565720" y="967856"/>
-            <a:ext cx="3413320" cy="6223346"/>
+            <a:off x="731740" y="1523745"/>
+            <a:ext cx="3200401" cy="2840702"/>
           </a:xfrm>
           <a:prstGeom prst="rect">
             <a:avLst/>
@@ -5145,19 +5902,13 @@
       </p:pic>
       <p:pic>
         <p:nvPicPr>
-          <p:cNvPr id="7" name="圖片 6">
-            <a:extLst>
-              <a:ext uri="{FF2B5EF4-FFF2-40B4-BE49-F238E27FC236}">
-                <a16:creationId xmlns:a16="http://schemas.microsoft.com/office/drawing/2014/main" id="{6D7AE280-E5C7-4A02-9CBF-C677464A014A}"/>
-              </a:ext>
-            </a:extLst>
-          </p:cNvPr>
+          <p:cNvPr id="5" name="圖片 4"/>
           <p:cNvPicPr>
             <a:picLocks noChangeAspect="1"/>
           </p:cNvPicPr>
           <p:nvPr/>
         </p:nvPicPr>
-        <p:blipFill rotWithShape="1">
+        <p:blipFill>
           <a:blip r:embed="rId5" cstate="print">
             <a:extLst>
               <a:ext uri="{28A0092B-C50C-407E-A947-70E740481C1C}">
@@ -5165,13 +5916,14 @@
               </a:ext>
             </a:extLst>
           </a:blip>
-          <a:srcRect l="2" t="6447" r="75481" b="62000"/>
-          <a:stretch/>
+          <a:stretch>
+            <a:fillRect/>
+          </a:stretch>
         </p:blipFill>
         <p:spPr>
           <a:xfrm>
-            <a:off x="838200" y="1763177"/>
-            <a:ext cx="2437959" cy="2163952"/>
+            <a:off x="3766785" y="0"/>
+            <a:ext cx="3498484" cy="6858000"/>
           </a:xfrm>
           <a:prstGeom prst="rect">
             <a:avLst/>
@@ -5180,33 +5932,28 @@
       </p:pic>
       <p:pic>
         <p:nvPicPr>
-          <p:cNvPr id="8" name="圖片 7">
-            <a:extLst>
-              <a:ext uri="{FF2B5EF4-FFF2-40B4-BE49-F238E27FC236}">
-                <a16:creationId xmlns:a16="http://schemas.microsoft.com/office/drawing/2014/main" id="{76E7C38F-6E75-4027-BBDC-82856BE59413}"/>
-              </a:ext>
-            </a:extLst>
-          </p:cNvPr>
+          <p:cNvPr id="9" name="圖片 8"/>
           <p:cNvPicPr>
             <a:picLocks noChangeAspect="1"/>
           </p:cNvPicPr>
           <p:nvPr/>
         </p:nvPicPr>
-        <p:blipFill rotWithShape="1">
-          <a:blip r:embed="rId5" cstate="print">
+        <p:blipFill>
+          <a:blip r:embed="rId6" cstate="print">
             <a:extLst>
               <a:ext uri="{28A0092B-C50C-407E-A947-70E740481C1C}">
                 <a14:useLocalDpi xmlns:a14="http://schemas.microsoft.com/office/drawing/2010/main" val="0"/>
               </a:ext>
             </a:extLst>
           </a:blip>
-          <a:srcRect l="65676"/>
-          <a:stretch/>
+          <a:stretch>
+            <a:fillRect/>
+          </a:stretch>
         </p:blipFill>
         <p:spPr>
           <a:xfrm>
-            <a:off x="7395616" y="136525"/>
-            <a:ext cx="3413320" cy="6858000"/>
+            <a:off x="7383309" y="0"/>
+            <a:ext cx="3012095" cy="6858000"/>
           </a:xfrm>
           <a:prstGeom prst="rect">
             <a:avLst/>
@@ -5223,6 +5970,13 @@
   <p:clrMapOvr>
     <a:masterClrMapping/>
   </p:clrMapOvr>
+  <p:timing>
+    <p:tnLst>
+      <p:par>
+        <p:cTn id="1" dur="indefinite" restart="never" nodeType="tmRoot"/>
+      </p:par>
+    </p:tnLst>
+  </p:timing>
 </p:sld>
 </file>
 
@@ -5340,41 +6094,6 @@
       </p:sp>
       <p:pic>
         <p:nvPicPr>
-          <p:cNvPr id="7" name="圖片 6">
-            <a:extLst>
-              <a:ext uri="{FF2B5EF4-FFF2-40B4-BE49-F238E27FC236}">
-                <a16:creationId xmlns:a16="http://schemas.microsoft.com/office/drawing/2014/main" id="{55D75069-0990-4984-9C5D-97F63D13A573}"/>
-              </a:ext>
-            </a:extLst>
-          </p:cNvPr>
-          <p:cNvPicPr>
-            <a:picLocks noChangeAspect="1"/>
-          </p:cNvPicPr>
-          <p:nvPr/>
-        </p:nvPicPr>
-        <p:blipFill rotWithShape="1">
-          <a:blip r:embed="rId4" cstate="print">
-            <a:extLst>
-              <a:ext uri="{28A0092B-C50C-407E-A947-70E740481C1C}">
-                <a14:useLocalDpi xmlns:a14="http://schemas.microsoft.com/office/drawing/2010/main" val="0"/>
-              </a:ext>
-            </a:extLst>
-          </a:blip>
-          <a:srcRect l="37871" t="31556" r="6471"/>
-          <a:stretch/>
-        </p:blipFill>
-        <p:spPr>
-          <a:xfrm>
-            <a:off x="4863778" y="1938097"/>
-            <a:ext cx="6294121" cy="4693920"/>
-          </a:xfrm>
-          <a:prstGeom prst="rect">
-            <a:avLst/>
-          </a:prstGeom>
-        </p:spPr>
-      </p:pic>
-      <p:pic>
-        <p:nvPicPr>
           <p:cNvPr id="6" name="圖片 5">
             <a:extLst>
               <a:ext uri="{FF2B5EF4-FFF2-40B4-BE49-F238E27FC236}">
@@ -5400,7 +6119,7 @@
         </p:blipFill>
         <p:spPr>
           <a:xfrm>
-            <a:off x="960341" y="1938097"/>
+            <a:off x="960341" y="1773540"/>
             <a:ext cx="2743200" cy="3513615"/>
           </a:xfrm>
           <a:prstGeom prst="rect">
@@ -5408,66 +6127,116 @@
           </a:prstGeom>
         </p:spPr>
       </p:pic>
-      <p:sp>
-        <p:nvSpPr>
-          <p:cNvPr id="8" name="標題 1">
-            <a:extLst>
-              <a:ext uri="{FF2B5EF4-FFF2-40B4-BE49-F238E27FC236}">
-                <a16:creationId xmlns:a16="http://schemas.microsoft.com/office/drawing/2014/main" id="{C8705927-4064-427F-8323-69CB5D08697C}"/>
-              </a:ext>
-            </a:extLst>
-          </p:cNvPr>
-          <p:cNvSpPr txBox="1">
-            <a:spLocks/>
-          </p:cNvSpPr>
+      <p:grpSp>
+        <p:nvGrpSpPr>
+          <p:cNvPr id="5" name="群組 4"/>
+          <p:cNvGrpSpPr/>
           <p:nvPr/>
-        </p:nvSpPr>
-        <p:spPr>
+        </p:nvGrpSpPr>
+        <p:grpSpPr>
           <a:xfrm>
-            <a:off x="5061898" y="1334532"/>
-            <a:ext cx="2390462" cy="495840"/>
-          </a:xfrm>
-          <a:prstGeom prst="rect">
-            <a:avLst/>
-          </a:prstGeom>
-          <a:ln>
-            <a:solidFill>
-              <a:schemeClr val="tx1"/>
-            </a:solidFill>
-          </a:ln>
-        </p:spPr>
-        <p:txBody>
-          <a:bodyPr vert="horz" lIns="91440" tIns="45720" rIns="91440" bIns="45720" rtlCol="0" anchor="ctr">
-            <a:normAutofit fontScale="85000" lnSpcReduction="10000"/>
-          </a:bodyPr>
-          <a:lstStyle>
-            <a:lvl1pPr algn="l" defTabSz="914400" rtl="0" eaLnBrk="1" latinLnBrk="0" hangingPunct="1">
-              <a:lnSpc>
-                <a:spcPct val="90000"/>
-              </a:lnSpc>
-              <a:spcBef>
-                <a:spcPct val="0"/>
-              </a:spcBef>
-              <a:buNone/>
-              <a:defRPr lang="zh-TW" altLang="en-US" sz="4400" kern="1200" dirty="0">
-                <a:solidFill>
-                  <a:schemeClr val="tx1"/>
-                </a:solidFill>
-                <a:latin typeface="Arial Unicode MS" panose="020B0604020202020204" pitchFamily="34" charset="-120"/>
-                <a:ea typeface="微軟正黑體" panose="020B0604030504040204" pitchFamily="34" charset="-120"/>
-                <a:cs typeface="Calibri" panose="020F0502020204030204" pitchFamily="34" charset="0"/>
-              </a:defRPr>
-            </a:lvl1pPr>
-          </a:lstStyle>
-          <a:p>
-            <a:r>
-              <a:rPr lang="en-US" sz="2800" dirty="0" err="1"/>
-              <a:t>onViewCreated</a:t>
-            </a:r>
-            <a:endParaRPr lang="en-US" sz="2800" dirty="0"/>
-          </a:p>
-        </p:txBody>
-      </p:sp>
+            <a:off x="4691058" y="1378836"/>
+            <a:ext cx="6294121" cy="5208435"/>
+            <a:chOff x="4863778" y="1423582"/>
+            <a:chExt cx="6294121" cy="5208435"/>
+          </a:xfrm>
+        </p:grpSpPr>
+        <p:pic>
+          <p:nvPicPr>
+            <p:cNvPr id="7" name="圖片 6">
+              <a:extLst>
+                <a:ext uri="{FF2B5EF4-FFF2-40B4-BE49-F238E27FC236}">
+                  <a16:creationId xmlns:a16="http://schemas.microsoft.com/office/drawing/2014/main" id="{55D75069-0990-4984-9C5D-97F63D13A573}"/>
+                </a:ext>
+              </a:extLst>
+            </p:cNvPr>
+            <p:cNvPicPr>
+              <a:picLocks noChangeAspect="1"/>
+            </p:cNvPicPr>
+            <p:nvPr/>
+          </p:nvPicPr>
+          <p:blipFill rotWithShape="1">
+            <a:blip r:embed="rId4" cstate="print">
+              <a:extLst>
+                <a:ext uri="{28A0092B-C50C-407E-A947-70E740481C1C}">
+                  <a14:useLocalDpi xmlns:a14="http://schemas.microsoft.com/office/drawing/2010/main" val="0"/>
+                </a:ext>
+              </a:extLst>
+            </a:blip>
+            <a:srcRect l="37871" t="31556" r="6471"/>
+            <a:stretch/>
+          </p:blipFill>
+          <p:spPr>
+            <a:xfrm>
+              <a:off x="4863778" y="1938097"/>
+              <a:ext cx="6294121" cy="4693920"/>
+            </a:xfrm>
+            <a:prstGeom prst="rect">
+              <a:avLst/>
+            </a:prstGeom>
+          </p:spPr>
+        </p:pic>
+        <p:sp>
+          <p:nvSpPr>
+            <p:cNvPr id="8" name="標題 1">
+              <a:extLst>
+                <a:ext uri="{FF2B5EF4-FFF2-40B4-BE49-F238E27FC236}">
+                  <a16:creationId xmlns:a16="http://schemas.microsoft.com/office/drawing/2014/main" id="{C8705927-4064-427F-8323-69CB5D08697C}"/>
+                </a:ext>
+              </a:extLst>
+            </p:cNvPr>
+            <p:cNvSpPr txBox="1">
+              <a:spLocks/>
+            </p:cNvSpPr>
+            <p:nvPr/>
+          </p:nvSpPr>
+          <p:spPr>
+            <a:xfrm>
+              <a:off x="4863778" y="1423582"/>
+              <a:ext cx="1968822" cy="372348"/>
+            </a:xfrm>
+            <a:prstGeom prst="rect">
+              <a:avLst/>
+            </a:prstGeom>
+            <a:ln>
+              <a:solidFill>
+                <a:schemeClr val="tx1"/>
+              </a:solidFill>
+            </a:ln>
+          </p:spPr>
+          <p:txBody>
+            <a:bodyPr vert="horz" lIns="91440" tIns="45720" rIns="91440" bIns="45720" rtlCol="0" anchor="ctr">
+              <a:normAutofit/>
+            </a:bodyPr>
+            <a:lstStyle>
+              <a:lvl1pPr algn="l" defTabSz="914400" rtl="0" eaLnBrk="1" latinLnBrk="0" hangingPunct="1">
+                <a:lnSpc>
+                  <a:spcPct val="90000"/>
+                </a:lnSpc>
+                <a:spcBef>
+                  <a:spcPct val="0"/>
+                </a:spcBef>
+                <a:buNone/>
+                <a:defRPr lang="zh-TW" altLang="en-US" sz="4400" kern="1200" dirty="0">
+                  <a:solidFill>
+                    <a:schemeClr val="tx1"/>
+                  </a:solidFill>
+                  <a:latin typeface="Arial Unicode MS" panose="020B0604020202020204" pitchFamily="34" charset="-120"/>
+                  <a:ea typeface="微軟正黑體" panose="020B0604030504040204" pitchFamily="34" charset="-120"/>
+                  <a:cs typeface="Calibri" panose="020F0502020204030204" pitchFamily="34" charset="0"/>
+                </a:defRPr>
+              </a:lvl1pPr>
+            </a:lstStyle>
+            <a:p>
+              <a:r>
+                <a:rPr lang="en-US" sz="2000" dirty="0" err="1"/>
+                <a:t>onViewCreated</a:t>
+              </a:r>
+              <a:endParaRPr lang="en-US" sz="2000" dirty="0"/>
+            </a:p>
+          </p:txBody>
+        </p:sp>
+      </p:grpSp>
     </p:spTree>
     <p:extLst>
       <p:ext uri="{BB962C8B-B14F-4D97-AF65-F5344CB8AC3E}">
@@ -5478,6 +6247,13 @@
   <p:clrMapOvr>
     <a:masterClrMapping/>
   </p:clrMapOvr>
+  <p:timing>
+    <p:tnLst>
+      <p:par>
+        <p:cTn id="1" dur="indefinite" restart="never" nodeType="tmRoot"/>
+      </p:par>
+    </p:tnLst>
+  </p:timing>
 </p:sld>
 </file>
 
@@ -5510,7 +6286,7 @@
           <a:blip r:embed="rId2">
             <a:duotone>
               <a:prstClr val="black"/>
-              <a:schemeClr val="accent1">
+              <a:schemeClr val="accent2">
                 <a:lumMod val="20000"/>
                 <a:lumOff val="80000"/>
                 <a:tint val="45000"/>
@@ -5595,7 +6371,7 @@
       </p:sp>
       <p:pic>
         <p:nvPicPr>
-          <p:cNvPr id="6" name="圖片 5">
+          <p:cNvPr id="9" name="圖片 8">
             <a:extLst>
               <a:ext uri="{FF2B5EF4-FFF2-40B4-BE49-F238E27FC236}">
                 <a16:creationId xmlns:a16="http://schemas.microsoft.com/office/drawing/2014/main" id="{AB2C63BA-A7D0-4057-9535-6AE73BE7C2E7}"/>
@@ -5620,7 +6396,7 @@
         </p:blipFill>
         <p:spPr>
           <a:xfrm>
-            <a:off x="4491015" y="705304"/>
+            <a:off x="4491015" y="455688"/>
             <a:ext cx="4119585" cy="6265787"/>
           </a:xfrm>
           <a:prstGeom prst="rect">
@@ -5631,13 +6407,20 @@
     </p:spTree>
     <p:extLst>
       <p:ext uri="{BB962C8B-B14F-4D97-AF65-F5344CB8AC3E}">
-        <p14:creationId xmlns:p14="http://schemas.microsoft.com/office/powerpoint/2010/main" val="3378292336"/>
+        <p14:creationId xmlns:p14="http://schemas.microsoft.com/office/powerpoint/2010/main" val="2501126981"/>
       </p:ext>
     </p:extLst>
   </p:cSld>
   <p:clrMapOvr>
     <a:masterClrMapping/>
   </p:clrMapOvr>
+  <p:timing>
+    <p:tnLst>
+      <p:par>
+        <p:cTn id="1" dur="indefinite" restart="never" nodeType="tmRoot"/>
+      </p:par>
+    </p:tnLst>
+  </p:timing>
 </p:sld>
 </file>
 
@@ -5755,10 +6538,10 @@
       </p:sp>
       <p:pic>
         <p:nvPicPr>
-          <p:cNvPr id="6" name="圖片 5">
+          <p:cNvPr id="7" name="圖片 6">
             <a:extLst>
               <a:ext uri="{FF2B5EF4-FFF2-40B4-BE49-F238E27FC236}">
-                <a16:creationId xmlns:a16="http://schemas.microsoft.com/office/drawing/2014/main" id="{FE0F78E9-B9DB-4D92-8718-B0BC9EC944CB}"/>
+                <a16:creationId xmlns:a16="http://schemas.microsoft.com/office/drawing/2014/main" id="{A00C8454-A41B-45A8-8DBA-FFFBD755025A}"/>
               </a:ext>
             </a:extLst>
           </p:cNvPr>
@@ -5775,13 +6558,13 @@
               </a:ext>
             </a:extLst>
           </a:blip>
-          <a:srcRect l="13887" r="69774" b="10853"/>
+          <a:srcRect t="5695" r="87753" b="47815"/>
           <a:stretch/>
         </p:blipFill>
         <p:spPr>
           <a:xfrm>
-            <a:off x="4412877" y="583461"/>
-            <a:ext cx="2466894" cy="6274539"/>
+            <a:off x="766358" y="1211365"/>
+            <a:ext cx="3276972" cy="5799035"/>
           </a:xfrm>
           <a:prstGeom prst="rect">
             <a:avLst/>
@@ -5790,19 +6573,13 @@
       </p:pic>
       <p:pic>
         <p:nvPicPr>
-          <p:cNvPr id="7" name="圖片 6">
-            <a:extLst>
-              <a:ext uri="{FF2B5EF4-FFF2-40B4-BE49-F238E27FC236}">
-                <a16:creationId xmlns:a16="http://schemas.microsoft.com/office/drawing/2014/main" id="{A00C8454-A41B-45A8-8DBA-FFFBD755025A}"/>
-              </a:ext>
-            </a:extLst>
-          </p:cNvPr>
+          <p:cNvPr id="5" name="圖片 4"/>
           <p:cNvPicPr>
             <a:picLocks noChangeAspect="1"/>
           </p:cNvPicPr>
           <p:nvPr/>
         </p:nvPicPr>
-        <p:blipFill rotWithShape="1">
+        <p:blipFill>
           <a:blip r:embed="rId5" cstate="print">
             <a:extLst>
               <a:ext uri="{28A0092B-C50C-407E-A947-70E740481C1C}">
@@ -5810,13 +6587,14 @@
               </a:ext>
             </a:extLst>
           </a:blip>
-          <a:srcRect t="5695" r="87753" b="47815"/>
-          <a:stretch/>
+          <a:stretch>
+            <a:fillRect/>
+          </a:stretch>
         </p:blipFill>
         <p:spPr>
           <a:xfrm>
-            <a:off x="766358" y="1211365"/>
-            <a:ext cx="3276972" cy="5799035"/>
+            <a:off x="4251520" y="82085"/>
+            <a:ext cx="2395351" cy="6639390"/>
           </a:xfrm>
           <a:prstGeom prst="rect">
             <a:avLst/>
@@ -5825,19 +6603,13 @@
       </p:pic>
       <p:pic>
         <p:nvPicPr>
-          <p:cNvPr id="8" name="圖片 7">
-            <a:extLst>
-              <a:ext uri="{FF2B5EF4-FFF2-40B4-BE49-F238E27FC236}">
-                <a16:creationId xmlns:a16="http://schemas.microsoft.com/office/drawing/2014/main" id="{B7FCAB84-7056-47C2-84FE-5D2DFBE70024}"/>
-              </a:ext>
-            </a:extLst>
-          </p:cNvPr>
+          <p:cNvPr id="9" name="圖片 8"/>
           <p:cNvPicPr>
             <a:picLocks noChangeAspect="1"/>
           </p:cNvPicPr>
           <p:nvPr/>
         </p:nvPicPr>
-        <p:blipFill rotWithShape="1">
+        <p:blipFill>
           <a:blip r:embed="rId6" cstate="print">
             <a:extLst>
               <a:ext uri="{28A0092B-C50C-407E-A947-70E740481C1C}">
@@ -5845,13 +6617,14 @@
               </a:ext>
             </a:extLst>
           </a:blip>
-          <a:srcRect l="30778" r="44322" b="68280"/>
-          <a:stretch/>
+          <a:stretch>
+            <a:fillRect/>
+          </a:stretch>
         </p:blipFill>
         <p:spPr>
           <a:xfrm>
-            <a:off x="7123418" y="1523745"/>
-            <a:ext cx="4747265" cy="2819412"/>
+            <a:off x="7061201" y="1780948"/>
+            <a:ext cx="5039360" cy="2616567"/>
           </a:xfrm>
           <a:prstGeom prst="rect">
             <a:avLst/>
@@ -5868,6 +6641,13 @@
   <p:clrMapOvr>
     <a:masterClrMapping/>
   </p:clrMapOvr>
+  <p:timing>
+    <p:tnLst>
+      <p:par>
+        <p:cTn id="1" dur="indefinite" restart="never" nodeType="tmRoot"/>
+      </p:par>
+    </p:tnLst>
+  </p:timing>
 </p:sld>
 </file>
 
@@ -5917,115 +6697,30 @@
           </a:p>
         </p:txBody>
       </p:sp>
-      <p:sp>
-        <p:nvSpPr>
-          <p:cNvPr id="3" name="標題 2">
-            <a:extLst>
-              <a:ext uri="{FF2B5EF4-FFF2-40B4-BE49-F238E27FC236}">
-                <a16:creationId xmlns:a16="http://schemas.microsoft.com/office/drawing/2014/main" id="{BFEE40D6-C1D8-4A61-8781-80FC64C12C0E}"/>
-              </a:ext>
-            </a:extLst>
-          </p:cNvPr>
-          <p:cNvSpPr>
-            <a:spLocks noGrp="1"/>
-          </p:cNvSpPr>
-          <p:nvPr>
-            <p:ph type="title"/>
-          </p:nvPr>
-        </p:nvSpPr>
-        <p:spPr/>
-        <p:txBody>
-          <a:bodyPr/>
-          <a:lstStyle/>
-          <a:p>
-            <a:endParaRPr lang="zh-TW" altLang="en-US"/>
-          </a:p>
-        </p:txBody>
-      </p:sp>
       <p:pic>
         <p:nvPicPr>
-          <p:cNvPr id="4" name="Picture 12">
-            <a:extLst>
-              <a:ext uri="{FF2B5EF4-FFF2-40B4-BE49-F238E27FC236}">
-                <a16:creationId xmlns:a16="http://schemas.microsoft.com/office/drawing/2014/main" id="{3CF07319-423D-430A-A86B-0935C46857DF}"/>
-              </a:ext>
-            </a:extLst>
-          </p:cNvPr>
+          <p:cNvPr id="6" name="圖片 5"/>
           <p:cNvPicPr>
             <a:picLocks noChangeAspect="1"/>
           </p:cNvPicPr>
           <p:nvPr/>
         </p:nvPicPr>
         <p:blipFill>
-          <a:blip r:embed="rId2">
-            <a:duotone>
-              <a:prstClr val="black"/>
-              <a:schemeClr val="accent6">
-                <a:lumMod val="20000"/>
-                <a:lumOff val="80000"/>
-                <a:tint val="45000"/>
-                <a:satMod val="400000"/>
-              </a:schemeClr>
-            </a:duotone>
-            <a:extLst>
-              <a:ext uri="{BEBA8EAE-BF5A-486C-A8C5-ECC9F3942E4B}">
-                <a14:imgProps xmlns:a14="http://schemas.microsoft.com/office/drawing/2010/main">
-                  <a14:imgLayer r:embed="rId3">
-                    <a14:imgEffect>
-                      <a14:colorTemperature colorTemp="11200"/>
-                    </a14:imgEffect>
-                    <a14:imgEffect>
-                      <a14:saturation sat="400000"/>
-                    </a14:imgEffect>
-                  </a14:imgLayer>
-                </a14:imgProps>
-              </a:ext>
-            </a:extLst>
-          </a:blip>
-          <a:srcRect/>
-          <a:stretch>
-            <a:fillRect/>
-          </a:stretch>
-        </p:blipFill>
-        <p:spPr>
-          <a:xfrm rot="175068">
-            <a:off x="631301" y="1114264"/>
-            <a:ext cx="3401280" cy="323122"/>
-          </a:xfrm>
-          <a:prstGeom prst="rect">
-            <a:avLst/>
-          </a:prstGeom>
-        </p:spPr>
-      </p:pic>
-      <p:pic>
-        <p:nvPicPr>
-          <p:cNvPr id="9" name="圖片 8">
-            <a:extLst>
-              <a:ext uri="{FF2B5EF4-FFF2-40B4-BE49-F238E27FC236}">
-                <a16:creationId xmlns:a16="http://schemas.microsoft.com/office/drawing/2014/main" id="{B2DD0B3C-2759-4B14-95FE-6F3CD4578511}"/>
-              </a:ext>
-            </a:extLst>
-          </p:cNvPr>
-          <p:cNvPicPr>
-            <a:picLocks noChangeAspect="1"/>
-          </p:cNvPicPr>
-          <p:nvPr/>
-        </p:nvPicPr>
-        <p:blipFill rotWithShape="1">
-          <a:blip r:embed="rId4" cstate="print">
+          <a:blip r:embed="rId2" cstate="print">
             <a:extLst>
               <a:ext uri="{28A0092B-C50C-407E-A947-70E740481C1C}">
                 <a14:useLocalDpi xmlns:a14="http://schemas.microsoft.com/office/drawing/2010/main" val="0"/>
               </a:ext>
             </a:extLst>
           </a:blip>
-          <a:srcRect l="52619" r="24881"/>
-          <a:stretch/>
+          <a:stretch>
+            <a:fillRect/>
+          </a:stretch>
         </p:blipFill>
         <p:spPr>
           <a:xfrm>
-            <a:off x="2171379" y="1206326"/>
-            <a:ext cx="2888343" cy="5515149"/>
+            <a:off x="2677161" y="137795"/>
+            <a:ext cx="3734587" cy="6720205"/>
           </a:xfrm>
           <a:prstGeom prst="rect">
             <a:avLst/>
@@ -6034,33 +6729,28 @@
       </p:pic>
       <p:pic>
         <p:nvPicPr>
-          <p:cNvPr id="10" name="圖片 9">
-            <a:extLst>
-              <a:ext uri="{FF2B5EF4-FFF2-40B4-BE49-F238E27FC236}">
-                <a16:creationId xmlns:a16="http://schemas.microsoft.com/office/drawing/2014/main" id="{C99B98DA-DAC8-4947-8CD6-A75D01F8C166}"/>
-              </a:ext>
-            </a:extLst>
-          </p:cNvPr>
+          <p:cNvPr id="8" name="圖片 7"/>
           <p:cNvPicPr>
             <a:picLocks noChangeAspect="1"/>
           </p:cNvPicPr>
           <p:nvPr/>
         </p:nvPicPr>
-        <p:blipFill rotWithShape="1">
-          <a:blip r:embed="rId5" cstate="print">
+        <p:blipFill>
+          <a:blip r:embed="rId3" cstate="print">
             <a:extLst>
               <a:ext uri="{28A0092B-C50C-407E-A947-70E740481C1C}">
                 <a14:useLocalDpi xmlns:a14="http://schemas.microsoft.com/office/drawing/2010/main" val="0"/>
               </a:ext>
             </a:extLst>
           </a:blip>
-          <a:srcRect l="76309" b="35432"/>
-          <a:stretch/>
+          <a:stretch>
+            <a:fillRect/>
+          </a:stretch>
         </p:blipFill>
         <p:spPr>
           <a:xfrm>
-            <a:off x="7231747" y="1497908"/>
-            <a:ext cx="3741057" cy="4380563"/>
+            <a:off x="6252073" y="843915"/>
+            <a:ext cx="4995047" cy="5426980"/>
           </a:xfrm>
           <a:prstGeom prst="rect">
             <a:avLst/>
@@ -6077,6 +6767,13 @@
   <p:clrMapOvr>
     <a:masterClrMapping/>
   </p:clrMapOvr>
+  <p:timing>
+    <p:tnLst>
+      <p:par>
+        <p:cTn id="1" dur="indefinite" restart="never" nodeType="tmRoot"/>
+      </p:par>
+    </p:tnLst>
+  </p:timing>
 </p:sld>
 </file>
 
@@ -6290,6 +6987,13 @@
   <p:clrMapOvr>
     <a:masterClrMapping/>
   </p:clrMapOvr>
+  <p:timing>
+    <p:tnLst>
+      <p:par>
+        <p:cTn id="1" dur="indefinite" restart="never" nodeType="tmRoot"/>
+      </p:par>
+    </p:tnLst>
+  </p:timing>
 </p:sld>
 </file>
 

--- a/Zoo.pptx
+++ b/Zoo.pptx
@@ -5,10 +5,10 @@
     <p:sldMasterId id="2147483648" r:id="rId1"/>
   </p:sldMasterIdLst>
   <p:notesMasterIdLst>
-    <p:notesMasterId r:id="rId20"/>
+    <p:notesMasterId r:id="rId21"/>
   </p:notesMasterIdLst>
   <p:handoutMasterIdLst>
-    <p:handoutMasterId r:id="rId21"/>
+    <p:handoutMasterId r:id="rId22"/>
   </p:handoutMasterIdLst>
   <p:sldIdLst>
     <p:sldId id="256" r:id="rId2"/>
@@ -29,6 +29,7 @@
     <p:sldId id="280" r:id="rId17"/>
     <p:sldId id="281" r:id="rId18"/>
     <p:sldId id="282" r:id="rId19"/>
+    <p:sldId id="283" r:id="rId20"/>
   </p:sldIdLst>
   <p:sldSz cx="12192000" cy="6858000"/>
   <p:notesSz cx="6858000" cy="9144000"/>
@@ -220,7 +221,7 @@
           <a:p>
             <a:fld id="{70D0B8ED-529C-4580-A1E0-32CB70AFFC27}" type="datetimeFigureOut">
               <a:rPr lang="zh-TW" altLang="en-US" smtClean="0"/>
-              <a:t>2022/4/21</a:t>
+              <a:t>2022/4/22</a:t>
             </a:fld>
             <a:endParaRPr lang="zh-TW" altLang="en-US"/>
           </a:p>
@@ -385,7 +386,7 @@
           <a:p>
             <a:fld id="{275D115C-AC36-4580-89FF-99E16F395DAE}" type="datetimeFigureOut">
               <a:rPr lang="zh-TW" altLang="en-US" smtClean="0"/>
-              <a:t>2022/4/21</a:t>
+              <a:t>2022/4/22</a:t>
             </a:fld>
             <a:endParaRPr lang="zh-TW" altLang="en-US"/>
           </a:p>
@@ -865,7 +866,7 @@
           <a:p>
             <a:fld id="{BB0C4050-DEC4-4881-824D-30C1E3F2A9A8}" type="datetime1">
               <a:rPr lang="zh-TW" altLang="en-US" smtClean="0"/>
-              <a:t>2022/4/21</a:t>
+              <a:t>2022/4/22</a:t>
             </a:fld>
             <a:endParaRPr lang="zh-TW" altLang="en-US"/>
           </a:p>
@@ -1125,7 +1126,7 @@
           <a:p>
             <a:fld id="{C34F2E2B-7091-42C9-B270-BB9E8B980B4B}" type="datetime1">
               <a:rPr lang="zh-TW" altLang="en-US" smtClean="0"/>
-              <a:t>2022/4/21</a:t>
+              <a:t>2022/4/22</a:t>
             </a:fld>
             <a:endParaRPr lang="zh-TW" altLang="en-US"/>
           </a:p>
@@ -1349,7 +1350,7 @@
           <a:p>
             <a:fld id="{42CA4671-2A61-49EE-BD41-5FC4514C313B}" type="datetime1">
               <a:rPr lang="zh-TW" altLang="en-US" smtClean="0"/>
-              <a:t>2022/4/21</a:t>
+              <a:t>2022/4/22</a:t>
             </a:fld>
             <a:endParaRPr lang="zh-TW" altLang="en-US"/>
           </a:p>
@@ -1574,7 +1575,7 @@
           <a:p>
             <a:fld id="{9693DD7E-7FCF-45AA-BD1B-9F23568B8081}" type="datetime1">
               <a:rPr lang="zh-TW" altLang="en-US" smtClean="0"/>
-              <a:t>2022/4/21</a:t>
+              <a:t>2022/4/22</a:t>
             </a:fld>
             <a:endParaRPr lang="zh-TW" altLang="en-US"/>
           </a:p>
@@ -1715,7 +1716,7 @@
           <a:p>
             <a:fld id="{BD61F9FD-FED9-4EA0-94A3-CDCA41FF80B7}" type="datetime1">
               <a:rPr lang="zh-TW" altLang="en-US" smtClean="0"/>
-              <a:t>2022/4/21</a:t>
+              <a:t>2022/4/22</a:t>
             </a:fld>
             <a:endParaRPr lang="zh-TW" altLang="en-US"/>
           </a:p>
@@ -1894,7 +1895,7 @@
           <a:p>
             <a:fld id="{7AB1C734-E21A-4EC9-8D94-E823CBEF3E6F}" type="datetime1">
               <a:rPr lang="zh-TW" altLang="en-US" smtClean="0"/>
-              <a:t>2022/4/21</a:t>
+              <a:t>2022/4/22</a:t>
             </a:fld>
             <a:endParaRPr lang="zh-TW" altLang="en-US"/>
           </a:p>
@@ -2073,7 +2074,7 @@
           <a:p>
             <a:fld id="{B3E94EC9-08E4-4104-B6C8-DE11BF8F1B9B}" type="datetime1">
               <a:rPr lang="zh-TW" altLang="en-US" smtClean="0"/>
-              <a:t>2022/4/21</a:t>
+              <a:t>2022/4/22</a:t>
             </a:fld>
             <a:endParaRPr lang="zh-TW" altLang="en-US"/>
           </a:p>
@@ -2252,7 +2253,7 @@
           <a:p>
             <a:fld id="{4B4CC18B-CD78-4932-8B30-BE106935244F}" type="datetime1">
               <a:rPr lang="zh-TW" altLang="en-US" smtClean="0"/>
-              <a:t>2022/4/21</a:t>
+              <a:t>2022/4/22</a:t>
             </a:fld>
             <a:endParaRPr lang="zh-TW" altLang="en-US"/>
           </a:p>
@@ -2516,7 +2517,7 @@
           <a:p>
             <a:fld id="{B3995534-E273-41F9-AD88-E86F2E56860D}" type="datetime1">
               <a:rPr lang="zh-TW" altLang="en-US" smtClean="0"/>
-              <a:t>2022/4/21</a:t>
+              <a:t>2022/4/22</a:t>
             </a:fld>
             <a:endParaRPr lang="zh-TW" altLang="en-US"/>
           </a:p>
@@ -2695,7 +2696,7 @@
           <a:p>
             <a:fld id="{8A617B94-27D4-4410-A9E6-30C6ADA02174}" type="datetime1">
               <a:rPr lang="zh-TW" altLang="en-US" smtClean="0"/>
-              <a:t>2022/4/21</a:t>
+              <a:t>2022/4/22</a:t>
             </a:fld>
             <a:endParaRPr lang="zh-TW" altLang="en-US"/>
           </a:p>
@@ -3020,7 +3021,7 @@
           <a:p>
             <a:fld id="{11F6897A-56E1-4CCC-BF10-8C55706072E1}" type="datetime1">
               <a:rPr lang="zh-TW" altLang="en-US" smtClean="0"/>
-              <a:t>2022/4/21</a:t>
+              <a:t>2022/4/22</a:t>
             </a:fld>
             <a:endParaRPr lang="zh-TW" altLang="en-US"/>
           </a:p>
@@ -3277,7 +3278,7 @@
           <a:p>
             <a:fld id="{39352925-F3F5-415F-9D64-AD05F3113416}" type="datetime1">
               <a:rPr lang="zh-TW" altLang="en-US" smtClean="0"/>
-              <a:t>2022/4/21</a:t>
+              <a:t>2022/4/22</a:t>
             </a:fld>
             <a:endParaRPr lang="zh-TW" altLang="en-US"/>
           </a:p>
@@ -3912,13 +3913,6 @@
   <p:clrMapOvr>
     <a:masterClrMapping/>
   </p:clrMapOvr>
-  <p:timing>
-    <p:tnLst>
-      <p:par>
-        <p:cTn id="1" dur="indefinite" restart="never" nodeType="tmRoot"/>
-      </p:par>
-    </p:tnLst>
-  </p:timing>
 </p:sld>
 </file>
 
@@ -4008,13 +4002,6 @@
   <p:clrMapOvr>
     <a:masterClrMapping/>
   </p:clrMapOvr>
-  <p:timing>
-    <p:tnLst>
-      <p:par>
-        <p:cTn id="1" dur="indefinite" restart="never" nodeType="tmRoot"/>
-      </p:par>
-    </p:tnLst>
-  </p:timing>
 </p:sld>
 </file>
 
@@ -4193,13 +4180,6 @@
   <p:clrMapOvr>
     <a:masterClrMapping/>
   </p:clrMapOvr>
-  <p:timing>
-    <p:tnLst>
-      <p:par>
-        <p:cTn id="1" dur="indefinite" restart="never" nodeType="tmRoot"/>
-      </p:par>
-    </p:tnLst>
-  </p:timing>
 </p:sld>
 </file>
 
@@ -4251,13 +4231,19 @@
       </p:sp>
       <p:pic>
         <p:nvPicPr>
-          <p:cNvPr id="4" name="圖片 3"/>
+          <p:cNvPr id="5" name="圖片 4">
+            <a:extLst>
+              <a:ext uri="{FF2B5EF4-FFF2-40B4-BE49-F238E27FC236}">
+                <a16:creationId xmlns:a16="http://schemas.microsoft.com/office/drawing/2014/main" id="{9AA599BE-EB13-4F3C-A803-40ABE493EC0B}"/>
+              </a:ext>
+            </a:extLst>
+          </p:cNvPr>
           <p:cNvPicPr>
             <a:picLocks noChangeAspect="1"/>
           </p:cNvPicPr>
           <p:nvPr/>
         </p:nvPicPr>
-        <p:blipFill>
+        <p:blipFill rotWithShape="1">
           <a:blip r:embed="rId2" cstate="print">
             <a:extLst>
               <a:ext uri="{28A0092B-C50C-407E-A947-70E740481C1C}">
@@ -4265,20 +4251,66 @@
               </a:ext>
             </a:extLst>
           </a:blip>
-          <a:stretch>
-            <a:fillRect/>
-          </a:stretch>
+          <a:srcRect t="8565"/>
+          <a:stretch/>
         </p:blipFill>
         <p:spPr>
           <a:xfrm>
-            <a:off x="2676720" y="259715"/>
-            <a:ext cx="7654740" cy="6710045"/>
+            <a:off x="1773725" y="181203"/>
+            <a:ext cx="9474846" cy="6633929"/>
           </a:xfrm>
           <a:prstGeom prst="rect">
             <a:avLst/>
           </a:prstGeom>
         </p:spPr>
       </p:pic>
+      <p:sp>
+        <p:nvSpPr>
+          <p:cNvPr id="6" name="文字方塊 5">
+            <a:extLst>
+              <a:ext uri="{FF2B5EF4-FFF2-40B4-BE49-F238E27FC236}">
+                <a16:creationId xmlns:a16="http://schemas.microsoft.com/office/drawing/2014/main" id="{2130117D-05A1-40A6-ACBC-24D1231846BB}"/>
+              </a:ext>
+            </a:extLst>
+          </p:cNvPr>
+          <p:cNvSpPr txBox="1"/>
+          <p:nvPr/>
+        </p:nvSpPr>
+        <p:spPr>
+          <a:xfrm>
+            <a:off x="533400" y="419100"/>
+            <a:ext cx="1467068" cy="707886"/>
+          </a:xfrm>
+          <a:prstGeom prst="rect">
+            <a:avLst/>
+          </a:prstGeom>
+          <a:noFill/>
+          <a:ln>
+            <a:solidFill>
+              <a:srgbClr val="000000"/>
+            </a:solidFill>
+          </a:ln>
+        </p:spPr>
+        <p:txBody>
+          <a:bodyPr wrap="none" rtlCol="0">
+            <a:spAutoFit/>
+          </a:bodyPr>
+          <a:lstStyle/>
+          <a:p>
+            <a:r>
+              <a:rPr lang="en-US" altLang="zh-TW" sz="2000" dirty="0" err="1"/>
+              <a:t>onResponse</a:t>
+            </a:r>
+            <a:br>
+              <a:rPr lang="en-US" altLang="zh-TW" sz="2000" dirty="0"/>
+            </a:br>
+            <a:r>
+              <a:rPr lang="zh-TW" altLang="en-US" sz="2000" dirty="0"/>
+              <a:t>塞詳細內容</a:t>
+            </a:r>
+          </a:p>
+        </p:txBody>
+      </p:sp>
     </p:spTree>
     <p:extLst>
       <p:ext uri="{BB962C8B-B14F-4D97-AF65-F5344CB8AC3E}">
@@ -4289,13 +4321,6 @@
   <p:clrMapOvr>
     <a:masterClrMapping/>
   </p:clrMapOvr>
-  <p:timing>
-    <p:tnLst>
-      <p:par>
-        <p:cTn id="1" dur="indefinite" restart="never" nodeType="tmRoot"/>
-      </p:par>
-    </p:tnLst>
-  </p:timing>
 </p:sld>
 </file>
 
@@ -4474,13 +4499,6 @@
   <p:clrMapOvr>
     <a:masterClrMapping/>
   </p:clrMapOvr>
-  <p:timing>
-    <p:tnLst>
-      <p:par>
-        <p:cTn id="1" dur="indefinite" restart="never" nodeType="tmRoot"/>
-      </p:par>
-    </p:tnLst>
-  </p:timing>
 </p:sld>
 </file>
 
@@ -4922,6 +4940,61 @@
           <a:chExt cx="0" cy="0"/>
         </a:xfrm>
       </p:grpSpPr>
+      <p:pic>
+        <p:nvPicPr>
+          <p:cNvPr id="6" name="Picture 12">
+            <a:extLst>
+              <a:ext uri="{FF2B5EF4-FFF2-40B4-BE49-F238E27FC236}">
+                <a16:creationId xmlns:a16="http://schemas.microsoft.com/office/drawing/2014/main" id="{B4F9B522-BB7C-4F9C-A88D-A17B31C60959}"/>
+              </a:ext>
+            </a:extLst>
+          </p:cNvPr>
+          <p:cNvPicPr>
+            <a:picLocks noChangeAspect="1"/>
+          </p:cNvPicPr>
+          <p:nvPr/>
+        </p:nvPicPr>
+        <p:blipFill>
+          <a:blip r:embed="rId2">
+            <a:duotone>
+              <a:prstClr val="black"/>
+              <a:schemeClr val="accent1">
+                <a:lumMod val="20000"/>
+                <a:lumOff val="80000"/>
+                <a:tint val="45000"/>
+                <a:satMod val="400000"/>
+              </a:schemeClr>
+            </a:duotone>
+            <a:extLst>
+              <a:ext uri="{BEBA8EAE-BF5A-486C-A8C5-ECC9F3942E4B}">
+                <a14:imgProps xmlns:a14="http://schemas.microsoft.com/office/drawing/2010/main">
+                  <a14:imgLayer r:embed="rId3">
+                    <a14:imgEffect>
+                      <a14:colorTemperature colorTemp="11200"/>
+                    </a14:imgEffect>
+                    <a14:imgEffect>
+                      <a14:saturation sat="400000"/>
+                    </a14:imgEffect>
+                  </a14:imgLayer>
+                </a14:imgProps>
+              </a:ext>
+            </a:extLst>
+          </a:blip>
+          <a:srcRect/>
+          <a:stretch>
+            <a:fillRect/>
+          </a:stretch>
+        </p:blipFill>
+        <p:spPr>
+          <a:xfrm rot="175068">
+            <a:off x="631301" y="1114264"/>
+            <a:ext cx="3401280" cy="323122"/>
+          </a:xfrm>
+          <a:prstGeom prst="rect">
+            <a:avLst/>
+          </a:prstGeom>
+        </p:spPr>
+      </p:pic>
       <p:sp>
         <p:nvSpPr>
           <p:cNvPr id="2" name="標題 1"/>
@@ -4937,7 +5010,11 @@
           <a:bodyPr/>
           <a:lstStyle/>
           <a:p>
-            <a:endParaRPr lang="zh-TW" altLang="en-US"/>
+            <a:r>
+              <a:rPr lang="en-US" altLang="zh-TW" dirty="0" err="1"/>
+              <a:t>GeoFragment</a:t>
+            </a:r>
+            <a:endParaRPr lang="zh-TW" altLang="en-US" dirty="0"/>
           </a:p>
         </p:txBody>
       </p:sp>
@@ -4964,10 +5041,297 @@
           </a:p>
         </p:txBody>
       </p:sp>
+      <p:pic>
+        <p:nvPicPr>
+          <p:cNvPr id="10" name="圖片 9" descr="一張含有 文字 的圖片&#10;&#10;自動產生的描述">
+            <a:extLst>
+              <a:ext uri="{FF2B5EF4-FFF2-40B4-BE49-F238E27FC236}">
+                <a16:creationId xmlns:a16="http://schemas.microsoft.com/office/drawing/2014/main" id="{982B906D-7CCD-478C-A4F3-8F9955B3329A}"/>
+              </a:ext>
+            </a:extLst>
+          </p:cNvPr>
+          <p:cNvPicPr>
+            <a:picLocks noChangeAspect="1"/>
+          </p:cNvPicPr>
+          <p:nvPr/>
+        </p:nvPicPr>
+        <p:blipFill>
+          <a:blip r:embed="rId4" cstate="print">
+            <a:extLst>
+              <a:ext uri="{28A0092B-C50C-407E-A947-70E740481C1C}">
+                <a14:useLocalDpi xmlns:a14="http://schemas.microsoft.com/office/drawing/2010/main" val="0"/>
+              </a:ext>
+            </a:extLst>
+          </a:blip>
+          <a:stretch>
+            <a:fillRect/>
+          </a:stretch>
+        </p:blipFill>
+        <p:spPr>
+          <a:xfrm>
+            <a:off x="4286604" y="1160116"/>
+            <a:ext cx="3853645" cy="5561359"/>
+          </a:xfrm>
+          <a:prstGeom prst="rect">
+            <a:avLst/>
+          </a:prstGeom>
+        </p:spPr>
+      </p:pic>
+      <p:pic>
+        <p:nvPicPr>
+          <p:cNvPr id="14" name="圖片 13" descr="一張含有 文字 的圖片&#10;&#10;自動產生的描述">
+            <a:extLst>
+              <a:ext uri="{FF2B5EF4-FFF2-40B4-BE49-F238E27FC236}">
+                <a16:creationId xmlns:a16="http://schemas.microsoft.com/office/drawing/2014/main" id="{CBD80D79-17F5-4F75-84DC-7CB00FEE2C26}"/>
+              </a:ext>
+            </a:extLst>
+          </p:cNvPr>
+          <p:cNvPicPr>
+            <a:picLocks noChangeAspect="1"/>
+          </p:cNvPicPr>
+          <p:nvPr/>
+        </p:nvPicPr>
+        <p:blipFill>
+          <a:blip r:embed="rId5" cstate="print">
+            <a:extLst>
+              <a:ext uri="{28A0092B-C50C-407E-A947-70E740481C1C}">
+                <a14:useLocalDpi xmlns:a14="http://schemas.microsoft.com/office/drawing/2010/main" val="0"/>
+              </a:ext>
+            </a:extLst>
+          </a:blip>
+          <a:stretch>
+            <a:fillRect/>
+          </a:stretch>
+        </p:blipFill>
+        <p:spPr>
+          <a:xfrm>
+            <a:off x="7550676" y="114798"/>
+            <a:ext cx="3426470" cy="2766220"/>
+          </a:xfrm>
+          <a:prstGeom prst="rect">
+            <a:avLst/>
+          </a:prstGeom>
+        </p:spPr>
+      </p:pic>
     </p:spTree>
     <p:extLst>
       <p:ext uri="{BB962C8B-B14F-4D97-AF65-F5344CB8AC3E}">
         <p14:creationId xmlns:p14="http://schemas.microsoft.com/office/powerpoint/2010/main" val="684429321"/>
+      </p:ext>
+    </p:extLst>
+  </p:cSld>
+  <p:clrMapOvr>
+    <a:masterClrMapping/>
+  </p:clrMapOvr>
+</p:sld>
+</file>
+
+<file path=ppt/slides/slide19.xml><?xml version="1.0" encoding="utf-8"?>
+<p:sld xmlns:a="http://schemas.openxmlformats.org/drawingml/2006/main" xmlns:r="http://schemas.openxmlformats.org/officeDocument/2006/relationships" xmlns:p="http://schemas.openxmlformats.org/presentationml/2006/main">
+  <p:cSld>
+    <p:spTree>
+      <p:nvGrpSpPr>
+        <p:cNvPr id="1" name=""/>
+        <p:cNvGrpSpPr/>
+        <p:nvPr/>
+      </p:nvGrpSpPr>
+      <p:grpSpPr>
+        <a:xfrm>
+          <a:off x="0" y="0"/>
+          <a:ext cx="0" cy="0"/>
+          <a:chOff x="0" y="0"/>
+          <a:chExt cx="0" cy="0"/>
+        </a:xfrm>
+      </p:grpSpPr>
+      <p:pic>
+        <p:nvPicPr>
+          <p:cNvPr id="4" name="Picture 12">
+            <a:extLst>
+              <a:ext uri="{FF2B5EF4-FFF2-40B4-BE49-F238E27FC236}">
+                <a16:creationId xmlns:a16="http://schemas.microsoft.com/office/drawing/2014/main" id="{06E3C75B-3258-4E30-B2DA-80852FAEDFF8}"/>
+              </a:ext>
+            </a:extLst>
+          </p:cNvPr>
+          <p:cNvPicPr>
+            <a:picLocks noChangeAspect="1"/>
+          </p:cNvPicPr>
+          <p:nvPr/>
+        </p:nvPicPr>
+        <p:blipFill>
+          <a:blip r:embed="rId2">
+            <a:duotone>
+              <a:prstClr val="black"/>
+              <a:schemeClr val="accent1">
+                <a:lumMod val="20000"/>
+                <a:lumOff val="80000"/>
+                <a:tint val="45000"/>
+                <a:satMod val="400000"/>
+              </a:schemeClr>
+            </a:duotone>
+            <a:extLst>
+              <a:ext uri="{BEBA8EAE-BF5A-486C-A8C5-ECC9F3942E4B}">
+                <a14:imgProps xmlns:a14="http://schemas.microsoft.com/office/drawing/2010/main">
+                  <a14:imgLayer r:embed="rId3">
+                    <a14:imgEffect>
+                      <a14:colorTemperature colorTemp="11200"/>
+                    </a14:imgEffect>
+                    <a14:imgEffect>
+                      <a14:saturation sat="400000"/>
+                    </a14:imgEffect>
+                  </a14:imgLayer>
+                </a14:imgProps>
+              </a:ext>
+            </a:extLst>
+          </a:blip>
+          <a:srcRect/>
+          <a:stretch>
+            <a:fillRect/>
+          </a:stretch>
+        </p:blipFill>
+        <p:spPr>
+          <a:xfrm rot="175068">
+            <a:off x="631301" y="1114264"/>
+            <a:ext cx="3401280" cy="323122"/>
+          </a:xfrm>
+          <a:prstGeom prst="rect">
+            <a:avLst/>
+          </a:prstGeom>
+        </p:spPr>
+      </p:pic>
+      <p:sp>
+        <p:nvSpPr>
+          <p:cNvPr id="2" name="標題 1">
+            <a:extLst>
+              <a:ext uri="{FF2B5EF4-FFF2-40B4-BE49-F238E27FC236}">
+                <a16:creationId xmlns:a16="http://schemas.microsoft.com/office/drawing/2014/main" id="{7126951C-84AB-4113-8EBF-34AE66A87502}"/>
+              </a:ext>
+            </a:extLst>
+          </p:cNvPr>
+          <p:cNvSpPr>
+            <a:spLocks noGrp="1"/>
+          </p:cNvSpPr>
+          <p:nvPr>
+            <p:ph type="title"/>
+          </p:nvPr>
+        </p:nvSpPr>
+        <p:spPr/>
+        <p:txBody>
+          <a:bodyPr/>
+          <a:lstStyle/>
+          <a:p>
+            <a:r>
+              <a:rPr lang="en-US" altLang="zh-TW" dirty="0" err="1"/>
+              <a:t>GeoAdapter</a:t>
+            </a:r>
+            <a:endParaRPr lang="zh-TW" altLang="en-US" dirty="0"/>
+          </a:p>
+        </p:txBody>
+      </p:sp>
+      <p:sp>
+        <p:nvSpPr>
+          <p:cNvPr id="3" name="投影片編號版面配置區 2">
+            <a:extLst>
+              <a:ext uri="{FF2B5EF4-FFF2-40B4-BE49-F238E27FC236}">
+                <a16:creationId xmlns:a16="http://schemas.microsoft.com/office/drawing/2014/main" id="{007478AC-AE8C-468C-A250-962F092EB981}"/>
+              </a:ext>
+            </a:extLst>
+          </p:cNvPr>
+          <p:cNvSpPr>
+            <a:spLocks noGrp="1"/>
+          </p:cNvSpPr>
+          <p:nvPr>
+            <p:ph type="sldNum" sz="quarter" idx="12"/>
+          </p:nvPr>
+        </p:nvSpPr>
+        <p:spPr/>
+        <p:txBody>
+          <a:bodyPr/>
+          <a:lstStyle/>
+          <a:p>
+            <a:fld id="{6401F674-B173-4252-B1D5-0488865FD844}" type="slidenum">
+              <a:rPr lang="zh-TW" altLang="en-US" smtClean="0"/>
+              <a:t>19</a:t>
+            </a:fld>
+            <a:endParaRPr lang="zh-TW" altLang="en-US"/>
+          </a:p>
+        </p:txBody>
+      </p:sp>
+      <p:pic>
+        <p:nvPicPr>
+          <p:cNvPr id="6" name="圖片 5">
+            <a:extLst>
+              <a:ext uri="{FF2B5EF4-FFF2-40B4-BE49-F238E27FC236}">
+                <a16:creationId xmlns:a16="http://schemas.microsoft.com/office/drawing/2014/main" id="{0AAB6793-566A-4442-AA20-044A74DE3AAF}"/>
+              </a:ext>
+            </a:extLst>
+          </p:cNvPr>
+          <p:cNvPicPr>
+            <a:picLocks noChangeAspect="1"/>
+          </p:cNvPicPr>
+          <p:nvPr/>
+        </p:nvPicPr>
+        <p:blipFill>
+          <a:blip r:embed="rId4" cstate="print">
+            <a:extLst>
+              <a:ext uri="{28A0092B-C50C-407E-A947-70E740481C1C}">
+                <a14:useLocalDpi xmlns:a14="http://schemas.microsoft.com/office/drawing/2010/main" val="0"/>
+              </a:ext>
+            </a:extLst>
+          </a:blip>
+          <a:stretch>
+            <a:fillRect/>
+          </a:stretch>
+        </p:blipFill>
+        <p:spPr>
+          <a:xfrm>
+            <a:off x="1848054" y="1659271"/>
+            <a:ext cx="3188404" cy="4287845"/>
+          </a:xfrm>
+          <a:prstGeom prst="rect">
+            <a:avLst/>
+          </a:prstGeom>
+        </p:spPr>
+      </p:pic>
+      <p:pic>
+        <p:nvPicPr>
+          <p:cNvPr id="10" name="圖片 9" descr="一張含有 文字 的圖片&#10;&#10;自動產生的描述">
+            <a:extLst>
+              <a:ext uri="{FF2B5EF4-FFF2-40B4-BE49-F238E27FC236}">
+                <a16:creationId xmlns:a16="http://schemas.microsoft.com/office/drawing/2014/main" id="{ADFD037D-2CB0-4B07-8FF0-EAE24EA2B164}"/>
+              </a:ext>
+            </a:extLst>
+          </p:cNvPr>
+          <p:cNvPicPr>
+            <a:picLocks noChangeAspect="1"/>
+          </p:cNvPicPr>
+          <p:nvPr/>
+        </p:nvPicPr>
+        <p:blipFill>
+          <a:blip r:embed="rId5" cstate="print">
+            <a:extLst>
+              <a:ext uri="{28A0092B-C50C-407E-A947-70E740481C1C}">
+                <a14:useLocalDpi xmlns:a14="http://schemas.microsoft.com/office/drawing/2010/main" val="0"/>
+              </a:ext>
+            </a:extLst>
+          </a:blip>
+          <a:stretch>
+            <a:fillRect/>
+          </a:stretch>
+        </p:blipFill>
+        <p:spPr>
+          <a:xfrm>
+            <a:off x="5823758" y="365125"/>
+            <a:ext cx="3857269" cy="6231265"/>
+          </a:xfrm>
+          <a:prstGeom prst="rect">
+            <a:avLst/>
+          </a:prstGeom>
+        </p:spPr>
+      </p:pic>
+    </p:spTree>
+    <p:extLst>
+      <p:ext uri="{BB962C8B-B14F-4D97-AF65-F5344CB8AC3E}">
+        <p14:creationId xmlns:p14="http://schemas.microsoft.com/office/powerpoint/2010/main" val="1633898383"/>
       </p:ext>
     </p:extLst>
   </p:cSld>
@@ -5345,7 +5709,7 @@
               <a:t>extends  </a:t>
             </a:r>
             <a:r>
-              <a:rPr lang="en-US" altLang="zh-TW" dirty="0" err="1" smtClean="0">
+              <a:rPr lang="en-US" altLang="zh-TW" dirty="0" err="1">
                 <a:solidFill>
                   <a:srgbClr val="FF0000"/>
                 </a:solidFill>
@@ -5726,7 +6090,7 @@
           </a:lstStyle>
           <a:p>
             <a:r>
-              <a:rPr lang="en-US" sz="2000" dirty="0" err="1" smtClean="0"/>
+              <a:rPr lang="en-US" sz="2000" dirty="0" err="1"/>
               <a:t>onNewIntent</a:t>
             </a:r>
             <a:endParaRPr lang="en-US" sz="2000" dirty="0"/>
@@ -5743,13 +6107,6 @@
   <p:clrMapOvr>
     <a:masterClrMapping/>
   </p:clrMapOvr>
-  <p:timing>
-    <p:tnLst>
-      <p:par>
-        <p:cTn id="1" dur="indefinite" restart="never" nodeType="tmRoot"/>
-      </p:par>
-    </p:tnLst>
-  </p:timing>
 </p:sld>
 </file>
 
@@ -5970,13 +6327,6 @@
   <p:clrMapOvr>
     <a:masterClrMapping/>
   </p:clrMapOvr>
-  <p:timing>
-    <p:tnLst>
-      <p:par>
-        <p:cTn id="1" dur="indefinite" restart="never" nodeType="tmRoot"/>
-      </p:par>
-    </p:tnLst>
-  </p:timing>
 </p:sld>
 </file>
 
@@ -6247,13 +6597,6 @@
   <p:clrMapOvr>
     <a:masterClrMapping/>
   </p:clrMapOvr>
-  <p:timing>
-    <p:tnLst>
-      <p:par>
-        <p:cTn id="1" dur="indefinite" restart="never" nodeType="tmRoot"/>
-      </p:par>
-    </p:tnLst>
-  </p:timing>
 </p:sld>
 </file>
 
@@ -6414,13 +6757,6 @@
   <p:clrMapOvr>
     <a:masterClrMapping/>
   </p:clrMapOvr>
-  <p:timing>
-    <p:tnLst>
-      <p:par>
-        <p:cTn id="1" dur="indefinite" restart="never" nodeType="tmRoot"/>
-      </p:par>
-    </p:tnLst>
-  </p:timing>
 </p:sld>
 </file>
 
@@ -6641,13 +6977,6 @@
   <p:clrMapOvr>
     <a:masterClrMapping/>
   </p:clrMapOvr>
-  <p:timing>
-    <p:tnLst>
-      <p:par>
-        <p:cTn id="1" dur="indefinite" restart="never" nodeType="tmRoot"/>
-      </p:par>
-    </p:tnLst>
-  </p:timing>
 </p:sld>
 </file>
 
@@ -6767,13 +7096,6 @@
   <p:clrMapOvr>
     <a:masterClrMapping/>
   </p:clrMapOvr>
-  <p:timing>
-    <p:tnLst>
-      <p:par>
-        <p:cTn id="1" dur="indefinite" restart="never" nodeType="tmRoot"/>
-      </p:par>
-    </p:tnLst>
-  </p:timing>
 </p:sld>
 </file>
 
@@ -6987,13 +7309,6 @@
   <p:clrMapOvr>
     <a:masterClrMapping/>
   </p:clrMapOvr>
-  <p:timing>
-    <p:tnLst>
-      <p:par>
-        <p:cTn id="1" dur="indefinite" restart="never" nodeType="tmRoot"/>
-      </p:par>
-    </p:tnLst>
-  </p:timing>
 </p:sld>
 </file>
 
